--- a/content/post/Figures.pptx
+++ b/content/post/Figures.pptx
@@ -6,6 +6,9 @@
   </p:sldMasterIdLst>
   <p:sldIdLst>
     <p:sldId id="256" r:id="rId2"/>
+    <p:sldId id="257" r:id="rId3"/>
+    <p:sldId id="258" r:id="rId4"/>
+    <p:sldId id="259" r:id="rId5"/>
   </p:sldIdLst>
   <p:sldSz cx="12192000" cy="6858000"/>
   <p:notesSz cx="6858000" cy="9144000"/>
@@ -104,7 +107,525 @@
       </a:defRPr>
     </a:lvl9pPr>
   </p:defaultTextStyle>
+  <p:extLst>
+    <p:ext uri="{EFAFB233-063F-42B5-8137-9DF3F51BA10A}">
+      <p15:sldGuideLst xmlns:p15="http://schemas.microsoft.com/office/powerpoint/2012/main"/>
+    </p:ext>
+  </p:extLst>
 </p:presentation>
+</file>
+
+<file path=ppt/ink/ink1.xml><?xml version="1.0" encoding="utf-8"?>
+<inkml:ink xmlns:inkml="http://www.w3.org/2003/InkML">
+  <inkml:definitions>
+    <inkml:context xml:id="ctx0">
+      <inkml:inkSource xml:id="inkSrc0">
+        <inkml:traceFormat>
+          <inkml:channel name="X" type="integer" min="-2.14748E9" max="2.14748E9" units="cm"/>
+          <inkml:channel name="Y" type="integer" min="-2.14748E9" max="2.14748E9" units="cm"/>
+          <inkml:channel name="F" type="integer" max="32767" units="dev"/>
+        </inkml:traceFormat>
+        <inkml:channelProperties>
+          <inkml:channelProperty channel="X" name="resolution" value="1000" units="1/cm"/>
+          <inkml:channelProperty channel="Y" name="resolution" value="1000" units="1/cm"/>
+          <inkml:channelProperty channel="F" name="resolution" value="0" units="1/dev"/>
+        </inkml:channelProperties>
+      </inkml:inkSource>
+      <inkml:timestamp xml:id="ts0" timeString="2022-10-26T13:32:00.962"/>
+    </inkml:context>
+    <inkml:brush xml:id="br0">
+      <inkml:brushProperty name="width" value="0.1" units="cm"/>
+      <inkml:brushProperty name="height" value="0.1" units="cm"/>
+    </inkml:brush>
+  </inkml:definitions>
+  <inkml:trace contextRef="#ctx0" brushRef="#br0">317 111 24575,'21'0'0,"28"0"0,33 0 0,-17 0 0,5 0 0,6 0 0,6 0 0,-8 0 0,5 0 0,-1 0-1600,-7 0 1,-1 0 0,5 0 1599,1 0 0,6 0 0,0 0 0,-2 0 0,13 0 0,-3 0 0,3 0 0,-13 0 0,3 0 0,-1 0 0,0 0 0,19 0 0,-1 0 0,-6 0 0,-17 0 0,-4 0 0,0 0 0,3 0 0,-1 0 0,0 0 0,-4 0 0,-1 0 0,-1 0 379,26 0 0,2 0-379,-21 0 0,3 0 0,-3 0 0,15 0 0,-3 0 0,2 0 0,-1 0 0,-9 0 0,-2 0 0,0 0 0,-4 0 424,-16 0 1,-2 0-425,8 0 0,-1 0 0,32-10 0,-31 8 0,-1 1 0,33-9 0,-42 4 0,1 2 0,0 4 0,-2-3 0,-5-12 0,0 0 0,5 11 0,3 3 1234,22-10 1,-2 2-1235,16 9 0,-7 0 0,-1 0 0,-4 0 0,-26 0 0,1 0 0,0 0 0,-1 0 629,42 0-629,-42 0 0,1 0 0,36 0 0,-37 0 0,0 0 0,42 0 46,-41 0 1,-1 0-47,37 0 0,-15 0 0,-4 0 0,-14 0 0,-1 0 0,0-9 0,1 7 0,-1-7 0,1 9 0,-1 0 0,15 0 0,-22 0 0,19 0 0,-23 0 0,0 0 0,-3 0 0,-12 0 0,-8 0 0,6 0 0,-15 0 0,6 0 0,-8 0 0,0 0 0,-5 6 0,-1 0 0,-6 6 0,0 1 0,0-1 0,0 20 0,0 5 0,0 9 0,-9 8 0,-2-8 0,1 11 0,-7 1 0,6-1 0,-10 16 0,10 3 0,1 15 0,4-38 0,0 3 0,5 0 0,-1 1 0,-4 8 0,1 1 0,4-1 0,2 2-293,-1 9 0,0 0 293,0-7 0,0-1 0,0 8 0,0 1-3295,-1 0 0,2-2 3295,4-7 0,1 1-2204,-5 18 1,1 0 2203,9-19 0,1 1-152,-3 17 1,-1 1 151,-1-19 0,1 1 0,0-4 0,3 3 0,-2-3 0,-1 6 0,-1 1 0,-1 0 0,-1 5 0,2-3 0,5 9 0,1-2 0,-5 9 0,-2 2 0,2-5 0,1 0 0,3-9 0,0 1 0,-3 10 0,-1 2 0,7-2 0,0 1 0,-7 0 0,0-1 0,5-11 0,-1 2-140,-5-8 1,-2 6 0,3-3 139,6 22 0,2 2 0,-4-14 0,-1 6 0,1-6 0,3 10 0,0-2 0,-4-19 0,0 3 0,0-5 0,4 10 0,-2 0 0,-6-8 0,-2 4 0,1-2 0,8 16 0,-1 1 0,-6-18 0,-2 4 0,1-5 0,2 8 0,1 0 0,0-17 0,1 3 0,-1-3 0,0 14 0,-1 0 1690,-1 10 0,2 1-1690,5 0 0,-1-1 0,-11-10 0,-1 0 0,5 8 0,1 0 0,-1-19 0,0 0 0,-5 19 0,1 0 0,4-19 0,-1 1 0,-4 17 0,-2 2 0,1-10 0,0 1 0,-1 10 0,2 2 0,6-2 0,-1 1 0,-4-1 0,0 1 0,5-1 0,-1 1 0,-6 0 0,0-1 0,6-10 0,0 0 0,-5 9 0,1-2 0,4-27 0,-1 0 0,-4 16 0,-2-2 0,1 23 0,0-33 0,0 1 5239,0 31-5239,0-41 0,0 1 296,0 0 1,0-1-297,10 41 0,-8-41 0,-1 1 0,4 0 0,0-1 0,-5 42 0,0-33 0,0 1 1427,0 31-1427,0-40 0,0-1 0,0 37 1091,0 0-1091,0 0 0,0 0 574,0 0-574,0-15 0,0 11 0,0-26 0,0 11 0,0-14 0,0-1 0,0 0 0,0 1 0,0 14 0,0-11 0,0 27 0,0-27 0,0 26 0,0-26 0,0 11 0,0-14 0,0-12 0,0-12 0,0-5 0,0-15 0,0 7 0,0-9 0,0 0 0,0 0 0,0 0 0,-6-5 0,0-2 0,-15-5 0,7 5 0,-16-3 0,16 3 0,-15-5 0,6 0 0,-9 0 0,1 0 0,0 0 0,-1 0 0,1 0 0,-1 0 0,-11 0 0,-2 0 0,-13 0 0,0 0 0,1 0 0,-16 0 0,12 0 0,-26 0 0,25 0 0,-25 0 0,26 0 0,-12 0 0,16 0 0,-16 0 0,12 0 0,-12 8 0,16-6 0,-1 7 0,-14-9 0,10 8 0,-25-5 0,26 13 0,-27-13 0,12 15 0,-15-15 0,37 7 0,-1 1 0,-2-3 0,0-1 0,1 0 0,-1 0 0,-7-1 0,1 0 0,6 0 0,0 0 0,-8-5 0,-1 1 0,0 3 0,0 1 0,0 1 0,0-2 0,9-4 0,1 1 0,-8 9 0,1 1 0,6-11 0,0 1 0,-9 10 0,1-1 0,8-9 0,0-1 0,-7 11 0,1-1 0,-33-8 0,33 3 0,-1 0 0,-31 4 0,31-10 0,1 2 0,-33 19 0,41-20 0,1 0 0,-37 9 0,0-10 0,0 0 0,36 6 0,1 0 0,-42-3 0,41 3 0,1-1 0,-22-5 0,-12 0 0,27 0 0,-26 0 0,25 0 0,-25 0 0,26 0 0,-27 0 0,27 0 0,-11 0 0,-1 0 0,-3 10 0,-15-7 0,15 7 0,-12-10 0,12 0 0,22 0 0,-1 0 0,-26 0 0,28 0 0,1 0 0,-24 0 0,0 0 0,3 0 0,15 0 0,13 0 0,-10 0 0,21 0 0,-21 0 0,29 0 0,-15 0 0,18 0 0,0 0 0,-6 0 0,15 0 0,-15 0 0,14 0 0,-14 0 0,15 0 0,-16 0 0,8 0 0,-10 0 0,9 0 0,-6 0 0,6 0 0,-8 0 0,-1 0 0,10 0 0,-8 0 0,7 0 0,-8 0 0,0 0 0,8 0 0,2-5 0,0 3 0,7-9 0,-15 10 0,14-10 0,-14 3 0,15-5 0,-15-2 0,14 2 0,-14-9 0,15 8 0,-7-7 0,0 7 0,7 1 0,-7 0 0,9 0 0,0 1 0,-9-2 0,7 2 0,-7-2 0,9 2 0,0 5 0,-1-4 0,1 10 0,0-10 0,5 4 0,-4-5 0,10 0 0,-10 5 0,10-4 0,-5-4 0,6-8 0,0-8 0,0-12 0,0 8 0,0-8 0,0 12 0,0-12 0,0-3 0,0-12 0,0 1 0,0-1 0,9 1 0,-7-16 0,6 12 0,-7 9 0,-2-2 0,1-26 0,0 26 0,0-1 0,0 0 0,0 1 0,0-42-316,0 10 1,0-1 315,0 34 0,0-1 0,0-31 0,0-2 0,0 18 0,0 3 0,0-2 0,0-1 0,0-7 0,0-1 0,0 0 0,0 2 0,1 15 0,-2 1 0,-4-16 0,-1 1 0,3-21 0,-3 40 0,0 1 0,-4-37 0,7 0 0,-7 0 0,2 14 0,6-10 0,-7 26 0,9-12 631,0 16-631,0-16 0,0-3 0,0 0 0,0 3 0,0 1-6784,0 11 6784,-8-12 0,5 15 0,-5-14 0,-1 11 0,7-12 0,-6 16 0,8-16 6784,0 12-6784,0-26 0,0 25 0,0-25 0,0 11 0,0-1 0,0 25 0,0-1 0,0-28 0,0 28 0,0-3 0,-6 1 0,0 1 0,3-41 0,-9 31 0,1 1 0,8-33 0,-3 42 0,0-1 0,5 0 0,2 1 0,-1-42 0,0 41 0,0 1 0,0-37 0,0 0 0,-10 0 0,7 0 0,-7 0 0,9 36 0,2 1 0,-1-42 0,0 42 0,0-1 0,0 0 0,0 1 0,0-42 0,0 33 0,0-1 0,0-31 0,-5 32 0,-2-2 0,6 9 0,0-1 0,-5-8 0,0-2 0,5 2 0,2-1 0,-1 0 0,0 0 0,0 0 0,0 1 0,0-1 0,0 0 0,0-10 0,0-1 0,0-2 0,0 0-465,0 1 1,0-2 464,0-8 0,0 2 0,0 17 0,0 1 0,0-8 0,0-1 0,0 11 0,0 1-240,0-2 1,0 2 239,0 8 0,0 1 0,0-6 0,0-3 0,0-16 0,0 3-3159,0 23 0,0-1 3159,0-39 0,0 0 0,0 43 0,0 0-112,0-23 1,0-2 111,0 10 0,0 2 0,0 8 0,0 0 0,0 3 0,0-1 297,0 0 0,0 1-297,0-41 330,0 0-330,0 8 6665,0 11-6665,0 0 0,0 3 360,0 1-360,0 10 0,0-10 0,0 26 0,0-24 0,0 32 0,0-19 0,0 14 0,7 8 0,-5-8 0,4 12 0,-6-1 0,6 10 0,-5-8 0,5 7 0,0-8 0,-4 8 0,5-6 0,0 6 0,-5-8 0,5-1 0,-7 1 0,0-1 0,0 1 0,0 0 0,0-1 0,0 1 0,0 8 0,0-6 0,0 14 0,0-5 0,0 8 0,0-9 0,0 6 0,0-14 0,0 15 0,0-7 0,0 0 0,0 7 0,0-7 0,0 1 0,0 5 0,0-5 0,0-1 0,0 6 0,0-5 0,0-1 0,0 7 0,0-7 0,0 9 0,0 0 0,0-1 0,0 1 0,0 0 0,0 0 0,0 0 0,0-1 0,0 1 0,0 0 0,0 0 0,0 0 0,0-1 0,0 1 0,0 0 0,0 0 0,0 0 0,0-1 0,0 1 0,0 0 0,0 0 0,0-9 0,0 7 0,0-7 0,0 9 0,0 0 0,0-1 0,5 7 0,-4-5 0,10 9 0,-4-3 0,5 5 0,0 0 0,0 0 0,0 0 0,0 0 0,0 0 0,-5 0 0,-2 0 0</inkml:trace>
+</inkml:ink>
+</file>
+
+<file path=ppt/ink/ink10.xml><?xml version="1.0" encoding="utf-8"?>
+<inkml:ink xmlns:inkml="http://www.w3.org/2003/InkML">
+  <inkml:definitions>
+    <inkml:context xml:id="ctx0">
+      <inkml:inkSource xml:id="inkSrc0">
+        <inkml:traceFormat>
+          <inkml:channel name="X" type="integer" min="-2.14748E9" max="2.14748E9" units="cm"/>
+          <inkml:channel name="Y" type="integer" min="-2.14748E9" max="2.14748E9" units="cm"/>
+          <inkml:channel name="F" type="integer" max="32767" units="dev"/>
+        </inkml:traceFormat>
+        <inkml:channelProperties>
+          <inkml:channelProperty channel="X" name="resolution" value="1000" units="1/cm"/>
+          <inkml:channelProperty channel="Y" name="resolution" value="1000" units="1/cm"/>
+          <inkml:channelProperty channel="F" name="resolution" value="0" units="1/dev"/>
+        </inkml:channelProperties>
+      </inkml:inkSource>
+      <inkml:timestamp xml:id="ts0" timeString="2022-10-26T13:34:40.127"/>
+    </inkml:context>
+    <inkml:brush xml:id="br0">
+      <inkml:brushProperty name="width" value="0.1" units="cm"/>
+      <inkml:brushProperty name="height" value="0.1" units="cm"/>
+    </inkml:brush>
+  </inkml:definitions>
+  <inkml:trace contextRef="#ctx0" brushRef="#br0">1 1975 24575,'43'-64'0,"-13"24"0,3 1 0,3-2 0,20-28 0,-22 34 0,2-2 0,0-6 0,0 1 0,33-26 0,-6 13 0,4-10 0,-28 29 0,2 0 0,3-2 0,0-1 0,0-4 0,1 0 0,6 4 0,-1 1 0,-13 3 0,-2 0 0,7-2 0,1 1 0,35-22 0,-12 6 0,-5 13 0,-7 1 0,-8 3 0,0 0 0,-3 7 0,-12 6 0,-8 13 0,6-5 0,-15 12 0,6-5 0,-8 7 0,0 0 0,-5 5 0,4 2 0,-10 14 0,10-7 0,-3 15 0,6-6 0,2 8 0,-1 0 0,20 3 0,-8-2 0,16 3 0,-1-1 0,4 1 0,12 3 0,4 14 0,-4-10 0,5 9 0,-1 1 0,-4-19 0,-7 13 0,-8-20 0,-12 5 0,0 0 0,1-7 0,-1 6 0,0-6 0,-8-1 0,6-1 0,-6-1 0,8-4 0,0 6 0,0-7 0,0-1 0,1 1 0,-1-1 0,12 3 0,-9-9 0,0-1 0,-5-8 0,-6 0 0,8 0 0,-8 0 0,-2 0 0,-9-5 0,1-11 0,1-7 0,2-8 0,1-12 0,0-3 0,11-11 0,2-1 0,8 0 0,3-14 0,12 6 0,-23 20 0,2-3 0,14-6 0,1 2 0,-9 6 0,2 0 0,13-15 0,1 3 0,-9 20 0,-1 1 0,0-5 0,1 0 0,6 4 0,-1 0 0,-11-4 0,-1 1 0,2 9 0,1 2 0,0-5 0,-1 0 0,26-16 0,8 7 0,-12-7 0,-5 23 0,-11 2 0,9 8 0,-30 10 0,16 1 0,-27 8 0,15 0 0,-15 0 0,7 0 0,-9 5 0,9 3 0,1 6 0,10 9 0,-1 1 0,12 11 0,-6 8 0,10 6 0,-1 0 0,-5 6 0,2-17 0,-5 16 0,-3-8 0,0 0 0,-6 8 0,1-20 0,-11 9 0,10-12 0,-11 1 0,11-1 0,-12 0 0,6 0 0,-9-8 0,1 6 0,-1-6 0,2 8 0,-2-8 0,1 6 0,-2-15 0,2 15 0,-3-15 0,2 7 0,-2-9 0,0 0 0,0 0 0,0 0 0,2 9 0,7-6 0,-6 6 0,6-7 0,-1 0 0,-5-2 0,5 2 0,1-1 0,-7 0 0,7 0 0,-1 1 0,3 0 0,-1 0 0,-1-6 0,0-2 0,-7-6 0,6 0 0,1 0 0,-7 0 0,7 0 0,-1 0 0,3 0 0,0 0 0,6-14 0,-7-4 0,1-5 0,6-6 0,-6 6 0,3-20 0,4 9 0,-10-21 0,10 21 0,-4-9 0,8 0 0,-9 9 0,11-21 0,-11 21 0,9-9 0,14-5 0,-20 12 0,21-23 0,-24 24 0,10-8 0,-4 12 0,0 0 0,3-12 0,-2 8 0,3-8 0,-4 12 0,0 0 0,12-4 0,-6-9 0,7 7 0,2-9 0,-12 20 0,9 1 0,-12 9 0,0 0 0,-8 2 0,6 6 0,-15 2 0,15 6 0,-14 0 0,5 0 0,-8 0 0,9 0 0,-7 0 0,7 0 0,-9 0 0,8 0 0,-6 5 0,7-3 0,-9 8 0,9-1 0,-7 3 0,6 2 0,-8-2 0,9 1 0,-7 0 0,15 2 0,-15-2 0,7-5 0,-9 3 0,0-5 0,0 1 0,0 4 0,0-10 0,0 10 0,0-10 0,9 11 0,-7-10 0,6 10 0,-8-10 0,0 3 0,1-5 0,-1 5 0,0-3 0,0 3 0,0-5 0,0 0 0,0 0 0,0 0 0,0 0 0,0 0 0,0 0 0,0 0 0,-5 5 0,3-3 0,-3 3 0,5-5 0,0 0 0,0 0 0,0 0 0,-5 0 0,-2 0 0</inkml:trace>
+</inkml:ink>
+</file>
+
+<file path=ppt/ink/ink11.xml><?xml version="1.0" encoding="utf-8"?>
+<inkml:ink xmlns:inkml="http://www.w3.org/2003/InkML">
+  <inkml:definitions>
+    <inkml:context xml:id="ctx0">
+      <inkml:inkSource xml:id="inkSrc0">
+        <inkml:traceFormat>
+          <inkml:channel name="X" type="integer" min="-2.14748E9" max="2.14748E9" units="cm"/>
+          <inkml:channel name="Y" type="integer" min="-2.14748E9" max="2.14748E9" units="cm"/>
+          <inkml:channel name="F" type="integer" max="32767" units="dev"/>
+        </inkml:traceFormat>
+        <inkml:channelProperties>
+          <inkml:channelProperty channel="X" name="resolution" value="1000" units="1/cm"/>
+          <inkml:channelProperty channel="Y" name="resolution" value="1000" units="1/cm"/>
+          <inkml:channelProperty channel="F" name="resolution" value="0" units="1/dev"/>
+        </inkml:channelProperties>
+      </inkml:inkSource>
+      <inkml:timestamp xml:id="ts0" timeString="2022-10-26T13:35:48.394"/>
+    </inkml:context>
+    <inkml:brush xml:id="br0">
+      <inkml:brushProperty name="width" value="0.1" units="cm"/>
+      <inkml:brushProperty name="height" value="0.1" units="cm"/>
+    </inkml:brush>
+  </inkml:definitions>
+  <inkml:trace contextRef="#ctx0" brushRef="#br0">317 111 24575,'21'0'0,"28"0"0,33 0 0,-17 0 0,5 0 0,6 0 0,6 0 0,-8 0 0,5 0 0,-1 0-1600,-7 0 1,-1 0 0,5 0 1599,1 0 0,6 0 0,0 0 0,-2 0 0,13 0 0,-3 0 0,3 0 0,-13 0 0,3 0 0,-1 0 0,0 0 0,19 0 0,-1 0 0,-6 0 0,-17 0 0,-4 0 0,0 0 0,3 0 0,-1 0 0,0 0 0,-4 0 0,-1 0 0,-1 0 379,26 0 0,2 0-379,-21 0 0,3 0 0,-3 0 0,15 0 0,-3 0 0,2 0 0,-1 0 0,-9 0 0,-2 0 0,0 0 0,-4 0 424,-16 0 1,-2 0-425,8 0 0,-1 0 0,32-10 0,-31 8 0,-1 1 0,33-9 0,-42 4 0,1 2 0,0 4 0,-2-3 0,-5-12 0,0 0 0,5 11 0,3 3 1234,22-10 1,-2 2-1235,16 9 0,-7 0 0,-1 0 0,-4 0 0,-26 0 0,1 0 0,0 0 0,-1 0 629,42 0-629,-42 0 0,1 0 0,36 0 0,-37 0 0,0 0 0,42 0 46,-41 0 1,-1 0-47,37 0 0,-15 0 0,-4 0 0,-14 0 0,-1 0 0,0-9 0,1 7 0,-1-7 0,1 9 0,-1 0 0,15 0 0,-22 0 0,19 0 0,-23 0 0,0 0 0,-3 0 0,-12 0 0,-8 0 0,6 0 0,-15 0 0,6 0 0,-8 0 0,0 0 0,-5 6 0,-1 0 0,-6 6 0,0 1 0,0-1 0,0 20 0,0 5 0,0 9 0,-9 8 0,-2-8 0,1 11 0,-7 1 0,6-1 0,-10 16 0,10 3 0,1 15 0,4-38 0,0 3 0,5 0 0,-1 1 0,-4 8 0,1 1 0,4-1 0,2 2-293,-1 9 0,0 0 293,0-7 0,0-1 0,0 8 0,0 1-3295,-1 0 0,2-2 3295,4-7 0,1 1-2204,-5 18 1,1 0 2203,9-19 0,1 1-152,-3 17 1,-1 1 151,-1-19 0,1 1 0,0-4 0,3 3 0,-2-3 0,-1 6 0,-1 1 0,-1 0 0,-1 5 0,2-3 0,5 9 0,1-2 0,-5 9 0,-2 2 0,2-5 0,1 0 0,3-9 0,0 1 0,-3 10 0,-1 2 0,7-2 0,0 1 0,-7 0 0,0-1 0,5-11 0,-1 2-140,-5-8 1,-2 6 0,3-3 139,6 22 0,2 2 0,-4-14 0,-1 6 0,1-6 0,3 10 0,0-2 0,-4-19 0,0 3 0,0-5 0,4 10 0,-2 0 0,-6-8 0,-2 4 0,1-2 0,8 16 0,-1 1 0,-6-18 0,-2 4 0,1-5 0,2 8 0,1 0 0,0-17 0,1 3 0,-1-3 0,0 14 0,-1 0 1690,-1 10 0,2 1-1690,5 0 0,-1-1 0,-11-10 0,-1 0 0,5 8 0,1 0 0,-1-19 0,0 0 0,-5 19 0,1 0 0,4-19 0,-1 1 0,-4 17 0,-2 2 0,1-10 0,0 1 0,-1 10 0,2 2 0,6-2 0,-1 1 0,-4-1 0,0 1 0,5-1 0,-1 1 0,-6 0 0,0-1 0,6-10 0,0 0 0,-5 9 0,1-2 0,4-27 0,-1 0 0,-4 16 0,-2-2 0,1 23 0,0-33 0,0 1 5239,0 31-5239,0-41 0,0 1 296,0 0 1,0-1-297,10 41 0,-8-41 0,-1 1 0,4 0 0,0-1 0,-5 42 0,0-33 0,0 1 1427,0 31-1427,0-40 0,0-1 0,0 37 1091,0 0-1091,0 0 0,0 0 574,0 0-574,0-15 0,0 11 0,0-26 0,0 11 0,0-14 0,0-1 0,0 0 0,0 1 0,0 14 0,0-11 0,0 27 0,0-27 0,0 26 0,0-26 0,0 11 0,0-14 0,0-12 0,0-12 0,0-5 0,0-15 0,0 7 0,0-9 0,0 0 0,0 0 0,0 0 0,-6-5 0,0-2 0,-15-5 0,7 5 0,-16-3 0,16 3 0,-15-5 0,6 0 0,-9 0 0,1 0 0,0 0 0,-1 0 0,1 0 0,-1 0 0,-11 0 0,-2 0 0,-13 0 0,0 0 0,1 0 0,-16 0 0,12 0 0,-26 0 0,25 0 0,-25 0 0,26 0 0,-12 0 0,16 0 0,-16 0 0,12 0 0,-12 8 0,16-6 0,-1 7 0,-14-9 0,10 8 0,-25-5 0,26 13 0,-27-13 0,12 15 0,-15-15 0,37 7 0,-1 1 0,-2-3 0,0-1 0,1 0 0,-1 0 0,-7-1 0,1 0 0,6 0 0,0 0 0,-8-5 0,-1 1 0,0 3 0,0 1 0,0 1 0,0-2 0,9-4 0,1 1 0,-8 9 0,1 1 0,6-11 0,0 1 0,-9 10 0,1-1 0,8-9 0,0-1 0,-7 11 0,1-1 0,-33-8 0,33 3 0,-1 0 0,-31 4 0,31-10 0,1 2 0,-33 19 0,41-20 0,1 0 0,-37 9 0,0-10 0,0 0 0,36 6 0,1 0 0,-42-3 0,41 3 0,1-1 0,-22-5 0,-12 0 0,27 0 0,-26 0 0,25 0 0,-25 0 0,26 0 0,-27 0 0,27 0 0,-11 0 0,-1 0 0,-3 10 0,-15-7 0,15 7 0,-12-10 0,12 0 0,22 0 0,-1 0 0,-26 0 0,28 0 0,1 0 0,-24 0 0,0 0 0,3 0 0,15 0 0,13 0 0,-10 0 0,21 0 0,-21 0 0,29 0 0,-15 0 0,18 0 0,0 0 0,-6 0 0,15 0 0,-15 0 0,14 0 0,-14 0 0,15 0 0,-16 0 0,8 0 0,-10 0 0,9 0 0,-6 0 0,6 0 0,-8 0 0,-1 0 0,10 0 0,-8 0 0,7 0 0,-8 0 0,0 0 0,8 0 0,2-5 0,0 3 0,7-9 0,-15 10 0,14-10 0,-14 3 0,15-5 0,-15-2 0,14 2 0,-14-9 0,15 8 0,-7-7 0,0 7 0,7 1 0,-7 0 0,9 0 0,0 1 0,-9-2 0,7 2 0,-7-2 0,9 2 0,0 5 0,-1-4 0,1 10 0,0-10 0,5 4 0,-4-5 0,10 0 0,-10 5 0,10-4 0,-5-4 0,6-8 0,0-8 0,0-12 0,0 8 0,0-8 0,0 12 0,0-12 0,0-3 0,0-12 0,0 1 0,0-1 0,9 1 0,-7-16 0,6 12 0,-7 9 0,-2-2 0,1-26 0,0 26 0,0-1 0,0 0 0,0 1 0,0-42-316,0 10 1,0-1 315,0 34 0,0-1 0,0-31 0,0-2 0,0 18 0,0 3 0,0-2 0,0-1 0,0-7 0,0-1 0,0 0 0,0 2 0,1 15 0,-2 1 0,-4-16 0,-1 1 0,3-21 0,-3 40 0,0 1 0,-4-37 0,7 0 0,-7 0 0,2 14 0,6-10 0,-7 26 0,9-12 631,0 16-631,0-16 0,0-3 0,0 0 0,0 3 0,0 1-6784,0 11 6784,-8-12 0,5 15 0,-5-14 0,-1 11 0,7-12 0,-6 16 0,8-16 6784,0 12-6784,0-26 0,0 25 0,0-25 0,0 11 0,0-1 0,0 25 0,0-1 0,0-28 0,0 28 0,0-3 0,-6 1 0,0 1 0,3-41 0,-9 31 0,1 1 0,8-33 0,-3 42 0,0-1 0,5 0 0,2 1 0,-1-42 0,0 41 0,0 1 0,0-37 0,0 0 0,-10 0 0,7 0 0,-7 0 0,9 36 0,2 1 0,-1-42 0,0 42 0,0-1 0,0 0 0,0 1 0,0-42 0,0 33 0,0-1 0,0-31 0,-5 32 0,-2-2 0,6 9 0,0-1 0,-5-8 0,0-2 0,5 2 0,2-1 0,-1 0 0,0 0 0,0 0 0,0 1 0,0-1 0,0 0 0,0-10 0,0-1 0,0-2 0,0 0-465,0 1 1,0-2 464,0-8 0,0 2 0,0 17 0,0 1 0,0-8 0,0-1 0,0 11 0,0 1-240,0-2 1,0 2 239,0 8 0,0 1 0,0-6 0,0-3 0,0-16 0,0 3-3159,0 23 0,0-1 3159,0-39 0,0 0 0,0 43 0,0 0-112,0-23 1,0-2 111,0 10 0,0 2 0,0 8 0,0 0 0,0 3 0,0-1 297,0 0 0,0 1-297,0-41 330,0 0-330,0 8 6665,0 11-6665,0 0 0,0 3 360,0 1-360,0 10 0,0-10 0,0 26 0,0-24 0,0 32 0,0-19 0,0 14 0,7 8 0,-5-8 0,4 12 0,-6-1 0,6 10 0,-5-8 0,5 7 0,0-8 0,-4 8 0,5-6 0,0 6 0,-5-8 0,5-1 0,-7 1 0,0-1 0,0 1 0,0 0 0,0-1 0,0 1 0,0 8 0,0-6 0,0 14 0,0-5 0,0 8 0,0-9 0,0 6 0,0-14 0,0 15 0,0-7 0,0 0 0,0 7 0,0-7 0,0 1 0,0 5 0,0-5 0,0-1 0,0 6 0,0-5 0,0-1 0,0 7 0,0-7 0,0 9 0,0 0 0,0-1 0,0 1 0,0 0 0,0 0 0,0 0 0,0-1 0,0 1 0,0 0 0,0 0 0,0 0 0,0-1 0,0 1 0,0 0 0,0 0 0,0 0 0,0-1 0,0 1 0,0 0 0,0 0 0,0-9 0,0 7 0,0-7 0,0 9 0,0 0 0,0-1 0,5 7 0,-4-5 0,10 9 0,-4-3 0,5 5 0,0 0 0,0 0 0,0 0 0,0 0 0,0 0 0,-5 0 0,-2 0 0</inkml:trace>
+</inkml:ink>
+</file>
+
+<file path=ppt/ink/ink12.xml><?xml version="1.0" encoding="utf-8"?>
+<inkml:ink xmlns:inkml="http://www.w3.org/2003/InkML">
+  <inkml:definitions>
+    <inkml:context xml:id="ctx0">
+      <inkml:inkSource xml:id="inkSrc0">
+        <inkml:traceFormat>
+          <inkml:channel name="X" type="integer" min="-2.14748E9" max="2.14748E9" units="cm"/>
+          <inkml:channel name="Y" type="integer" min="-2.14748E9" max="2.14748E9" units="cm"/>
+          <inkml:channel name="F" type="integer" max="32767" units="dev"/>
+        </inkml:traceFormat>
+        <inkml:channelProperties>
+          <inkml:channelProperty channel="X" name="resolution" value="1000" units="1/cm"/>
+          <inkml:channelProperty channel="Y" name="resolution" value="1000" units="1/cm"/>
+          <inkml:channelProperty channel="F" name="resolution" value="0" units="1/dev"/>
+        </inkml:channelProperties>
+      </inkml:inkSource>
+      <inkml:timestamp xml:id="ts0" timeString="2022-10-26T13:40:23.036"/>
+    </inkml:context>
+    <inkml:brush xml:id="br0">
+      <inkml:brushProperty name="width" value="0.1" units="cm"/>
+      <inkml:brushProperty name="height" value="0.1" units="cm"/>
+    </inkml:brush>
+  </inkml:definitions>
+  <inkml:trace contextRef="#ctx0" brushRef="#br0">259 1 24575,'0'12'0,"0"9"0,0 28 0,0 0 0,0 38 0,0-10 0,-9-1 0,-10-4 0,6 18 0,-14-9 0,25 13 0,-19-7 0,19-26 0,-17 11 0,17-26 0,-6-3 0,8 14 0,0-20 0,0 20 0,0-14 0,0-9 0,8 21 0,3-10 0,8 13 0,-2-12 0,10 8 0,-5 7 0,27 5 0,-14 7 0,8-11 0,-10-16 0,-4 9 0,-6-30 0,10 16 0,-11-18 0,1-1 0,-1 8 0,-9-16 0,2 15 0,-3-15 0,3 15 0,6-13 0,-3 13 0,6 7 0,2 10 0,-5 11 0,18 16 0,-5 3 0,-11-31 0,-1 1 0,12 30 0,5-4 0,-18-15 0,5-11 0,-15 9 0,1-30 0,-11 16 0,5-18 0,-6 8 0,0 12 0,0 3 0,-17 11 0,-5 0 0,-19 16 0,-2 3 0,-12 5 0,23-34 0,1 0 0,1-5 0,0-1 0,1 0 0,1 0 0,-13 31 0,2-14 0,1-1 0,10-11 0,-8 8 0,17-19 0,-8 19 0,11-20 0,-3 21 0,3-21 0,-3 20 0,3-20 0,-1 9 0,-1 0 0,2-9 0,-3 21 0,2-9 0,6 11 0,-6 0 0,6 1 0,-8-1 0,0 1 0,0-1 0,8 15 0,-6-10 0,6 10 0,-11 18 0,11-9 0,0-27 0,0 1 0,-2 36 0,0 0 0,3-1 0,10-35 0,0-1 0,0 42 0,0-41 0,0-1 0,0 22 0,0-19 0,0-2 0,0 13 0,0 30 0,0-41 0,0 16 0,0-12 0,0 11 0,0-15 0,0 1 0,0-12 0,0-4 0,0-10 0,0-1 0,7 0 0,-5 0 0,5 1 0,-7-1 0,5-8 0,-3 6 0,3-7 0,2 10 0,-5-1 0,11 0 0,-11 0 0,5 0 0,2 12 0,-7 3 0,13 0 0,-13 8 0,5-8 0,1 12 0,-6-13 0,7 10 0,-2-21 0,-5 21 0,14 5 0,-13 1 0,16 12 0,-17-16 0,16 15 0,-15-22 0,15 19 0,-9-35 0,8 9 0,-8 0 0,5-9 0,-5 9 0,6-12 0,1 1 0,-1-1 0,3 12 0,-2-9 0,1 9 0,-2-12 0,1 0 0,0 0 0,-1 1 0,2 11 0,-2-18 0,8 16 0,-8-27 0,14 15 0,-15-15 0,15 15 0,-15-14 0,15 7 0,-6-1 0,20-2 0,-9 3 0,9-4 0,-12-3 0,12 2 0,-9-1 0,20 3 0,-19 4 0,19-3 0,-8 5 0,11-6 0,1 0 0,14 1 0,-11 0 0,26 2 0,-25-2 0,25 2 0,-26-3 0,26 3 0,-26-2 0,0-1 0,-7 0 0,-19-3 0,7 1 0,-10-2 0,-1 1 0,-8-2 0,-3 0 0,-8-8 0,0 5 0,0-4 0,0 5 0,9 1 0,-7 0 0,7 0 0,-1 1 0,-4 7 0,13-4 0,-11 13 0,11-13 0,-11 13 0,11-6 0,-13-1 0,13 20 0,-6-24 0,1 24 0,-2-18 0,-8-3 0,9 7 0,-8-6 0,15 8 0,-13 0 0,13 1 0,-6-1 0,7 0 0,0 0 0,1 1 0,2 10 0,10-4 0,-7-2 0,6-3 0,-20-17 0,-3 4 0,-8-8 0,9 2 0,-7-2 0,6 2 0,-8-2 0,0 0 0,1 0 0,-1 0 0,0 0 0,0 0 0,0 0 0,0-5 0,0 4 0,0-10 0,-6 10 0,5-10 0,-4 4 0,5-5 0,0 0 0,0 0 0,0 0 0,0 0 0,0 0 0,0 6 0,0-5 0,0 4 0,0-5 0,-5 6 0,-2-5 0,-5 5 0</inkml:trace>
+</inkml:ink>
+</file>
+
+<file path=ppt/ink/ink13.xml><?xml version="1.0" encoding="utf-8"?>
+<inkml:ink xmlns:inkml="http://www.w3.org/2003/InkML">
+  <inkml:definitions>
+    <inkml:context xml:id="ctx0">
+      <inkml:inkSource xml:id="inkSrc0">
+        <inkml:traceFormat>
+          <inkml:channel name="X" type="integer" min="-2.14748E9" max="2.14748E9" units="cm"/>
+          <inkml:channel name="Y" type="integer" min="-2.14748E9" max="2.14748E9" units="cm"/>
+          <inkml:channel name="F" type="integer" max="32767" units="dev"/>
+        </inkml:traceFormat>
+        <inkml:channelProperties>
+          <inkml:channelProperty channel="X" name="resolution" value="1000" units="1/cm"/>
+          <inkml:channelProperty channel="Y" name="resolution" value="1000" units="1/cm"/>
+          <inkml:channelProperty channel="F" name="resolution" value="0" units="1/dev"/>
+        </inkml:channelProperties>
+      </inkml:inkSource>
+      <inkml:timestamp xml:id="ts0" timeString="2022-10-26T13:40:49.405"/>
+    </inkml:context>
+    <inkml:brush xml:id="br0">
+      <inkml:brushProperty name="width" value="0.1" units="cm"/>
+      <inkml:brushProperty name="height" value="0.1" units="cm"/>
+    </inkml:brush>
+  </inkml:definitions>
+  <inkml:trace contextRef="#ctx0" brushRef="#br0">1470 0 24575,'0'58'0,"0"-1"0,0 0 0,10 16 0,3 3 0,10 15 0,-1 0 0,8-15 0,-8-4 0,6-15 0,-7 16 0,-2-12 0,2 11 0,-2-15 0,0 1 0,0-1 0,1 16 0,1 3 0,2 15 0,0-1 0,-1 1 0,-1-15 0,1 12 0,-2-27 0,-1-1 0,0-5 0,-3-21 0,1 9 0,-2-12 0,1 0 0,-7-8 0,5 6 0,-13-6 0,13 8 0,-12 0 0,12 1 0,-12-1 0,13 12 0,-6-9 0,10 20 0,-10-20 0,6 9 0,-6-11 0,-1-1 0,-1 0 0,0 0 0,-5 1 0,10-10 0,-10 7 0,3-6 0,0 0 0,-3-3 0,3-8 0,-5 0 0,0 0 0,0 0 0,0 0 0,0 0 0,0 1 0,5-1 0,-3 8 0,3 3 0,2 8 0,-5 0 0,5-8 0,-7 18 0,5-24 0,-4 24 0,10-27 0,-3 15 0,6-6 0,2 8 0,0 0 0,-2-8 0,8 6 0,-6-7 0,5 1 0,-8-2 0,-1-9 0,0 0 0,0 0 0,-5 0 0,-2 0 0,-5 0 0,0 0 0,0 14 0,0-2 0,0 13 0,0-15 0,0 7 0,0-6 0,0 8 0,0 0 0,0 12 0,0 3 0,0 12 0,0 14 0,0 4 0,0 15 0,-10 0 0,8-15 0,-19 11 0,9-11 0,-1 0 0,-6-4 0,17-26 0,-15 9 0,15-10 0,-15 13 0,15-12 0,-7 8 0,2-20 0,6 21 0,-15-9 0,14 11 0,-7 0 0,1 1 0,6-12 0,-7 8 0,9-20 0,0 9 0,0-12 0,0 1 0,0-10 0,0 7 0,0-6 0,0 0 0,0 6 0,0-7 0,0 10 0,0-1 0,0 0 0,-7 0 0,5 1 0,-5-1 0,0 0 0,6 12 0,-6-9 0,0 9 0,5 0 0,-12-9 0,12 9 0,-5 0 0,-1 3 0,5-1 0,-5-2 0,8 0 0,0-9 0,-9 21 0,7-21 0,-6 20 0,8-20 0,0 36 0,0-21 0,0 24 0,0-1 0,0 4 0,0 15 0,0 0 0,0-36 0,0-1 0,0 26 0,0-26 0,0-2 0,0 9 0,0 11 0,0-15 0,0 1 0,0-1 0,0 1 0,0-1 0,0-11 0,0 8 0,0 7 0,0 0 0,-9 11 0,7-14 0,-15-1 0,6 1 0,-8-1 0,0 1 0,1-13 0,-1 10 0,10-21 0,-6 9 0,6-12 0,-7 0 0,0 1 0,1-1 0,-11 12 0,8-9 0,-10 20 0,5-20 0,3 21 0,-10-21 0,11 9 0,-14 0 0,-6 5 0,8-2 0,-13-1 0,26-14 0,-11-6 0,11 4 0,-11-11 0,11 11 0,-3-13 0,7 4 0,-7 1 0,-1 2 0,-1-1 0,-7 7 0,8-13 0,-10 14 0,1-6 0,8-1 0,-6 6 0,6-13 0,0 5 0,2-8 0,9-1 0,-9 2 0,7-2 0,-15 3 0,14-2 0,-5 1 0,-1-1 0,-2 1 0,-1 9 0,-6-6 0,5 6 0,3-9 0,-8 8 0,7-6 0,-8 6 0,0 1 0,-1-6 0,9 4 0,-6 1 0,-5 4 0,-1 6 0,-8 2 0,19-2 0,-17 2 0,13-2 0,-18 14 0,14-12 0,-6 21 0,6-21 0,-2 9 0,2-12 0,-2 12 0,10-18 0,-1 16 0,12-27 0,-2 15 0,2-15 0,5 7 0,-3-9 0,10 0 0,-10 0 0,4 0 0,-5 0 0,0 0 0,-1 0 0,0 9 0,-9-5 0,7 5 0,-8 1 0,11-8 0,-2 6 0,7-8 0,-4 0 0,10 1 0,-5-7 0,6 0 0</inkml:trace>
+</inkml:ink>
+</file>
+
+<file path=ppt/ink/ink14.xml><?xml version="1.0" encoding="utf-8"?>
+<inkml:ink xmlns:inkml="http://www.w3.org/2003/InkML">
+  <inkml:definitions>
+    <inkml:context xml:id="ctx0">
+      <inkml:inkSource xml:id="inkSrc0">
+        <inkml:traceFormat>
+          <inkml:channel name="X" type="integer" min="-2.14748E9" max="2.14748E9" units="cm"/>
+          <inkml:channel name="Y" type="integer" min="-2.14748E9" max="2.14748E9" units="cm"/>
+          <inkml:channel name="F" type="integer" max="32767" units="dev"/>
+        </inkml:traceFormat>
+        <inkml:channelProperties>
+          <inkml:channelProperty channel="X" name="resolution" value="1000" units="1/cm"/>
+          <inkml:channelProperty channel="Y" name="resolution" value="1000" units="1/cm"/>
+          <inkml:channelProperty channel="F" name="resolution" value="0" units="1/dev"/>
+        </inkml:channelProperties>
+      </inkml:inkSource>
+      <inkml:timestamp xml:id="ts0" timeString="2022-10-26T13:32:00.962"/>
+    </inkml:context>
+    <inkml:brush xml:id="br0">
+      <inkml:brushProperty name="width" value="0.1" units="cm"/>
+      <inkml:brushProperty name="height" value="0.1" units="cm"/>
+    </inkml:brush>
+  </inkml:definitions>
+  <inkml:trace contextRef="#ctx0" brushRef="#br0">317 111 24575,'21'0'0,"28"0"0,33 0 0,-17 0 0,5 0 0,6 0 0,6 0 0,-8 0 0,5 0 0,-1 0-1600,-7 0 1,-1 0 0,5 0 1599,1 0 0,6 0 0,0 0 0,-2 0 0,13 0 0,-3 0 0,3 0 0,-13 0 0,3 0 0,-1 0 0,0 0 0,19 0 0,-1 0 0,-6 0 0,-17 0 0,-4 0 0,0 0 0,3 0 0,-1 0 0,0 0 0,-4 0 0,-1 0 0,-1 0 379,26 0 0,2 0-379,-21 0 0,3 0 0,-3 0 0,15 0 0,-3 0 0,2 0 0,-1 0 0,-9 0 0,-2 0 0,0 0 0,-4 0 424,-16 0 1,-2 0-425,8 0 0,-1 0 0,32-10 0,-31 8 0,-1 1 0,33-9 0,-42 4 0,1 2 0,0 4 0,-2-3 0,-5-12 0,0 0 0,5 11 0,3 3 1234,22-10 1,-2 2-1235,16 9 0,-7 0 0,-1 0 0,-4 0 0,-26 0 0,1 0 0,0 0 0,-1 0 629,42 0-629,-42 0 0,1 0 0,36 0 0,-37 0 0,0 0 0,42 0 46,-41 0 1,-1 0-47,37 0 0,-15 0 0,-4 0 0,-14 0 0,-1 0 0,0-9 0,1 7 0,-1-7 0,1 9 0,-1 0 0,15 0 0,-22 0 0,19 0 0,-23 0 0,0 0 0,-3 0 0,-12 0 0,-8 0 0,6 0 0,-15 0 0,6 0 0,-8 0 0,0 0 0,-5 6 0,-1 0 0,-6 6 0,0 1 0,0-1 0,0 20 0,0 5 0,0 9 0,-9 8 0,-2-8 0,1 11 0,-7 1 0,6-1 0,-10 16 0,10 3 0,1 15 0,4-38 0,0 3 0,5 0 0,-1 1 0,-4 8 0,1 1 0,4-1 0,2 2-293,-1 9 0,0 0 293,0-7 0,0-1 0,0 8 0,0 1-3295,-1 0 0,2-2 3295,4-7 0,1 1-2204,-5 18 1,1 0 2203,9-19 0,1 1-152,-3 17 1,-1 1 151,-1-19 0,1 1 0,0-4 0,3 3 0,-2-3 0,-1 6 0,-1 1 0,-1 0 0,-1 5 0,2-3 0,5 9 0,1-2 0,-5 9 0,-2 2 0,2-5 0,1 0 0,3-9 0,0 1 0,-3 10 0,-1 2 0,7-2 0,0 1 0,-7 0 0,0-1 0,5-11 0,-1 2-140,-5-8 1,-2 6 0,3-3 139,6 22 0,2 2 0,-4-14 0,-1 6 0,1-6 0,3 10 0,0-2 0,-4-19 0,0 3 0,0-5 0,4 10 0,-2 0 0,-6-8 0,-2 4 0,1-2 0,8 16 0,-1 1 0,-6-18 0,-2 4 0,1-5 0,2 8 0,1 0 0,0-17 0,1 3 0,-1-3 0,0 14 0,-1 0 1690,-1 10 0,2 1-1690,5 0 0,-1-1 0,-11-10 0,-1 0 0,5 8 0,1 0 0,-1-19 0,0 0 0,-5 19 0,1 0 0,4-19 0,-1 1 0,-4 17 0,-2 2 0,1-10 0,0 1 0,-1 10 0,2 2 0,6-2 0,-1 1 0,-4-1 0,0 1 0,5-1 0,-1 1 0,-6 0 0,0-1 0,6-10 0,0 0 0,-5 9 0,1-2 0,4-27 0,-1 0 0,-4 16 0,-2-2 0,1 23 0,0-33 0,0 1 5239,0 31-5239,0-41 0,0 1 296,0 0 1,0-1-297,10 41 0,-8-41 0,-1 1 0,4 0 0,0-1 0,-5 42 0,0-33 0,0 1 1427,0 31-1427,0-40 0,0-1 0,0 37 1091,0 0-1091,0 0 0,0 0 574,0 0-574,0-15 0,0 11 0,0-26 0,0 11 0,0-14 0,0-1 0,0 0 0,0 1 0,0 14 0,0-11 0,0 27 0,0-27 0,0 26 0,0-26 0,0 11 0,0-14 0,0-12 0,0-12 0,0-5 0,0-15 0,0 7 0,0-9 0,0 0 0,0 0 0,0 0 0,-6-5 0,0-2 0,-15-5 0,7 5 0,-16-3 0,16 3 0,-15-5 0,6 0 0,-9 0 0,1 0 0,0 0 0,-1 0 0,1 0 0,-1 0 0,-11 0 0,-2 0 0,-13 0 0,0 0 0,1 0 0,-16 0 0,12 0 0,-26 0 0,25 0 0,-25 0 0,26 0 0,-12 0 0,16 0 0,-16 0 0,12 0 0,-12 8 0,16-6 0,-1 7 0,-14-9 0,10 8 0,-25-5 0,26 13 0,-27-13 0,12 15 0,-15-15 0,37 7 0,-1 1 0,-2-3 0,0-1 0,1 0 0,-1 0 0,-7-1 0,1 0 0,6 0 0,0 0 0,-8-5 0,-1 1 0,0 3 0,0 1 0,0 1 0,0-2 0,9-4 0,1 1 0,-8 9 0,1 1 0,6-11 0,0 1 0,-9 10 0,1-1 0,8-9 0,0-1 0,-7 11 0,1-1 0,-33-8 0,33 3 0,-1 0 0,-31 4 0,31-10 0,1 2 0,-33 19 0,41-20 0,1 0 0,-37 9 0,0-10 0,0 0 0,36 6 0,1 0 0,-42-3 0,41 3 0,1-1 0,-22-5 0,-12 0 0,27 0 0,-26 0 0,25 0 0,-25 0 0,26 0 0,-27 0 0,27 0 0,-11 0 0,-1 0 0,-3 10 0,-15-7 0,15 7 0,-12-10 0,12 0 0,22 0 0,-1 0 0,-26 0 0,28 0 0,1 0 0,-24 0 0,0 0 0,3 0 0,15 0 0,13 0 0,-10 0 0,21 0 0,-21 0 0,29 0 0,-15 0 0,18 0 0,0 0 0,-6 0 0,15 0 0,-15 0 0,14 0 0,-14 0 0,15 0 0,-16 0 0,8 0 0,-10 0 0,9 0 0,-6 0 0,6 0 0,-8 0 0,-1 0 0,10 0 0,-8 0 0,7 0 0,-8 0 0,0 0 0,8 0 0,2-5 0,0 3 0,7-9 0,-15 10 0,14-10 0,-14 3 0,15-5 0,-15-2 0,14 2 0,-14-9 0,15 8 0,-7-7 0,0 7 0,7 1 0,-7 0 0,9 0 0,0 1 0,-9-2 0,7 2 0,-7-2 0,9 2 0,0 5 0,-1-4 0,1 10 0,0-10 0,5 4 0,-4-5 0,10 0 0,-10 5 0,10-4 0,-5-4 0,6-8 0,0-8 0,0-12 0,0 8 0,0-8 0,0 12 0,0-12 0,0-3 0,0-12 0,0 1 0,0-1 0,9 1 0,-7-16 0,6 12 0,-7 9 0,-2-2 0,1-26 0,0 26 0,0-1 0,0 0 0,0 1 0,0-42-316,0 10 1,0-1 315,0 34 0,0-1 0,0-31 0,0-2 0,0 18 0,0 3 0,0-2 0,0-1 0,0-7 0,0-1 0,0 0 0,0 2 0,1 15 0,-2 1 0,-4-16 0,-1 1 0,3-21 0,-3 40 0,0 1 0,-4-37 0,7 0 0,-7 0 0,2 14 0,6-10 0,-7 26 0,9-12 631,0 16-631,0-16 0,0-3 0,0 0 0,0 3 0,0 1-6784,0 11 6784,-8-12 0,5 15 0,-5-14 0,-1 11 0,7-12 0,-6 16 0,8-16 6784,0 12-6784,0-26 0,0 25 0,0-25 0,0 11 0,0-1 0,0 25 0,0-1 0,0-28 0,0 28 0,0-3 0,-6 1 0,0 1 0,3-41 0,-9 31 0,1 1 0,8-33 0,-3 42 0,0-1 0,5 0 0,2 1 0,-1-42 0,0 41 0,0 1 0,0-37 0,0 0 0,-10 0 0,7 0 0,-7 0 0,9 36 0,2 1 0,-1-42 0,0 42 0,0-1 0,0 0 0,0 1 0,0-42 0,0 33 0,0-1 0,0-31 0,-5 32 0,-2-2 0,6 9 0,0-1 0,-5-8 0,0-2 0,5 2 0,2-1 0,-1 0 0,0 0 0,0 0 0,0 1 0,0-1 0,0 0 0,0-10 0,0-1 0,0-2 0,0 0-465,0 1 1,0-2 464,0-8 0,0 2 0,0 17 0,0 1 0,0-8 0,0-1 0,0 11 0,0 1-240,0-2 1,0 2 239,0 8 0,0 1 0,0-6 0,0-3 0,0-16 0,0 3-3159,0 23 0,0-1 3159,0-39 0,0 0 0,0 43 0,0 0-112,0-23 1,0-2 111,0 10 0,0 2 0,0 8 0,0 0 0,0 3 0,0-1 297,0 0 0,0 1-297,0-41 330,0 0-330,0 8 6665,0 11-6665,0 0 0,0 3 360,0 1-360,0 10 0,0-10 0,0 26 0,0-24 0,0 32 0,0-19 0,0 14 0,7 8 0,-5-8 0,4 12 0,-6-1 0,6 10 0,-5-8 0,5 7 0,0-8 0,-4 8 0,5-6 0,0 6 0,-5-8 0,5-1 0,-7 1 0,0-1 0,0 1 0,0 0 0,0-1 0,0 1 0,0 8 0,0-6 0,0 14 0,0-5 0,0 8 0,0-9 0,0 6 0,0-14 0,0 15 0,0-7 0,0 0 0,0 7 0,0-7 0,0 1 0,0 5 0,0-5 0,0-1 0,0 6 0,0-5 0,0-1 0,0 7 0,0-7 0,0 9 0,0 0 0,0-1 0,0 1 0,0 0 0,0 0 0,0 0 0,0-1 0,0 1 0,0 0 0,0 0 0,0 0 0,0-1 0,0 1 0,0 0 0,0 0 0,0 0 0,0-1 0,0 1 0,0 0 0,0 0 0,0-9 0,0 7 0,0-7 0,0 9 0,0 0 0,0-1 0,5 7 0,-4-5 0,10 9 0,-4-3 0,5 5 0,0 0 0,0 0 0,0 0 0,0 0 0,0 0 0,-5 0 0,-2 0 0</inkml:trace>
+</inkml:ink>
+</file>
+
+<file path=ppt/ink/ink15.xml><?xml version="1.0" encoding="utf-8"?>
+<inkml:ink xmlns:inkml="http://www.w3.org/2003/InkML">
+  <inkml:definitions>
+    <inkml:context xml:id="ctx0">
+      <inkml:inkSource xml:id="inkSrc0">
+        <inkml:traceFormat>
+          <inkml:channel name="X" type="integer" min="-2.14748E9" max="2.14748E9" units="cm"/>
+          <inkml:channel name="Y" type="integer" min="-2.14748E9" max="2.14748E9" units="cm"/>
+          <inkml:channel name="F" type="integer" max="32767" units="dev"/>
+        </inkml:traceFormat>
+        <inkml:channelProperties>
+          <inkml:channelProperty channel="X" name="resolution" value="1000" units="1/cm"/>
+          <inkml:channelProperty channel="Y" name="resolution" value="1000" units="1/cm"/>
+          <inkml:channelProperty channel="F" name="resolution" value="0" units="1/dev"/>
+        </inkml:channelProperties>
+      </inkml:inkSource>
+      <inkml:timestamp xml:id="ts0" timeString="2022-10-26T13:32:04.405"/>
+    </inkml:context>
+    <inkml:brush xml:id="br0">
+      <inkml:brushProperty name="width" value="0.1" units="cm"/>
+      <inkml:brushProperty name="height" value="0.1" units="cm"/>
+    </inkml:brush>
+  </inkml:definitions>
+  <inkml:trace contextRef="#ctx0" brushRef="#br0">1 0 24575,'12'0'0,"0"0"0,0 0 0,0 0 0,0 0 0,-6 0 0,0 0 0</inkml:trace>
+</inkml:ink>
+</file>
+
+<file path=ppt/ink/ink16.xml><?xml version="1.0" encoding="utf-8"?>
+<inkml:ink xmlns:inkml="http://www.w3.org/2003/InkML">
+  <inkml:definitions>
+    <inkml:context xml:id="ctx0">
+      <inkml:inkSource xml:id="inkSrc0">
+        <inkml:traceFormat>
+          <inkml:channel name="X" type="integer" min="-2.14748E9" max="2.14748E9" units="cm"/>
+          <inkml:channel name="Y" type="integer" min="-2.14748E9" max="2.14748E9" units="cm"/>
+          <inkml:channel name="F" type="integer" max="32767" units="dev"/>
+        </inkml:traceFormat>
+        <inkml:channelProperties>
+          <inkml:channelProperty channel="X" name="resolution" value="1000" units="1/cm"/>
+          <inkml:channelProperty channel="Y" name="resolution" value="1000" units="1/cm"/>
+          <inkml:channelProperty channel="F" name="resolution" value="0" units="1/dev"/>
+        </inkml:channelProperties>
+      </inkml:inkSource>
+      <inkml:timestamp xml:id="ts0" timeString="2022-10-26T13:32:26.753"/>
+    </inkml:context>
+    <inkml:brush xml:id="br0">
+      <inkml:brushProperty name="width" value="0.1" units="cm"/>
+      <inkml:brushProperty name="height" value="0.1" units="cm"/>
+    </inkml:brush>
+  </inkml:definitions>
+  <inkml:trace contextRef="#ctx0" brushRef="#br0">317 111 24575,'21'0'0,"28"0"0,33 0 0,-17 0 0,5 0 0,6 0 0,6 0 0,-8 0 0,5 0 0,-1 0-1600,-7 0 1,-1 0 0,5 0 1599,1 0 0,6 0 0,0 0 0,-2 0 0,13 0 0,-3 0 0,3 0 0,-13 0 0,3 0 0,-1 0 0,0 0 0,19 0 0,-1 0 0,-6 0 0,-17 0 0,-4 0 0,0 0 0,3 0 0,-1 0 0,0 0 0,-4 0 0,-1 0 0,-1 0 379,26 0 0,2 0-379,-21 0 0,3 0 0,-3 0 0,15 0 0,-3 0 0,2 0 0,-1 0 0,-9 0 0,-2 0 0,0 0 0,-4 0 424,-16 0 1,-2 0-425,8 0 0,-1 0 0,32-10 0,-31 8 0,-1 1 0,33-9 0,-42 4 0,1 2 0,0 4 0,-2-3 0,-5-12 0,0 0 0,5 11 0,3 3 1234,22-10 1,-2 2-1235,16 9 0,-7 0 0,-1 0 0,-4 0 0,-26 0 0,1 0 0,0 0 0,-1 0 629,42 0-629,-42 0 0,1 0 0,36 0 0,-37 0 0,0 0 0,42 0 46,-41 0 1,-1 0-47,37 0 0,-15 0 0,-4 0 0,-14 0 0,-1 0 0,0-9 0,1 7 0,-1-7 0,1 9 0,-1 0 0,15 0 0,-22 0 0,19 0 0,-23 0 0,0 0 0,-3 0 0,-12 0 0,-8 0 0,6 0 0,-15 0 0,6 0 0,-8 0 0,0 0 0,-5 6 0,-1 0 0,-6 6 0,0 1 0,0-1 0,0 20 0,0 5 0,0 9 0,-9 8 0,-2-8 0,1 11 0,-7 1 0,6-1 0,-10 16 0,10 3 0,1 15 0,4-38 0,0 3 0,5 0 0,-1 1 0,-4 8 0,1 1 0,4-1 0,2 2-293,-1 9 0,0 0 293,0-7 0,0-1 0,0 8 0,0 1-3295,-1 0 0,2-2 3295,4-7 0,1 1-2204,-5 18 1,1 0 2203,9-19 0,1 1-152,-3 17 1,-1 1 151,-1-19 0,1 1 0,0-4 0,3 3 0,-2-3 0,-1 6 0,-1 1 0,-1 0 0,-1 5 0,2-3 0,5 9 0,1-2 0,-5 9 0,-2 2 0,2-5 0,1 0 0,3-9 0,0 1 0,-3 10 0,-1 2 0,7-2 0,0 1 0,-7 0 0,0-1 0,5-11 0,-1 2-140,-5-8 1,-2 6 0,3-3 139,6 22 0,2 2 0,-4-14 0,-1 6 0,1-6 0,3 10 0,0-2 0,-4-19 0,0 3 0,0-5 0,4 10 0,-2 0 0,-6-8 0,-2 4 0,1-2 0,8 16 0,-1 1 0,-6-18 0,-2 4 0,1-5 0,2 8 0,1 0 0,0-17 0,1 3 0,-1-3 0,0 14 0,-1 0 1690,-1 10 0,2 1-1690,5 0 0,-1-1 0,-11-10 0,-1 0 0,5 8 0,1 0 0,-1-19 0,0 0 0,-5 19 0,1 0 0,4-19 0,-1 1 0,-4 17 0,-2 2 0,1-10 0,0 1 0,-1 10 0,2 2 0,6-2 0,-1 1 0,-4-1 0,0 1 0,5-1 0,-1 1 0,-6 0 0,0-1 0,6-10 0,0 0 0,-5 9 0,1-2 0,4-27 0,-1 0 0,-4 16 0,-2-2 0,1 23 0,0-33 0,0 1 5239,0 31-5239,0-41 0,0 1 296,0 0 1,0-1-297,10 41 0,-8-41 0,-1 1 0,4 0 0,0-1 0,-5 42 0,0-33 0,0 1 1427,0 31-1427,0-40 0,0-1 0,0 37 1091,0 0-1091,0 0 0,0 0 574,0 0-574,0-15 0,0 11 0,0-26 0,0 11 0,0-14 0,0-1 0,0 0 0,0 1 0,0 14 0,0-11 0,0 27 0,0-27 0,0 26 0,0-26 0,0 11 0,0-14 0,0-12 0,0-12 0,0-5 0,0-15 0,0 7 0,0-9 0,0 0 0,0 0 0,0 0 0,-6-5 0,0-2 0,-15-5 0,7 5 0,-16-3 0,16 3 0,-15-5 0,6 0 0,-9 0 0,1 0 0,0 0 0,-1 0 0,1 0 0,-1 0 0,-11 0 0,-2 0 0,-13 0 0,0 0 0,1 0 0,-16 0 0,12 0 0,-26 0 0,25 0 0,-25 0 0,26 0 0,-12 0 0,16 0 0,-16 0 0,12 0 0,-12 8 0,16-6 0,-1 7 0,-14-9 0,10 8 0,-25-5 0,26 13 0,-27-13 0,12 15 0,-15-15 0,37 7 0,-1 1 0,-2-3 0,0-1 0,1 0 0,-1 0 0,-7-1 0,1 0 0,6 0 0,0 0 0,-8-5 0,-1 1 0,0 3 0,0 1 0,0 1 0,0-2 0,9-4 0,1 1 0,-8 9 0,1 1 0,6-11 0,0 1 0,-9 10 0,1-1 0,8-9 0,0-1 0,-7 11 0,1-1 0,-33-8 0,33 3 0,-1 0 0,-31 4 0,31-10 0,1 2 0,-33 19 0,41-20 0,1 0 0,-37 9 0,0-10 0,0 0 0,36 6 0,1 0 0,-42-3 0,41 3 0,1-1 0,-22-5 0,-12 0 0,27 0 0,-26 0 0,25 0 0,-25 0 0,26 0 0,-27 0 0,27 0 0,-11 0 0,-1 0 0,-3 10 0,-15-7 0,15 7 0,-12-10 0,12 0 0,22 0 0,-1 0 0,-26 0 0,28 0 0,1 0 0,-24 0 0,0 0 0,3 0 0,15 0 0,13 0 0,-10 0 0,21 0 0,-21 0 0,29 0 0,-15 0 0,18 0 0,0 0 0,-6 0 0,15 0 0,-15 0 0,14 0 0,-14 0 0,15 0 0,-16 0 0,8 0 0,-10 0 0,9 0 0,-6 0 0,6 0 0,-8 0 0,-1 0 0,10 0 0,-8 0 0,7 0 0,-8 0 0,0 0 0,8 0 0,2-5 0,0 3 0,7-9 0,-15 10 0,14-10 0,-14 3 0,15-5 0,-15-2 0,14 2 0,-14-9 0,15 8 0,-7-7 0,0 7 0,7 1 0,-7 0 0,9 0 0,0 1 0,-9-2 0,7 2 0,-7-2 0,9 2 0,0 5 0,-1-4 0,1 10 0,0-10 0,5 4 0,-4-5 0,10 0 0,-10 5 0,10-4 0,-5-4 0,6-8 0,0-8 0,0-12 0,0 8 0,0-8 0,0 12 0,0-12 0,0-3 0,0-12 0,0 1 0,0-1 0,9 1 0,-7-16 0,6 12 0,-7 9 0,-2-2 0,1-26 0,0 26 0,0-1 0,0 0 0,0 1 0,0-42-316,0 10 1,0-1 315,0 34 0,0-1 0,0-31 0,0-2 0,0 18 0,0 3 0,0-2 0,0-1 0,0-7 0,0-1 0,0 0 0,0 2 0,1 15 0,-2 1 0,-4-16 0,-1 1 0,3-21 0,-3 40 0,0 1 0,-4-37 0,7 0 0,-7 0 0,2 14 0,6-10 0,-7 26 0,9-12 631,0 16-631,0-16 0,0-3 0,0 0 0,0 3 0,0 1-6784,0 11 6784,-8-12 0,5 15 0,-5-14 0,-1 11 0,7-12 0,-6 16 0,8-16 6784,0 12-6784,0-26 0,0 25 0,0-25 0,0 11 0,0-1 0,0 25 0,0-1 0,0-28 0,0 28 0,0-3 0,-6 1 0,0 1 0,3-41 0,-9 31 0,1 1 0,8-33 0,-3 42 0,0-1 0,5 0 0,2 1 0,-1-42 0,0 41 0,0 1 0,0-37 0,0 0 0,-10 0 0,7 0 0,-7 0 0,9 36 0,2 1 0,-1-42 0,0 42 0,0-1 0,0 0 0,0 1 0,0-42 0,0 33 0,0-1 0,0-31 0,-5 32 0,-2-2 0,6 9 0,0-1 0,-5-8 0,0-2 0,5 2 0,2-1 0,-1 0 0,0 0 0,0 0 0,0 1 0,0-1 0,0 0 0,0-10 0,0-1 0,0-2 0,0 0-465,0 1 1,0-2 464,0-8 0,0 2 0,0 17 0,0 1 0,0-8 0,0-1 0,0 11 0,0 1-240,0-2 1,0 2 239,0 8 0,0 1 0,0-6 0,0-3 0,0-16 0,0 3-3159,0 23 0,0-1 3159,0-39 0,0 0 0,0 43 0,0 0-112,0-23 1,0-2 111,0 10 0,0 2 0,0 8 0,0 0 0,0 3 0,0-1 297,0 0 0,0 1-297,0-41 330,0 0-330,0 8 6665,0 11-6665,0 0 0,0 3 360,0 1-360,0 10 0,0-10 0,0 26 0,0-24 0,0 32 0,0-19 0,0 14 0,7 8 0,-5-8 0,4 12 0,-6-1 0,6 10 0,-5-8 0,5 7 0,0-8 0,-4 8 0,5-6 0,0 6 0,-5-8 0,5-1 0,-7 1 0,0-1 0,0 1 0,0 0 0,0-1 0,0 1 0,0 8 0,0-6 0,0 14 0,0-5 0,0 8 0,0-9 0,0 6 0,0-14 0,0 15 0,0-7 0,0 0 0,0 7 0,0-7 0,0 1 0,0 5 0,0-5 0,0-1 0,0 6 0,0-5 0,0-1 0,0 7 0,0-7 0,0 9 0,0 0 0,0-1 0,0 1 0,0 0 0,0 0 0,0 0 0,0-1 0,0 1 0,0 0 0,0 0 0,0 0 0,0-1 0,0 1 0,0 0 0,0 0 0,0 0 0,0-1 0,0 1 0,0 0 0,0 0 0,0-9 0,0 7 0,0-7 0,0 9 0,0 0 0,0-1 0,5 7 0,-4-5 0,10 9 0,-4-3 0,5 5 0,0 0 0,0 0 0,0 0 0,0 0 0,0 0 0,-5 0 0,-2 0 0</inkml:trace>
+</inkml:ink>
+</file>
+
+<file path=ppt/ink/ink17.xml><?xml version="1.0" encoding="utf-8"?>
+<inkml:ink xmlns:inkml="http://www.w3.org/2003/InkML">
+  <inkml:definitions>
+    <inkml:context xml:id="ctx0">
+      <inkml:inkSource xml:id="inkSrc0">
+        <inkml:traceFormat>
+          <inkml:channel name="X" type="integer" min="-2.14748E9" max="2.14748E9" units="cm"/>
+          <inkml:channel name="Y" type="integer" min="-2.14748E9" max="2.14748E9" units="cm"/>
+          <inkml:channel name="F" type="integer" max="32767" units="dev"/>
+        </inkml:traceFormat>
+        <inkml:channelProperties>
+          <inkml:channelProperty channel="X" name="resolution" value="1000" units="1/cm"/>
+          <inkml:channelProperty channel="Y" name="resolution" value="1000" units="1/cm"/>
+          <inkml:channelProperty channel="F" name="resolution" value="0" units="1/dev"/>
+        </inkml:channelProperties>
+      </inkml:inkSource>
+      <inkml:timestamp xml:id="ts0" timeString="2022-10-26T13:32:26.754"/>
+    </inkml:context>
+    <inkml:brush xml:id="br0">
+      <inkml:brushProperty name="width" value="0.1" units="cm"/>
+      <inkml:brushProperty name="height" value="0.1" units="cm"/>
+    </inkml:brush>
+  </inkml:definitions>
+  <inkml:trace contextRef="#ctx0" brushRef="#br0">1 0 24575,'12'0'0,"0"0"0,0 0 0,0 0 0,0 0 0,-6 0 0,0 0 0</inkml:trace>
+</inkml:ink>
+</file>
+
+<file path=ppt/ink/ink18.xml><?xml version="1.0" encoding="utf-8"?>
+<inkml:ink xmlns:inkml="http://www.w3.org/2003/InkML">
+  <inkml:definitions>
+    <inkml:context xml:id="ctx0">
+      <inkml:inkSource xml:id="inkSrc0">
+        <inkml:traceFormat>
+          <inkml:channel name="X" type="integer" min="-2.14748E9" max="2.14748E9" units="cm"/>
+          <inkml:channel name="Y" type="integer" min="-2.14748E9" max="2.14748E9" units="cm"/>
+          <inkml:channel name="F" type="integer" max="32767" units="dev"/>
+        </inkml:traceFormat>
+        <inkml:channelProperties>
+          <inkml:channelProperty channel="X" name="resolution" value="1000" units="1/cm"/>
+          <inkml:channelProperty channel="Y" name="resolution" value="1000" units="1/cm"/>
+          <inkml:channelProperty channel="F" name="resolution" value="0" units="1/dev"/>
+        </inkml:channelProperties>
+      </inkml:inkSource>
+      <inkml:timestamp xml:id="ts0" timeString="2022-10-26T13:39:20.328"/>
+    </inkml:context>
+    <inkml:brush xml:id="br0">
+      <inkml:brushProperty name="width" value="0.1" units="cm"/>
+      <inkml:brushProperty name="height" value="0.1" units="cm"/>
+    </inkml:brush>
+  </inkml:definitions>
+  <inkml:trace contextRef="#ctx0" brushRef="#br0">289 0 24575,'0'21'0,"0"1"0,0 21 0,0 3 0,9 11 0,1 1 0,9-1 0,-1-11 0,0 9 0,9-10 0,-1 1 0,5 24 0,2-21 0,1 38 0,5-26 0,-8-15 0,-2 2 0,7 29 0,1-26 0,-2 2 0,-6 39 0,-1-42 0,2-2 0,2 28 0,9-4 0,-10 0 0,3-22 0,-12 19 0,2-23 0,-6 0 0,0 8 0,-9-8 0,0 26 0,-9 4 0,0 0 0,-10-23 0,-4 0 0,-12 27 0,3-17 0,-6 1 0,-1-12 0,-1-2 0,6 5 0,-2 0 0,-9-3 0,-3 0 0,-3 8 0,2-2 0,7-13 0,0-1 0,-13 17 0,0-3 0,-10 10 0,-4 12 0,-5-13 0,20 6 0,-8-7 0,12 6 0,-1 1 0,3-12 0,-2 11 0,19-26 0,-3 8 0,16-20 0,-2 9 0,4-11 0,7-1 0,0 0 0,0 0 0,14 1 0,3-1 0,41 6 0,-8-1 0,37 9 0,-26-6 0,-15-10 0,2 1 0,29 16 0,-33-11 0,-1 0 0,31 10 0,-12 7 0,-16-17 0,-3-8 0,-12 3 0,0-6 0,-7 7 0,6 0 0,-6 1 0,0-1 0,23 26 0,-12 7 0,9 11 0,-13-3 0,-12-15 0,0 1 0,0-1 0,-9 16 0,-1-24 0,-9 35 0,0-34 0,0 22 0,-20 1 0,0-17 0,-5 3-209,-6-6 0,-3 1 209,-7 14 0,-2 2 0,-5-7 0,-1-2 0,7-7 0,1 2 0,-10 22 0,0 2 0,0-14 0,4 1 0,8 8 0,1 4 0,3-13 0,-3 1 0,5-2 0,2 8 0,4 0 0,4-10 0,0 2 0,4-3 0,4 6 0,4-5 0,4-5 0,2-2 209,5-1 0,0-1-209,0 37 0,0 0 0,0 0 0,14-42 0,7-1 0,4-4 0,6-1 0,13 10 0,5-4 0,0-15 0,1-1 0,1 10 0,1 1 0,3-11 0,1-3 0,3 4 0,2 0 0,4 4 0,1-1 0,-9-10 0,-1-1 0,0 5 0,-3-2 0,38 6 0,-15 5 0,-15-19 0,-27 3 0,-13-10 0,-9-2 0,0 0 0,-5 0 0,-2 0 0,-5 0 0,0 0 0,0 8 0,0 15 0,-23 43 0,7 3 0,-6-28 0,-3 3-329,5 9 1,-1 0 328,-4-6 0,-1 1 0,-2 16 0,0 0 0,2-9 0,0-2 0,1-8 0,0-1 0,0-1 0,1-1 0,6 1 0,-1-1 0,-3-6 0,1-1 0,7 7 0,1 1 0,-4 0 0,0-1 0,-7 42 0,12-42 0,0 1 0,-1 36 0,3-15 0,10 11 0,0-11 0,0 0 657,0 11-657,0-26 0,10 26 0,10-25 0,24 15 0,-5-30 0,25 17 0,-36-29 0,18 13 0,-21-24 0,6-2 0,-9-8 0,-1 0 0,-9-2 0,0 0 0,0-5 0,0 4 0,0-10 0,0 4 0,0 1 0,9 2 0,-7 4 0,15 4 0,-15-4 0,7 2 0,-9-2 0,0 0 0,-5 5 0,-2-4 0,-5 5 0,0-6 0,0 8 0,0 3 0,-9 20 0,-13 18 0,0 0 0,-21 26 0,20-11 0,0-31 0,3 1 0,4 45 0,-14 0 0,19-15 0,-10-4 0,2-14 0,8-1 0,-4-11 0,13-3 0,-5-21 0,7 7 0,-5-14 0,3 14 0,-3-7 0,5 21 0,0-9 0,0 9 0,0 0 0,0-9 0,0 9 0,0-12 0,0-8 0,0-2 0,0-9 0,0 0 0,0-6 0,0 0 0</inkml:trace>
+</inkml:ink>
+</file>
+
+<file path=ppt/ink/ink19.xml><?xml version="1.0" encoding="utf-8"?>
+<inkml:ink xmlns:inkml="http://www.w3.org/2003/InkML">
+  <inkml:definitions>
+    <inkml:context xml:id="ctx0">
+      <inkml:inkSource xml:id="inkSrc0">
+        <inkml:traceFormat>
+          <inkml:channel name="X" type="integer" min="-2.14748E9" max="2.14748E9" units="cm"/>
+          <inkml:channel name="Y" type="integer" min="-2.14748E9" max="2.14748E9" units="cm"/>
+          <inkml:channel name="F" type="integer" max="32767" units="dev"/>
+        </inkml:traceFormat>
+        <inkml:channelProperties>
+          <inkml:channelProperty channel="X" name="resolution" value="1000" units="1/cm"/>
+          <inkml:channelProperty channel="Y" name="resolution" value="1000" units="1/cm"/>
+          <inkml:channelProperty channel="F" name="resolution" value="0" units="1/dev"/>
+        </inkml:channelProperties>
+      </inkml:inkSource>
+      <inkml:timestamp xml:id="ts0" timeString="2022-10-26T13:39:25.837"/>
+    </inkml:context>
+    <inkml:brush xml:id="br0">
+      <inkml:brushProperty name="width" value="0.1" units="cm"/>
+      <inkml:brushProperty name="height" value="0.1" units="cm"/>
+    </inkml:brush>
+  </inkml:definitions>
+  <inkml:trace contextRef="#ctx0" brushRef="#br0">1230 0 24575,'0'21'0,"0"1"0,0 21 0,0 3 0,-9 11 0,-1 1 0,-9-1 0,1-11 0,0 9 0,-9-10 0,1 1 0,-5 24 0,-2-21 0,-1 38 0,-5-26 0,8-15 0,2 2 0,-7 29 0,-1-26 0,2 2 0,6 39 0,1-42 0,-2-2 0,-2 28 0,-9-4 0,10 0 0,-3-22 0,12 19 0,-2-23 0,6 0 0,0 8 0,9-8 0,0 26 0,9 4 0,0 0 0,10-23 0,4 0 0,12 27 0,-3-17 0,6 1 0,1-12 0,1-2 0,-6 5 0,2 0 0,9-3 0,3 0 0,3 8 0,-2-2 0,-7-13 0,0-1 0,13 17 0,0-3 0,10 10 0,4 12 0,5-13 0,-20 6 0,8-7 0,-12 6 0,1 1 0,-3-12 0,2 11 0,-19-26 0,3 8 0,-16-20 0,2 9 0,-4-11 0,-7-1 0,0 0 0,0 0 0,-14 1 0,-3-1 0,-41 6 0,8-1 0,-37 9 0,26-6 0,15-10 0,-2 1 0,-29 16 0,33-11 0,1 0 0,-31 10 0,12 7 0,16-17 0,3-8 0,12 3 0,0-6 0,7 7 0,-6 0 0,6 1 0,0-1 0,-23 26 0,12 7 0,-9 11 0,13-3 0,12-15 0,0 1 0,0-1 0,9 16 0,1-24 0,9 35 0,0-34 0,0 22 0,20 1 0,0-17 0,5 3-209,6-6 0,3 1 209,7 14 0,2 2 0,5-7 0,1-2 0,-7-7 0,-1 2 0,10 22 0,0 2 0,0-14 0,-4 1 0,-8 8 0,-1 4 0,-3-13 0,3 1 0,-5-2 0,-2 8 0,-4 0 0,-4-10 0,0 2 0,-4-3 0,-4 6 0,-4-5 0,-4-5 0,-2-2 209,-5-1 0,0-1-209,0 37 0,0 0 0,0 0 0,-14-42 0,-7-1 0,-4-4 0,-6-1 0,-13 10 0,-5-4 0,0-15 0,-1-1 0,-1 10 0,-1 1 0,-3-11 0,-1-3 0,-3 4 0,-2 0 0,-4 4 0,-1-1 0,9-10 0,1-1 0,0 5 0,3-2 0,-38 6 0,15 5 0,15-19 0,27 3 0,13-10 0,9-2 0,0 0 0,5 0 0,2 0 0,5 0 0,0 0 0,0 8 0,0 15 0,23 43 0,-7 3 0,6-28 0,3 3-329,-5 9 1,1 0 328,4-6 0,1 1 0,2 16 0,0 0 0,-2-9 0,0-2 0,-1-8 0,0-1 0,0-1 0,-1-1 0,-6 1 0,1-1 0,3-6 0,-1-1 0,-7 7 0,-1 1 0,4 0 0,0-1 0,7 42 0,-12-42 0,0 1 0,1 36 0,-3-15 0,-10 11 0,0-11 0,0 0 657,0 11-657,0-26 0,-10 26 0,-10-25 0,-24 15 0,5-30 0,-25 17 0,36-29 0,-18 13 0,21-24 0,-6-2 0,9-8 0,1 0 0,9-2 0,0 0 0,0-5 0,0 4 0,0-10 0,0 4 0,0 1 0,-9 2 0,7 4 0,-15 4 0,15-4 0,-7 2 0,9-2 0,0 0 0,5 5 0,2-4 0,5 5 0,0-6 0,0 8 0,0 3 0,9 20 0,13 18 0,0 0 0,21 26 0,-20-11 0,0-31 0,-3 1 0,-4 45 0,14 0 0,-19-15 0,10-4 0,-2-14 0,-8-1 0,4-11 0,-13-3 0,5-21 0,-7 7 0,5-14 0,-3 14 0,3-7 0,-5 21 0,0-9 0,0 9 0,0 0 0,0-9 0,0 9 0,0-12 0,0-8 0,0-2 0,0-9 0,0 0 0,0-6 0,0 0 0</inkml:trace>
+</inkml:ink>
+</file>
+
+<file path=ppt/ink/ink2.xml><?xml version="1.0" encoding="utf-8"?>
+<inkml:ink xmlns:inkml="http://www.w3.org/2003/InkML">
+  <inkml:definitions>
+    <inkml:context xml:id="ctx0">
+      <inkml:inkSource xml:id="inkSrc0">
+        <inkml:traceFormat>
+          <inkml:channel name="X" type="integer" min="-2.14748E9" max="2.14748E9" units="cm"/>
+          <inkml:channel name="Y" type="integer" min="-2.14748E9" max="2.14748E9" units="cm"/>
+          <inkml:channel name="F" type="integer" max="32767" units="dev"/>
+        </inkml:traceFormat>
+        <inkml:channelProperties>
+          <inkml:channelProperty channel="X" name="resolution" value="1000" units="1/cm"/>
+          <inkml:channelProperty channel="Y" name="resolution" value="1000" units="1/cm"/>
+          <inkml:channelProperty channel="F" name="resolution" value="0" units="1/dev"/>
+        </inkml:channelProperties>
+      </inkml:inkSource>
+      <inkml:timestamp xml:id="ts0" timeString="2022-10-26T13:32:04.405"/>
+    </inkml:context>
+    <inkml:brush xml:id="br0">
+      <inkml:brushProperty name="width" value="0.1" units="cm"/>
+      <inkml:brushProperty name="height" value="0.1" units="cm"/>
+    </inkml:brush>
+  </inkml:definitions>
+  <inkml:trace contextRef="#ctx0" brushRef="#br0">1 0 24575,'12'0'0,"0"0"0,0 0 0,0 0 0,0 0 0,-6 0 0,0 0 0</inkml:trace>
+</inkml:ink>
+</file>
+
+<file path=ppt/ink/ink3.xml><?xml version="1.0" encoding="utf-8"?>
+<inkml:ink xmlns:inkml="http://www.w3.org/2003/InkML">
+  <inkml:definitions>
+    <inkml:context xml:id="ctx0">
+      <inkml:inkSource xml:id="inkSrc0">
+        <inkml:traceFormat>
+          <inkml:channel name="X" type="integer" min="-2.14748E9" max="2.14748E9" units="cm"/>
+          <inkml:channel name="Y" type="integer" min="-2.14748E9" max="2.14748E9" units="cm"/>
+          <inkml:channel name="F" type="integer" max="32767" units="dev"/>
+        </inkml:traceFormat>
+        <inkml:channelProperties>
+          <inkml:channelProperty channel="X" name="resolution" value="1000" units="1/cm"/>
+          <inkml:channelProperty channel="Y" name="resolution" value="1000" units="1/cm"/>
+          <inkml:channelProperty channel="F" name="resolution" value="0" units="1/dev"/>
+        </inkml:channelProperties>
+      </inkml:inkSource>
+      <inkml:timestamp xml:id="ts0" timeString="2022-10-26T13:32:26.753"/>
+    </inkml:context>
+    <inkml:brush xml:id="br0">
+      <inkml:brushProperty name="width" value="0.1" units="cm"/>
+      <inkml:brushProperty name="height" value="0.1" units="cm"/>
+    </inkml:brush>
+  </inkml:definitions>
+  <inkml:trace contextRef="#ctx0" brushRef="#br0">317 111 24575,'21'0'0,"28"0"0,33 0 0,-17 0 0,5 0 0,6 0 0,6 0 0,-8 0 0,5 0 0,-1 0-1600,-7 0 1,-1 0 0,5 0 1599,1 0 0,6 0 0,0 0 0,-2 0 0,13 0 0,-3 0 0,3 0 0,-13 0 0,3 0 0,-1 0 0,0 0 0,19 0 0,-1 0 0,-6 0 0,-17 0 0,-4 0 0,0 0 0,3 0 0,-1 0 0,0 0 0,-4 0 0,-1 0 0,-1 0 379,26 0 0,2 0-379,-21 0 0,3 0 0,-3 0 0,15 0 0,-3 0 0,2 0 0,-1 0 0,-9 0 0,-2 0 0,0 0 0,-4 0 424,-16 0 1,-2 0-425,8 0 0,-1 0 0,32-10 0,-31 8 0,-1 1 0,33-9 0,-42 4 0,1 2 0,0 4 0,-2-3 0,-5-12 0,0 0 0,5 11 0,3 3 1234,22-10 1,-2 2-1235,16 9 0,-7 0 0,-1 0 0,-4 0 0,-26 0 0,1 0 0,0 0 0,-1 0 629,42 0-629,-42 0 0,1 0 0,36 0 0,-37 0 0,0 0 0,42 0 46,-41 0 1,-1 0-47,37 0 0,-15 0 0,-4 0 0,-14 0 0,-1 0 0,0-9 0,1 7 0,-1-7 0,1 9 0,-1 0 0,15 0 0,-22 0 0,19 0 0,-23 0 0,0 0 0,-3 0 0,-12 0 0,-8 0 0,6 0 0,-15 0 0,6 0 0,-8 0 0,0 0 0,-5 6 0,-1 0 0,-6 6 0,0 1 0,0-1 0,0 20 0,0 5 0,0 9 0,-9 8 0,-2-8 0,1 11 0,-7 1 0,6-1 0,-10 16 0,10 3 0,1 15 0,4-38 0,0 3 0,5 0 0,-1 1 0,-4 8 0,1 1 0,4-1 0,2 2-293,-1 9 0,0 0 293,0-7 0,0-1 0,0 8 0,0 1-3295,-1 0 0,2-2 3295,4-7 0,1 1-2204,-5 18 1,1 0 2203,9-19 0,1 1-152,-3 17 1,-1 1 151,-1-19 0,1 1 0,0-4 0,3 3 0,-2-3 0,-1 6 0,-1 1 0,-1 0 0,-1 5 0,2-3 0,5 9 0,1-2 0,-5 9 0,-2 2 0,2-5 0,1 0 0,3-9 0,0 1 0,-3 10 0,-1 2 0,7-2 0,0 1 0,-7 0 0,0-1 0,5-11 0,-1 2-140,-5-8 1,-2 6 0,3-3 139,6 22 0,2 2 0,-4-14 0,-1 6 0,1-6 0,3 10 0,0-2 0,-4-19 0,0 3 0,0-5 0,4 10 0,-2 0 0,-6-8 0,-2 4 0,1-2 0,8 16 0,-1 1 0,-6-18 0,-2 4 0,1-5 0,2 8 0,1 0 0,0-17 0,1 3 0,-1-3 0,0 14 0,-1 0 1690,-1 10 0,2 1-1690,5 0 0,-1-1 0,-11-10 0,-1 0 0,5 8 0,1 0 0,-1-19 0,0 0 0,-5 19 0,1 0 0,4-19 0,-1 1 0,-4 17 0,-2 2 0,1-10 0,0 1 0,-1 10 0,2 2 0,6-2 0,-1 1 0,-4-1 0,0 1 0,5-1 0,-1 1 0,-6 0 0,0-1 0,6-10 0,0 0 0,-5 9 0,1-2 0,4-27 0,-1 0 0,-4 16 0,-2-2 0,1 23 0,0-33 0,0 1 5239,0 31-5239,0-41 0,0 1 296,0 0 1,0-1-297,10 41 0,-8-41 0,-1 1 0,4 0 0,0-1 0,-5 42 0,0-33 0,0 1 1427,0 31-1427,0-40 0,0-1 0,0 37 1091,0 0-1091,0 0 0,0 0 574,0 0-574,0-15 0,0 11 0,0-26 0,0 11 0,0-14 0,0-1 0,0 0 0,0 1 0,0 14 0,0-11 0,0 27 0,0-27 0,0 26 0,0-26 0,0 11 0,0-14 0,0-12 0,0-12 0,0-5 0,0-15 0,0 7 0,0-9 0,0 0 0,0 0 0,0 0 0,-6-5 0,0-2 0,-15-5 0,7 5 0,-16-3 0,16 3 0,-15-5 0,6 0 0,-9 0 0,1 0 0,0 0 0,-1 0 0,1 0 0,-1 0 0,-11 0 0,-2 0 0,-13 0 0,0 0 0,1 0 0,-16 0 0,12 0 0,-26 0 0,25 0 0,-25 0 0,26 0 0,-12 0 0,16 0 0,-16 0 0,12 0 0,-12 8 0,16-6 0,-1 7 0,-14-9 0,10 8 0,-25-5 0,26 13 0,-27-13 0,12 15 0,-15-15 0,37 7 0,-1 1 0,-2-3 0,0-1 0,1 0 0,-1 0 0,-7-1 0,1 0 0,6 0 0,0 0 0,-8-5 0,-1 1 0,0 3 0,0 1 0,0 1 0,0-2 0,9-4 0,1 1 0,-8 9 0,1 1 0,6-11 0,0 1 0,-9 10 0,1-1 0,8-9 0,0-1 0,-7 11 0,1-1 0,-33-8 0,33 3 0,-1 0 0,-31 4 0,31-10 0,1 2 0,-33 19 0,41-20 0,1 0 0,-37 9 0,0-10 0,0 0 0,36 6 0,1 0 0,-42-3 0,41 3 0,1-1 0,-22-5 0,-12 0 0,27 0 0,-26 0 0,25 0 0,-25 0 0,26 0 0,-27 0 0,27 0 0,-11 0 0,-1 0 0,-3 10 0,-15-7 0,15 7 0,-12-10 0,12 0 0,22 0 0,-1 0 0,-26 0 0,28 0 0,1 0 0,-24 0 0,0 0 0,3 0 0,15 0 0,13 0 0,-10 0 0,21 0 0,-21 0 0,29 0 0,-15 0 0,18 0 0,0 0 0,-6 0 0,15 0 0,-15 0 0,14 0 0,-14 0 0,15 0 0,-16 0 0,8 0 0,-10 0 0,9 0 0,-6 0 0,6 0 0,-8 0 0,-1 0 0,10 0 0,-8 0 0,7 0 0,-8 0 0,0 0 0,8 0 0,2-5 0,0 3 0,7-9 0,-15 10 0,14-10 0,-14 3 0,15-5 0,-15-2 0,14 2 0,-14-9 0,15 8 0,-7-7 0,0 7 0,7 1 0,-7 0 0,9 0 0,0 1 0,-9-2 0,7 2 0,-7-2 0,9 2 0,0 5 0,-1-4 0,1 10 0,0-10 0,5 4 0,-4-5 0,10 0 0,-10 5 0,10-4 0,-5-4 0,6-8 0,0-8 0,0-12 0,0 8 0,0-8 0,0 12 0,0-12 0,0-3 0,0-12 0,0 1 0,0-1 0,9 1 0,-7-16 0,6 12 0,-7 9 0,-2-2 0,1-26 0,0 26 0,0-1 0,0 0 0,0 1 0,0-42-316,0 10 1,0-1 315,0 34 0,0-1 0,0-31 0,0-2 0,0 18 0,0 3 0,0-2 0,0-1 0,0-7 0,0-1 0,0 0 0,0 2 0,1 15 0,-2 1 0,-4-16 0,-1 1 0,3-21 0,-3 40 0,0 1 0,-4-37 0,7 0 0,-7 0 0,2 14 0,6-10 0,-7 26 0,9-12 631,0 16-631,0-16 0,0-3 0,0 0 0,0 3 0,0 1-6784,0 11 6784,-8-12 0,5 15 0,-5-14 0,-1 11 0,7-12 0,-6 16 0,8-16 6784,0 12-6784,0-26 0,0 25 0,0-25 0,0 11 0,0-1 0,0 25 0,0-1 0,0-28 0,0 28 0,0-3 0,-6 1 0,0 1 0,3-41 0,-9 31 0,1 1 0,8-33 0,-3 42 0,0-1 0,5 0 0,2 1 0,-1-42 0,0 41 0,0 1 0,0-37 0,0 0 0,-10 0 0,7 0 0,-7 0 0,9 36 0,2 1 0,-1-42 0,0 42 0,0-1 0,0 0 0,0 1 0,0-42 0,0 33 0,0-1 0,0-31 0,-5 32 0,-2-2 0,6 9 0,0-1 0,-5-8 0,0-2 0,5 2 0,2-1 0,-1 0 0,0 0 0,0 0 0,0 1 0,0-1 0,0 0 0,0-10 0,0-1 0,0-2 0,0 0-465,0 1 1,0-2 464,0-8 0,0 2 0,0 17 0,0 1 0,0-8 0,0-1 0,0 11 0,0 1-240,0-2 1,0 2 239,0 8 0,0 1 0,0-6 0,0-3 0,0-16 0,0 3-3159,0 23 0,0-1 3159,0-39 0,0 0 0,0 43 0,0 0-112,0-23 1,0-2 111,0 10 0,0 2 0,0 8 0,0 0 0,0 3 0,0-1 297,0 0 0,0 1-297,0-41 330,0 0-330,0 8 6665,0 11-6665,0 0 0,0 3 360,0 1-360,0 10 0,0-10 0,0 26 0,0-24 0,0 32 0,0-19 0,0 14 0,7 8 0,-5-8 0,4 12 0,-6-1 0,6 10 0,-5-8 0,5 7 0,0-8 0,-4 8 0,5-6 0,0 6 0,-5-8 0,5-1 0,-7 1 0,0-1 0,0 1 0,0 0 0,0-1 0,0 1 0,0 8 0,0-6 0,0 14 0,0-5 0,0 8 0,0-9 0,0 6 0,0-14 0,0 15 0,0-7 0,0 0 0,0 7 0,0-7 0,0 1 0,0 5 0,0-5 0,0-1 0,0 6 0,0-5 0,0-1 0,0 7 0,0-7 0,0 9 0,0 0 0,0-1 0,0 1 0,0 0 0,0 0 0,0 0 0,0-1 0,0 1 0,0 0 0,0 0 0,0 0 0,0-1 0,0 1 0,0 0 0,0 0 0,0 0 0,0-1 0,0 1 0,0 0 0,0 0 0,0-9 0,0 7 0,0-7 0,0 9 0,0 0 0,0-1 0,5 7 0,-4-5 0,10 9 0,-4-3 0,5 5 0,0 0 0,0 0 0,0 0 0,0 0 0,0 0 0,-5 0 0,-2 0 0</inkml:trace>
+</inkml:ink>
+</file>
+
+<file path=ppt/ink/ink4.xml><?xml version="1.0" encoding="utf-8"?>
+<inkml:ink xmlns:inkml="http://www.w3.org/2003/InkML">
+  <inkml:definitions>
+    <inkml:context xml:id="ctx0">
+      <inkml:inkSource xml:id="inkSrc0">
+        <inkml:traceFormat>
+          <inkml:channel name="X" type="integer" min="-2.14748E9" max="2.14748E9" units="cm"/>
+          <inkml:channel name="Y" type="integer" min="-2.14748E9" max="2.14748E9" units="cm"/>
+          <inkml:channel name="F" type="integer" max="32767" units="dev"/>
+        </inkml:traceFormat>
+        <inkml:channelProperties>
+          <inkml:channelProperty channel="X" name="resolution" value="1000" units="1/cm"/>
+          <inkml:channelProperty channel="Y" name="resolution" value="1000" units="1/cm"/>
+          <inkml:channelProperty channel="F" name="resolution" value="0" units="1/dev"/>
+        </inkml:channelProperties>
+      </inkml:inkSource>
+      <inkml:timestamp xml:id="ts0" timeString="2022-10-26T13:32:26.754"/>
+    </inkml:context>
+    <inkml:brush xml:id="br0">
+      <inkml:brushProperty name="width" value="0.1" units="cm"/>
+      <inkml:brushProperty name="height" value="0.1" units="cm"/>
+    </inkml:brush>
+  </inkml:definitions>
+  <inkml:trace contextRef="#ctx0" brushRef="#br0">1 0 24575,'12'0'0,"0"0"0,0 0 0,0 0 0,0 0 0,-6 0 0,0 0 0</inkml:trace>
+</inkml:ink>
+</file>
+
+<file path=ppt/ink/ink5.xml><?xml version="1.0" encoding="utf-8"?>
+<inkml:ink xmlns:inkml="http://www.w3.org/2003/InkML">
+  <inkml:definitions>
+    <inkml:context xml:id="ctx0">
+      <inkml:inkSource xml:id="inkSrc0">
+        <inkml:traceFormat>
+          <inkml:channel name="X" type="integer" min="-2.14748E9" max="2.14748E9" units="cm"/>
+          <inkml:channel name="Y" type="integer" min="-2.14748E9" max="2.14748E9" units="cm"/>
+          <inkml:channel name="F" type="integer" max="32767" units="dev"/>
+        </inkml:traceFormat>
+        <inkml:channelProperties>
+          <inkml:channelProperty channel="X" name="resolution" value="1000" units="1/cm"/>
+          <inkml:channelProperty channel="Y" name="resolution" value="1000" units="1/cm"/>
+          <inkml:channelProperty channel="F" name="resolution" value="0" units="1/dev"/>
+        </inkml:channelProperties>
+      </inkml:inkSource>
+      <inkml:timestamp xml:id="ts0" timeString="2022-10-26T13:32:46.873"/>
+    </inkml:context>
+    <inkml:brush xml:id="br0">
+      <inkml:brushProperty name="width" value="0.1" units="cm"/>
+      <inkml:brushProperty name="height" value="0.1" units="cm"/>
+    </inkml:brush>
+  </inkml:definitions>
+  <inkml:trace contextRef="#ctx0" brushRef="#br0">1120 1 24575,'-20'0'0,"5"0"0,-14 14 0,13 3 0,-14 14 0,13 1 0,-6-1 0,0 0 0,8-8 0,-8 6 0,11-15 0,-4 15 0,-5-13 0,4 13 0,-6-4 0,0 6 0,-1-7 0,-1 6 0,-4-6 0,4 7 0,-1 12 0,-4-9 0,4 9 0,-8 0 0,1-9 0,-4 21 0,5-21 0,-14 46 0,11-40 0,-8 29 0,17-27 0,3-7 0,-4 19 0,9-20 0,-10 21 0,12-21 0,-3 20 0,2-8 0,-1 0 0,1-3 0,1-12 0,0 0 0,7 0 0,-5 1 0,12-1 0,-12 0 0,13-8 0,-13 6 0,12-6 0,-5-1 0,0 7 0,5-6 0,-5 8 0,7-8 0,-7 6 0,5-6 0,-5 8 0,7 12 0,0-9 0,0 9 0,-7-12 0,6 12 0,-6-9 0,7 21 0,0-9 0,0-1 0,0 10 0,0-9 0,0-1 0,0 10 0,0-21 0,0 21 0,0-10 0,0 13 0,0-13 0,0 10 0,0-21 0,0 21 0,0-10 0,0 13 0,0-1 0,0 1 0,0-1 0,8 1 0,-6-1 0,14-11 0,-6 8 0,7-8 0,2 11 0,-1-11 0,0 9 0,2 5 0,4-10 0,-2 19 0,8-35 0,-9 21 0,9-21 0,-5 9 0,-2-20 0,6 6 0,-6-14 0,8 15 0,0-13 0,1 6 0,-1-8 0,0 1 0,0 0 0,0-1 0,1 1 0,11 10 0,-9-8 0,20 9 0,-20-11 0,9 1 0,-12-1 0,15 6 0,-12-11 0,11 9 0,-13-18 0,-1 12 0,0-5 0,0 6 0,0-6 0,1 5 0,-1-5 0,0-1 0,0 6 0,12-4 0,-9-1 0,21 8 0,-21-8 0,9 2 0,-20 1 0,6-11 0,-15 10 0,6-10 0,-8 10 0,1-10 0,-7 10 0,0-4 0,-6 5 0,0 0 0,-14-6 0,-4 7 0,-5-6 0,-6 8 0,6-1 0,-20 12 0,9-8 0,-9 14 0,11-14 0,1 11 0,-12-1 0,9-3 0,-9 7 0,11-14 0,1 11 0,-1-5 0,1 8 0,7-1 0,-6 0 0,2 12 0,3-9 0,-8 9 0,16-12 0,-7 12 0,8-9 0,-3 21 0,3-21 0,-3 20 0,1-8 0,0 0 0,0 8 0,0-8 0,-1 12 0,0-1 0,8 0 0,-6 1 0,6-1 0,-10 16 0,10-12 0,-9 26 0,6 7 0,-9 1 0,10-41 0,1 1 0,6 0 0,0-1 0,-5 3 0,0 0 0,4-1 0,1 1 0,-7 7 0,0-1 0,6-6 0,1-1 0,-1 1 0,2 0 0,5 7 0,0-1 0,-10 32 0,9-31 0,-1-1 0,-8 33 0,9-34 0,2 3 0,-1-8 0,0-1 0,0 1 0,0-1 0,0 0 0,0-3 0,0 38 0,0 0 0,10 0 0,1-15 0,11 11 0,-2-26 0,1 12 0,-2-16 0,1 15 0,0-10 0,9 10 0,0-15 0,0-11 0,10 24 0,-21-33 0,21 33 0,-14-36 0,13 20 0,-6-19 0,2 7 0,-10-10 0,6-8 0,-14-3 0,13-6 0,-6-1 0,-1 0 0,7 1 0,-14-8 0,14 7 0,-7-5 0,10 7 0,10-8 0,-7 6 0,7-5 0,1 8 0,3-8 0,0 6 0,8-4 0,-8 6 0,12 2 0,-13-1 0,10-8 0,-9-3 0,-1 0 0,-2-5 0,0 4 0,-9 1 0,9-5 0,-20 5 0,6 0 0,-6-5 0,-1 5 0,-1-2 0,-1-4 0,-5 10 0,5-10 0,-13 10 0,-2-4 0,-5 5 0,0 0 0,-5 0 0,-2 0 0,-14 2 0,7-2 0,-15 3 0,14-2 0,-14 2 0,6-1 0,-8 1 0,-1 1 0,1 7 0,0 1 0,-1 7 0,1 0 0,0 1 0,-17 15 0,12-11 0,-15 23 0,19-25 0,3 21 0,-1-21 0,9 20 0,-2-20 0,6 9 0,1-12 0,8 1 0,-8 11 0,14 2 0,-14 1 0,15 9 0,-6-21 0,-2 20 0,7-8 0,-7 11 0,9 1 0,0-1 0,0 1 0,0-1 0,0-11 0,0 8 0,0-8 0,0 0 0,0-3 0,0-12 0,0 0 0,0 0 0,7 1 0,-5-1 0,5 0 0,0 0 0,-5 1 0,12-1 0,-13 0 0,13 0 0,-12-8 0,12 6 0,-13-15 0,13 15 0,-12-14 0,12 14 0,-5-7 0,-1 10 0,6-1 0,-5 0 0,6 0 0,1 1 0,1 10 0,-1-7 0,1 7 0,-8 1 0,5-9 0,-4 21 0,6-21 0,1 9 0,0 0 0,-1-9 0,2 9 0,-10-12 0,6 0 0,-5 0 0,5-8 0,1 6 0,-1-6 0,0 0 0,0-3 0,-1 1 0,0-7 0,-5 7 0,3-9 0,-5 0 0,6 0 0,-5 0 0,4 0 0,-5 0 0,1 0 0,4 0 0,-4 0 0,5-5 0,-6 3 0,5-8 0,-4 8 0,5-8 0,-6 8 0,5-3 0,-4 0 0,5 3 0,0-3 0,0 0 0,0 3 0,0-8 0,0 8 0,0-8 0,0 9 0,0-10 0,0 4 0,-5 1 0,4-5 0,-10 4 0,4-5 0</inkml:trace>
+</inkml:ink>
+</file>
+
+<file path=ppt/ink/ink6.xml><?xml version="1.0" encoding="utf-8"?>
+<inkml:ink xmlns:inkml="http://www.w3.org/2003/InkML">
+  <inkml:definitions>
+    <inkml:context xml:id="ctx0">
+      <inkml:inkSource xml:id="inkSrc0">
+        <inkml:traceFormat>
+          <inkml:channel name="X" type="integer" min="-2.14748E9" max="2.14748E9" units="cm"/>
+          <inkml:channel name="Y" type="integer" min="-2.14748E9" max="2.14748E9" units="cm"/>
+          <inkml:channel name="F" type="integer" max="32767" units="dev"/>
+        </inkml:traceFormat>
+        <inkml:channelProperties>
+          <inkml:channelProperty channel="X" name="resolution" value="1000" units="1/cm"/>
+          <inkml:channelProperty channel="Y" name="resolution" value="1000" units="1/cm"/>
+          <inkml:channelProperty channel="F" name="resolution" value="0" units="1/dev"/>
+        </inkml:channelProperties>
+      </inkml:inkSource>
+      <inkml:timestamp xml:id="ts0" timeString="2022-10-26T13:34:20.687"/>
+    </inkml:context>
+    <inkml:brush xml:id="br0">
+      <inkml:brushProperty name="width" value="0.1" units="cm"/>
+      <inkml:brushProperty name="height" value="0.1" units="cm"/>
+    </inkml:brush>
+  </inkml:definitions>
+  <inkml:trace contextRef="#ctx0" brushRef="#br0">23 1 24575,'0'12'0,"5"-6"0,-4 5 0,10-4 0,-4 5 0,-1 0 0,5-5 0,-10 3 0,10-3 0,-10 5 0,10-5 0,-10 3 0,10-3 0,-4 5 0,-1 0 0,0 0 0,-1 0 0,2 0 0,0 0 0,3 0 0,-8 0 0,8 0 0,-3 0 0,5 0 0,0 1 0,2 7 0,-7-6 0,5 7 0,-5-9 0,5 0 0,-6 0 0,5 0 0,-10 0 0,10 0 0,-9 0 0,8 0 0,-8 0 0,8-5 0,-8 4 0,8-10 0,-8 10 0,8-5 0,-8 6 0,8-5 0,-8 4 0,8-5 0,-8 6 0,8-5 0,-8 4 0,8-5 0,-3 7 0,0-1 0,-2 0 0,1 0 0,0 0 0,1 0 0,4 0 0,-10 0 0,10 0 0,-10 0 0,10 0 0,-5 0 0,1 0 0,4 0 0,-5 0 0,1 0 0,4 0 0,-10 0 0,10 0 0,-10 0 0,10 0 0,-4 0 0,-1 0 0,5 0 0,-10 0 0,10 0 0,-10 0 0,10 0 0,-4 1 0,-1-1 0,0 0 0,-1 0 0,2-6 0,-1 5 0,0-4 0,-1-1 0,-3 5 0,3-4 0,-5 5 0,0 0 0,0 0 0,-6 0 0,0-5 0,-1 3 0,-4-8 0,4 3 0,0 0 0,-3-3 0,8 8 0,-9-3 0,10 5 0,-10-5 0,10 3 0,-10-3 0,4 5 0,0 0 0,-3-5 0,8 4 0,-9-5 0,5 6 0,-7 0 0,7 0 0,-5 0 0,4 1 0,0-1 0,-4-6 0,10 5 0,-10-4 0,4 5 0,1 0 0,-5 0 0,10 0 0,-10 0 0,4 0 0,0 0 0,-4 0 0,4 0 0,-5 0 0,6 0 0,-5 0 0,4 0 0,0 0 0,-4 0 0,10 0 0,-10-5 0,10 4 0,-10-5 0,4 6 0,0 0 0,-4-5 0,10 4 0,-10-10 0,10 10 0,-10-5 0,10 6 0,-10-5 0,10 4 0,-10-4 0,9 10 0,-9-4 0,5 5 0,-6-6 0,5 0 0,-4-6 0,10 5 0,-10-9 0,4 8 0,0-3 0,2 5 0,-1 0 0,0 0 0,-1 0 0,-4 0 0,10 0 0,-5 0 0,1-5 0,3 4 0,-3-5 0,-1 6 0,0 0 0,-1 0 0,-4-5 0,10 4 0,-10-10 0,10 10 0,-10-10 0,9 10 0,-9-10 0,15 4 0,-2 1 0,4 1 0,7 13 0,-6-6 0,1 7 0,3-9 0,-5 0 0,1 0 0,4 0 0,-4 0 0,-1 0 0,5 0 0,-4 0 0,-1 0 0,5 0 0,-4 0 0,-1 0 0,5 0 0,-4 0 0,5 0 0,0 0 0,0 0 0,-5 0 0,5 9 0,-5-7 0,7 7 0,-2-9 0,-6 0 0,5 0 0,-4 0 0,5 0 0,-6 0 0,5 0 0,-4 0 0,6 9 0,0-7 0,0 6 0,1 1 0,-1-7 0,0 7 0,1-1 0,-2-6 0,3 15 0,-1-6 0,0 0 0,0-3 0,0 1 0,-2-7 0,2 7 0,-2-9 0,-5 0 0,3 0 0,-8 0 0,8 0 0,-8 0 0,8-5 0,-8 3 0,8-3 0,-8 5 0,8 0 0,-8 0 0,8 0 0,-3 0 0,0 0 0,3 0 0,-8 0 0,9 0 0,-10 0 0,10-5 0,-10 4 0,10-5 0,-10 7 0,10-7 0,-10 5 0,10-4 0,-5 5 0,1 0 0,-2 0 0,-5 0 0,0 0 0,-5 0 0,-2 0 0,0 0 0,-3-5 0,3 3 0,-5-3 0,5 5 0,-4 0 0,4 0 0,0 0 0,-3 0 0,3 0 0,0 0 0,-4 0 0,10 0 0,-10 0 0,4 0 0,0 0 0,-3 0 0,3 0 0,-5 1 0,5-1 0,-4 0 0,4 0 0,0 0 0,-3 0 0,3-6 0,0 5 0,-4-4 0,10 5 0,-10 0 0,4 0 0,0 0 0,-3 0 0,8 0 0,-9 0 0,10 0 0,-10 0 0,10 0 0,-10 0 0,4 0 0,0 0 0,-3 0 0,8 0 0,-9 0 0,10 0 0,-10 0 0,4 0 0,1 0 0,-5 1 0,4-1 0,0 0 0,-4 0 0,5 0 0,-1 0 0,-4 0 0,4 0 0,0 0 0,-3 0 0,3 0 0,0 0 0,-4 0 0,10 0 0,-10 0 0,4 0 0,0 0 0,-3 0 0,3 0 0,0 0 0,-4-5 0,10 4 0,-10-5 0,10 6 0,-10-5 0,9 4 0,-8-5 0,8 6 0,-9-5 0,10 4 0,-4-4 0,-1-1 0,5 5 0,-5-4 0,6 5 0,0 0 0,0 0 0,6 0 0,-5 0 0,10 0 0,-4 0 0,5 0 0,0 0 0,0 0 0,-6 0 0,5 0 0,-4 0 0,5 0 0,-6 0 0,5 0 0,-4 0 0,5 0 0,0 0 0,0 0 0,0 0 0,0 0 0,2 9 0,-2-7 0,3 15 0,-1-6 0,2 8 0,6 0 0,3 1 0,-1-1 0,0 12 0,-1-16 0,-4 14 0,3-17 0,-8-1 0,2 6 0,-4-15 0,2 7 0,-2-9 0,0 0 0,1 8 0,0-5 0,1 5 0,-1 1 0,1 1 0,0 1 0,1 6 0,-2-15 0,2 16 0,-3-16 0,2 6 0,0 1 0,-2-7 0,3 15 0,-8-15 0,6 7 0,-7-9 0,1 0 0,4 0 0,-10 0 0,10 0 0,-10 0 0,10 0 0,-10 0 0,5 0 0,-1-5 0,-4 4 0,5-5 0,-6 6 0,0 0 0,0 0 0,0 0 0,-6 0 0,-1 0 0,-5-5 0,5 4 0,-3-4 0,3 5 0,0 0 0,-4-6 0,4 5 0,1-4 0,-5 5 0,9 0 0,-8 0 0,3 0 0,0 0 0,-4 0 0,4 0 0,-5 0 0,5 0 0,-3 0 0,3 0 0,0 0 0,-4 0 0,4 0 0,1 0 0,-5 0 0,4 0 0,0 0 0,-4 0 0,5 0 0,-1 0 0,-4 0 0,4 1 0,0-1 0,-3 0 0,8 0 0,-3 0 0,-1 0 0,0 0 0,-1 0 0,-4 0 0,10 0 0,-10 0 0,9 0 0,-8 0 0,8 0 0,-9 0 0,5 0 0,-1 0 0,1 0 0,1 0 0,-2 0 0,0 0 0,2 0 0,0 0 0,-2 0 0,0 0 0,2 0 0,-1-5 0,5 4 0,-10-4 0,10 5 0,-10 0 0,10 0 0,-5 0 0,1-6 0,3 5 0,-3-4 0,-1-1 0,5 5 0,-4-4 0,-1 5 0,5 0 0,-5 0 0,6 0 0,0 0 0,0 0 0,0 0 0,0 0 0,6 0 0,-5 0 0,10 0 0,-4 0 0,6 9 0,11 13 0,4 12 0,14 26 0,0 4 0,-12-28 0,0 1 0,-5-2 0,-1-1 0,6 2 0,1 1 0,1 10 0,-2-1 0,8 24 0,-9-32 0,-2-2 0,-6 9 0,12-11 0,-14-3 0,4-12 0,-9-8 0,1 6 0,-3-15 0,-3 15 0,1-15 0,-8 7 0,8-9 0,-8 0 0,8 0 0,-8 0 0,3 0 0,0-5 0,-3 4 0,3-5 0,-5 6 0,0 0 0,0 0 0,-5 0 0,-2-5 0,-5-2 0,-1 1 0,1-5 0,0 10 0,0-10 0,0 10 0,-1-10 0,7 10 0,-5-10 0,4 10 0,0-4 0,-4 5 0,5 0 0,-7 0 0,7 0 0,-5 0 0,4 0 0,-5 0 0,0 0 0,-1 0 0,7 0 0,-5 0 0,4 0 0,0 0 0,-4 0 0,5 0 0,-6 0 0,5 0 0,-6 9 0,12-7 0,-12 6 0,5 1 0,-6 2 0,5-1 0,-5 8 0,7-16 0,-9 15 0,9-6 0,-5-1 0,3 7 0,-5-6 0,5 0 0,-5 6 0,12-15 0,-12 15 0,7-15 0,-1 7 0,-5-1 0,6-5 0,-1 5 0,-4 1 0,4-7 0,0 6 0,-3-8 0,10 0 0,-15 11 0,13-8 0,-8 8 0,11-11 0,-5-6 0,3 5 0,-3-4 0,5 5 0,-6-5 0,5 3 0,-10-3 0,10 5 0,-5 0 0,1 0 0,4 0 0,-5 0 0,12-5 0,0 3 0,6-3 0,0 0 0,0-2 0,-5 1 0,4-5 0,-10 10 0,10-5 0,-5 1 0,6 4 0,0-5 0,1 1 0,-7 4 0,5-5 0,-4 6 0,5 0 0,0 1 0,1 7 0,0-6 0,2 15 0,-3-14 0,4 14 0,-2-7 0,1 10 0,-1-10 0,1 7 0,0-6 0,0 8 0,-1-8 0,1 6 0,-1-6 0,-5-1 0,3-1 0,-3 0 0,-2-7 0,0 6 0,0 1 0,-6-7 0,12 7 0,-12-9 0,4 0 0,1 0 0,-5 0 0,11 8 0,-5-5 0,2 14 0,3-7 0,-10 1 0,12 6 0,-13-15 0,13 15 0,-12-14 0,12 14 0,-12-15 0,10 6 0,-11 1 0,4-7 0,-5 7 0,0-9 0,6 0 0,-5 0 0,5 0 0,-6 0 0,0 0 0,0 0 0,-11 0 0,3 0 0,-10 0 0,-3 2 0,7-2 0,-15 3 0,6 6 0,-9 4 0,1 6 0,-4 12 0,-13 7 0,9-3 0,-12 12 0,19-24 0,-2 7 0,-1 1 0,3-9 0,4 9 0,-1-11 0,13-10 0,-6 7 0,7-6 0,0 8 0,-8-6 0,5 4 0,-3-13 0,6 13 0,2-15 0,-2 15 0,2-15 0,5 7 0,-5 0 0,12-7 0,-12 6 0,12-8 0,-10 0 0,10 0 0,-5 0 0,6 0 0,6-5 0,0-2 0,6-5 0,0 0 0,0 0 0,1 0 0,-1 0 0,0 0 0,0 0 0,0 0 0,-6 6 0,5 0 0,-4 7 0,5-7 0,-6 5 0,5-10 0,-4 10 0,5-4 0,0 5 0,0 0 0,0 0 0,0 0 0,0 0 0,0 0 0,0 0 0,0 0 0,0-5 0,0 3 0,0-3 0,9 7 0,-7-2 0,7 2 0,-1-1 0,-6 0 0,7 0 0,-9-1 0,0 0 0,0 0 0,9 2 0,-6 7 0,6-5 0,-7 4 0,-2-8 0,0 0 0,0 1 0,0-1 0,0 0 0,0 0 0,0 0 0,0 0 0,0 0 0,0 0 0,0 0 0,0 0 0,0 0 0,0 0 0,0-5 0,0 3 0,1-3 0,-1 5 0,0 0 0,0 0 0,0 0 0,0 0 0,0 0 0,-6 0 0,5 0 0,-4 0 0,0 0 0,3 0 0,-3 0 0,5-5 0,-5 4 0,3-5 0,-3 7 0,0-1 0,3-6 0,-8 5 0,8-10 0,-8 10 0,8-4 0,-8 5 0,3 0 0,-5 0 0,-5 5 0,-2-3 0,-5 3 0,0-5 0,5 0 0,-4 0 0,4 0 0,-5 0 0,0 0 0,-2 9 0,1-7 0,0 6 0,6 1 0,-4-7 0,3 15 0,-5-15 0,5 16 0,-3-16 0,2 15 0,-3-15 0,-4 15 0,2-6 0,-2 8 0,1 0 0,-1 0 0,-7 1 0,13-10 0,-11 8 0,14-16 0,-9 15 0,4-15 0,3 7 0,-2-9 0,5 0 0,-1 0 0,-4 0 0,4 0 0,0 0 0,-3 0 0,8 0 0,-9-6 0,10 5 0,-10-4 0,10 5 0,-10 0 0,10 0 0,-10 0 0,9 0 0,-8 0 0,8 0 0,-9-5 0,10 4 0,-4-5 0,5 6 0,-6-5 0,5 4 0,-5-5 0,6 6 0,0 0 0,0 0 0,0 0 0,0 0 0,0 1 0,0-1 0,0 0 0,-5-6 0,4 5 0,-5-4 0,1 5 0,3 0 0,-3 0 0,5 0 0,5 0 0,2 0 0,5 0 0,0 0 0,0 0 0,0-5 0,-5 3 0,4-3 0,-5 0 0,1 3 0,4-3 0,-10 5 0,10 0 0,-5-5 0,6 4 0,-5-5 0,4 6 0,-5 0 0,1 0 0,4 0 0,-4-5 0,5 4 0,-6-4 0,5 5 0,-4 0 0,5-6 0,-6 5 0,5-4 0,-4 5 0,5 0 0,0 0 0,-5 0 0,3 0 0,-3 0 0,5 0 0,0 0 0,0 0 0,0 0 0,0 0 0,0 0 0,-5 0 0,4 0 0,-5-5 0,1 4 0,4-10 0,-10 10 0,10-5 0,-10 1 0,4-2 0</inkml:trace>
+</inkml:ink>
+</file>
+
+<file path=ppt/ink/ink7.xml><?xml version="1.0" encoding="utf-8"?>
+<inkml:ink xmlns:inkml="http://www.w3.org/2003/InkML">
+  <inkml:definitions>
+    <inkml:context xml:id="ctx0">
+      <inkml:inkSource xml:id="inkSrc0">
+        <inkml:traceFormat>
+          <inkml:channel name="X" type="integer" min="-2.14748E9" max="2.14748E9" units="cm"/>
+          <inkml:channel name="Y" type="integer" min="-2.14748E9" max="2.14748E9" units="cm"/>
+          <inkml:channel name="F" type="integer" max="32767" units="dev"/>
+        </inkml:traceFormat>
+        <inkml:channelProperties>
+          <inkml:channelProperty channel="X" name="resolution" value="1000" units="1/cm"/>
+          <inkml:channelProperty channel="Y" name="resolution" value="1000" units="1/cm"/>
+          <inkml:channelProperty channel="F" name="resolution" value="0" units="1/dev"/>
+        </inkml:channelProperties>
+      </inkml:inkSource>
+      <inkml:timestamp xml:id="ts0" timeString="2022-10-26T13:32:00.962"/>
+    </inkml:context>
+    <inkml:brush xml:id="br0">
+      <inkml:brushProperty name="width" value="0.1" units="cm"/>
+      <inkml:brushProperty name="height" value="0.1" units="cm"/>
+    </inkml:brush>
+  </inkml:definitions>
+  <inkml:trace contextRef="#ctx0" brushRef="#br0">317 111 24575,'21'0'0,"28"0"0,33 0 0,-17 0 0,5 0 0,6 0 0,6 0 0,-8 0 0,5 0 0,-1 0-1600,-7 0 1,-1 0 0,5 0 1599,1 0 0,6 0 0,0 0 0,-2 0 0,13 0 0,-3 0 0,3 0 0,-13 0 0,3 0 0,-1 0 0,0 0 0,19 0 0,-1 0 0,-6 0 0,-17 0 0,-4 0 0,0 0 0,3 0 0,-1 0 0,0 0 0,-4 0 0,-1 0 0,-1 0 379,26 0 0,2 0-379,-21 0 0,3 0 0,-3 0 0,15 0 0,-3 0 0,2 0 0,-1 0 0,-9 0 0,-2 0 0,0 0 0,-4 0 424,-16 0 1,-2 0-425,8 0 0,-1 0 0,32-10 0,-31 8 0,-1 1 0,33-9 0,-42 4 0,1 2 0,0 4 0,-2-3 0,-5-12 0,0 0 0,5 11 0,3 3 1234,22-10 1,-2 2-1235,16 9 0,-7 0 0,-1 0 0,-4 0 0,-26 0 0,1 0 0,0 0 0,-1 0 629,42 0-629,-42 0 0,1 0 0,36 0 0,-37 0 0,0 0 0,42 0 46,-41 0 1,-1 0-47,37 0 0,-15 0 0,-4 0 0,-14 0 0,-1 0 0,0-9 0,1 7 0,-1-7 0,1 9 0,-1 0 0,15 0 0,-22 0 0,19 0 0,-23 0 0,0 0 0,-3 0 0,-12 0 0,-8 0 0,6 0 0,-15 0 0,6 0 0,-8 0 0,0 0 0,-5 6 0,-1 0 0,-6 6 0,0 1 0,0-1 0,0 20 0,0 5 0,0 9 0,-9 8 0,-2-8 0,1 11 0,-7 1 0,6-1 0,-10 16 0,10 3 0,1 15 0,4-38 0,0 3 0,5 0 0,-1 1 0,-4 8 0,1 1 0,4-1 0,2 2-293,-1 9 0,0 0 293,0-7 0,0-1 0,0 8 0,0 1-3295,-1 0 0,2-2 3295,4-7 0,1 1-2204,-5 18 1,1 0 2203,9-19 0,1 1-152,-3 17 1,-1 1 151,-1-19 0,1 1 0,0-4 0,3 3 0,-2-3 0,-1 6 0,-1 1 0,-1 0 0,-1 5 0,2-3 0,5 9 0,1-2 0,-5 9 0,-2 2 0,2-5 0,1 0 0,3-9 0,0 1 0,-3 10 0,-1 2 0,7-2 0,0 1 0,-7 0 0,0-1 0,5-11 0,-1 2-140,-5-8 1,-2 6 0,3-3 139,6 22 0,2 2 0,-4-14 0,-1 6 0,1-6 0,3 10 0,0-2 0,-4-19 0,0 3 0,0-5 0,4 10 0,-2 0 0,-6-8 0,-2 4 0,1-2 0,8 16 0,-1 1 0,-6-18 0,-2 4 0,1-5 0,2 8 0,1 0 0,0-17 0,1 3 0,-1-3 0,0 14 0,-1 0 1690,-1 10 0,2 1-1690,5 0 0,-1-1 0,-11-10 0,-1 0 0,5 8 0,1 0 0,-1-19 0,0 0 0,-5 19 0,1 0 0,4-19 0,-1 1 0,-4 17 0,-2 2 0,1-10 0,0 1 0,-1 10 0,2 2 0,6-2 0,-1 1 0,-4-1 0,0 1 0,5-1 0,-1 1 0,-6 0 0,0-1 0,6-10 0,0 0 0,-5 9 0,1-2 0,4-27 0,-1 0 0,-4 16 0,-2-2 0,1 23 0,0-33 0,0 1 5239,0 31-5239,0-41 0,0 1 296,0 0 1,0-1-297,10 41 0,-8-41 0,-1 1 0,4 0 0,0-1 0,-5 42 0,0-33 0,0 1 1427,0 31-1427,0-40 0,0-1 0,0 37 1091,0 0-1091,0 0 0,0 0 574,0 0-574,0-15 0,0 11 0,0-26 0,0 11 0,0-14 0,0-1 0,0 0 0,0 1 0,0 14 0,0-11 0,0 27 0,0-27 0,0 26 0,0-26 0,0 11 0,0-14 0,0-12 0,0-12 0,0-5 0,0-15 0,0 7 0,0-9 0,0 0 0,0 0 0,0 0 0,-6-5 0,0-2 0,-15-5 0,7 5 0,-16-3 0,16 3 0,-15-5 0,6 0 0,-9 0 0,1 0 0,0 0 0,-1 0 0,1 0 0,-1 0 0,-11 0 0,-2 0 0,-13 0 0,0 0 0,1 0 0,-16 0 0,12 0 0,-26 0 0,25 0 0,-25 0 0,26 0 0,-12 0 0,16 0 0,-16 0 0,12 0 0,-12 8 0,16-6 0,-1 7 0,-14-9 0,10 8 0,-25-5 0,26 13 0,-27-13 0,12 15 0,-15-15 0,37 7 0,-1 1 0,-2-3 0,0-1 0,1 0 0,-1 0 0,-7-1 0,1 0 0,6 0 0,0 0 0,-8-5 0,-1 1 0,0 3 0,0 1 0,0 1 0,0-2 0,9-4 0,1 1 0,-8 9 0,1 1 0,6-11 0,0 1 0,-9 10 0,1-1 0,8-9 0,0-1 0,-7 11 0,1-1 0,-33-8 0,33 3 0,-1 0 0,-31 4 0,31-10 0,1 2 0,-33 19 0,41-20 0,1 0 0,-37 9 0,0-10 0,0 0 0,36 6 0,1 0 0,-42-3 0,41 3 0,1-1 0,-22-5 0,-12 0 0,27 0 0,-26 0 0,25 0 0,-25 0 0,26 0 0,-27 0 0,27 0 0,-11 0 0,-1 0 0,-3 10 0,-15-7 0,15 7 0,-12-10 0,12 0 0,22 0 0,-1 0 0,-26 0 0,28 0 0,1 0 0,-24 0 0,0 0 0,3 0 0,15 0 0,13 0 0,-10 0 0,21 0 0,-21 0 0,29 0 0,-15 0 0,18 0 0,0 0 0,-6 0 0,15 0 0,-15 0 0,14 0 0,-14 0 0,15 0 0,-16 0 0,8 0 0,-10 0 0,9 0 0,-6 0 0,6 0 0,-8 0 0,-1 0 0,10 0 0,-8 0 0,7 0 0,-8 0 0,0 0 0,8 0 0,2-5 0,0 3 0,7-9 0,-15 10 0,14-10 0,-14 3 0,15-5 0,-15-2 0,14 2 0,-14-9 0,15 8 0,-7-7 0,0 7 0,7 1 0,-7 0 0,9 0 0,0 1 0,-9-2 0,7 2 0,-7-2 0,9 2 0,0 5 0,-1-4 0,1 10 0,0-10 0,5 4 0,-4-5 0,10 0 0,-10 5 0,10-4 0,-5-4 0,6-8 0,0-8 0,0-12 0,0 8 0,0-8 0,0 12 0,0-12 0,0-3 0,0-12 0,0 1 0,0-1 0,9 1 0,-7-16 0,6 12 0,-7 9 0,-2-2 0,1-26 0,0 26 0,0-1 0,0 0 0,0 1 0,0-42-316,0 10 1,0-1 315,0 34 0,0-1 0,0-31 0,0-2 0,0 18 0,0 3 0,0-2 0,0-1 0,0-7 0,0-1 0,0 0 0,0 2 0,1 15 0,-2 1 0,-4-16 0,-1 1 0,3-21 0,-3 40 0,0 1 0,-4-37 0,7 0 0,-7 0 0,2 14 0,6-10 0,-7 26 0,9-12 631,0 16-631,0-16 0,0-3 0,0 0 0,0 3 0,0 1-6784,0 11 6784,-8-12 0,5 15 0,-5-14 0,-1 11 0,7-12 0,-6 16 0,8-16 6784,0 12-6784,0-26 0,0 25 0,0-25 0,0 11 0,0-1 0,0 25 0,0-1 0,0-28 0,0 28 0,0-3 0,-6 1 0,0 1 0,3-41 0,-9 31 0,1 1 0,8-33 0,-3 42 0,0-1 0,5 0 0,2 1 0,-1-42 0,0 41 0,0 1 0,0-37 0,0 0 0,-10 0 0,7 0 0,-7 0 0,9 36 0,2 1 0,-1-42 0,0 42 0,0-1 0,0 0 0,0 1 0,0-42 0,0 33 0,0-1 0,0-31 0,-5 32 0,-2-2 0,6 9 0,0-1 0,-5-8 0,0-2 0,5 2 0,2-1 0,-1 0 0,0 0 0,0 0 0,0 1 0,0-1 0,0 0 0,0-10 0,0-1 0,0-2 0,0 0-465,0 1 1,0-2 464,0-8 0,0 2 0,0 17 0,0 1 0,0-8 0,0-1 0,0 11 0,0 1-240,0-2 1,0 2 239,0 8 0,0 1 0,0-6 0,0-3 0,0-16 0,0 3-3159,0 23 0,0-1 3159,0-39 0,0 0 0,0 43 0,0 0-112,0-23 1,0-2 111,0 10 0,0 2 0,0 8 0,0 0 0,0 3 0,0-1 297,0 0 0,0 1-297,0-41 330,0 0-330,0 8 6665,0 11-6665,0 0 0,0 3 360,0 1-360,0 10 0,0-10 0,0 26 0,0-24 0,0 32 0,0-19 0,0 14 0,7 8 0,-5-8 0,4 12 0,-6-1 0,6 10 0,-5-8 0,5 7 0,0-8 0,-4 8 0,5-6 0,0 6 0,-5-8 0,5-1 0,-7 1 0,0-1 0,0 1 0,0 0 0,0-1 0,0 1 0,0 8 0,0-6 0,0 14 0,0-5 0,0 8 0,0-9 0,0 6 0,0-14 0,0 15 0,0-7 0,0 0 0,0 7 0,0-7 0,0 1 0,0 5 0,0-5 0,0-1 0,0 6 0,0-5 0,0-1 0,0 7 0,0-7 0,0 9 0,0 0 0,0-1 0,0 1 0,0 0 0,0 0 0,0 0 0,0-1 0,0 1 0,0 0 0,0 0 0,0 0 0,0-1 0,0 1 0,0 0 0,0 0 0,0 0 0,0-1 0,0 1 0,0 0 0,0 0 0,0-9 0,0 7 0,0-7 0,0 9 0,0 0 0,0-1 0,5 7 0,-4-5 0,10 9 0,-4-3 0,5 5 0,0 0 0,0 0 0,0 0 0,0 0 0,0 0 0,-5 0 0,-2 0 0</inkml:trace>
+</inkml:ink>
+</file>
+
+<file path=ppt/ink/ink8.xml><?xml version="1.0" encoding="utf-8"?>
+<inkml:ink xmlns:inkml="http://www.w3.org/2003/InkML">
+  <inkml:definitions>
+    <inkml:context xml:id="ctx0">
+      <inkml:inkSource xml:id="inkSrc0">
+        <inkml:traceFormat>
+          <inkml:channel name="X" type="integer" min="-2.14748E9" max="2.14748E9" units="cm"/>
+          <inkml:channel name="Y" type="integer" min="-2.14748E9" max="2.14748E9" units="cm"/>
+          <inkml:channel name="F" type="integer" max="32767" units="dev"/>
+        </inkml:traceFormat>
+        <inkml:channelProperties>
+          <inkml:channelProperty channel="X" name="resolution" value="1000" units="1/cm"/>
+          <inkml:channelProperty channel="Y" name="resolution" value="1000" units="1/cm"/>
+          <inkml:channelProperty channel="F" name="resolution" value="0" units="1/dev"/>
+        </inkml:channelProperties>
+      </inkml:inkSource>
+      <inkml:timestamp xml:id="ts0" timeString="2022-10-26T13:32:04.405"/>
+    </inkml:context>
+    <inkml:brush xml:id="br0">
+      <inkml:brushProperty name="width" value="0.1" units="cm"/>
+      <inkml:brushProperty name="height" value="0.1" units="cm"/>
+    </inkml:brush>
+  </inkml:definitions>
+  <inkml:trace contextRef="#ctx0" brushRef="#br0">1 0 24575,'12'0'0,"0"0"0,0 0 0,0 0 0,0 0 0,-6 0 0,0 0 0</inkml:trace>
+</inkml:ink>
+</file>
+
+<file path=ppt/ink/ink9.xml><?xml version="1.0" encoding="utf-8"?>
+<inkml:ink xmlns:inkml="http://www.w3.org/2003/InkML">
+  <inkml:definitions>
+    <inkml:context xml:id="ctx0">
+      <inkml:inkSource xml:id="inkSrc0">
+        <inkml:traceFormat>
+          <inkml:channel name="X" type="integer" min="-2.14748E9" max="2.14748E9" units="cm"/>
+          <inkml:channel name="Y" type="integer" min="-2.14748E9" max="2.14748E9" units="cm"/>
+          <inkml:channel name="F" type="integer" max="32767" units="dev"/>
+        </inkml:traceFormat>
+        <inkml:channelProperties>
+          <inkml:channelProperty channel="X" name="resolution" value="1000" units="1/cm"/>
+          <inkml:channelProperty channel="Y" name="resolution" value="1000" units="1/cm"/>
+          <inkml:channelProperty channel="F" name="resolution" value="0" units="1/dev"/>
+        </inkml:channelProperties>
+      </inkml:inkSource>
+      <inkml:timestamp xml:id="ts0" timeString="2022-10-26T13:32:26.754"/>
+    </inkml:context>
+    <inkml:brush xml:id="br0">
+      <inkml:brushProperty name="width" value="0.1" units="cm"/>
+      <inkml:brushProperty name="height" value="0.1" units="cm"/>
+    </inkml:brush>
+  </inkml:definitions>
+  <inkml:trace contextRef="#ctx0" brushRef="#br0">1 0 24575,'12'0'0,"0"0"0,0 0 0,0 0 0,0 0 0,-6 0 0,0 0 0</inkml:trace>
+</inkml:ink>
 </file>
 
 <file path=ppt/slideLayouts/slideLayout1.xml><?xml version="1.0" encoding="utf-8"?>
@@ -256,7 +777,7 @@
           <a:p>
             <a:fld id="{86DD6C8F-C1E3-154D-A8A2-7A8C6B53EF42}" type="datetimeFigureOut">
               <a:rPr lang="en-US" smtClean="0"/>
-              <a:t>8/17/22</a:t>
+              <a:t>10/26/22</a:t>
             </a:fld>
             <a:endParaRPr lang="en-US"/>
           </a:p>
@@ -456,7 +977,7 @@
           <a:p>
             <a:fld id="{86DD6C8F-C1E3-154D-A8A2-7A8C6B53EF42}" type="datetimeFigureOut">
               <a:rPr lang="en-US" smtClean="0"/>
-              <a:t>8/17/22</a:t>
+              <a:t>10/26/22</a:t>
             </a:fld>
             <a:endParaRPr lang="en-US"/>
           </a:p>
@@ -666,7 +1187,7 @@
           <a:p>
             <a:fld id="{86DD6C8F-C1E3-154D-A8A2-7A8C6B53EF42}" type="datetimeFigureOut">
               <a:rPr lang="en-US" smtClean="0"/>
-              <a:t>8/17/22</a:t>
+              <a:t>10/26/22</a:t>
             </a:fld>
             <a:endParaRPr lang="en-US"/>
           </a:p>
@@ -866,7 +1387,7 @@
           <a:p>
             <a:fld id="{86DD6C8F-C1E3-154D-A8A2-7A8C6B53EF42}" type="datetimeFigureOut">
               <a:rPr lang="en-US" smtClean="0"/>
-              <a:t>8/17/22</a:t>
+              <a:t>10/26/22</a:t>
             </a:fld>
             <a:endParaRPr lang="en-US"/>
           </a:p>
@@ -1142,7 +1663,7 @@
           <a:p>
             <a:fld id="{86DD6C8F-C1E3-154D-A8A2-7A8C6B53EF42}" type="datetimeFigureOut">
               <a:rPr lang="en-US" smtClean="0"/>
-              <a:t>8/17/22</a:t>
+              <a:t>10/26/22</a:t>
             </a:fld>
             <a:endParaRPr lang="en-US"/>
           </a:p>
@@ -1410,7 +1931,7 @@
           <a:p>
             <a:fld id="{86DD6C8F-C1E3-154D-A8A2-7A8C6B53EF42}" type="datetimeFigureOut">
               <a:rPr lang="en-US" smtClean="0"/>
-              <a:t>8/17/22</a:t>
+              <a:t>10/26/22</a:t>
             </a:fld>
             <a:endParaRPr lang="en-US"/>
           </a:p>
@@ -1825,7 +2346,7 @@
           <a:p>
             <a:fld id="{86DD6C8F-C1E3-154D-A8A2-7A8C6B53EF42}" type="datetimeFigureOut">
               <a:rPr lang="en-US" smtClean="0"/>
-              <a:t>8/17/22</a:t>
+              <a:t>10/26/22</a:t>
             </a:fld>
             <a:endParaRPr lang="en-US"/>
           </a:p>
@@ -1967,7 +2488,7 @@
           <a:p>
             <a:fld id="{86DD6C8F-C1E3-154D-A8A2-7A8C6B53EF42}" type="datetimeFigureOut">
               <a:rPr lang="en-US" smtClean="0"/>
-              <a:t>8/17/22</a:t>
+              <a:t>10/26/22</a:t>
             </a:fld>
             <a:endParaRPr lang="en-US"/>
           </a:p>
@@ -2080,7 +2601,7 @@
           <a:p>
             <a:fld id="{86DD6C8F-C1E3-154D-A8A2-7A8C6B53EF42}" type="datetimeFigureOut">
               <a:rPr lang="en-US" smtClean="0"/>
-              <a:t>8/17/22</a:t>
+              <a:t>10/26/22</a:t>
             </a:fld>
             <a:endParaRPr lang="en-US"/>
           </a:p>
@@ -2393,7 +2914,7 @@
           <a:p>
             <a:fld id="{86DD6C8F-C1E3-154D-A8A2-7A8C6B53EF42}" type="datetimeFigureOut">
               <a:rPr lang="en-US" smtClean="0"/>
-              <a:t>8/17/22</a:t>
+              <a:t>10/26/22</a:t>
             </a:fld>
             <a:endParaRPr lang="en-US"/>
           </a:p>
@@ -2682,7 +3203,7 @@
           <a:p>
             <a:fld id="{86DD6C8F-C1E3-154D-A8A2-7A8C6B53EF42}" type="datetimeFigureOut">
               <a:rPr lang="en-US" smtClean="0"/>
-              <a:t>8/17/22</a:t>
+              <a:t>10/26/22</a:t>
             </a:fld>
             <a:endParaRPr lang="en-US"/>
           </a:p>
@@ -2925,7 +3446,7 @@
           <a:p>
             <a:fld id="{86DD6C8F-C1E3-154D-A8A2-7A8C6B53EF42}" type="datetimeFigureOut">
               <a:rPr lang="en-US" smtClean="0"/>
-              <a:t>8/17/22</a:t>
+              <a:t>10/26/22</a:t>
             </a:fld>
             <a:endParaRPr lang="en-US"/>
           </a:p>
@@ -3342,10 +3863,6032 @@
           <a:chExt cx="0" cy="0"/>
         </a:xfrm>
       </p:grpSpPr>
+      <p:grpSp>
+        <p:nvGrpSpPr>
+          <p:cNvPr id="225" name="Group 224">
+            <a:extLst>
+              <a:ext uri="{FF2B5EF4-FFF2-40B4-BE49-F238E27FC236}">
+                <a16:creationId xmlns:a16="http://schemas.microsoft.com/office/drawing/2014/main" id="{3C5F897C-BA36-990C-09D0-FD2AD5D9D760}"/>
+              </a:ext>
+            </a:extLst>
+          </p:cNvPr>
+          <p:cNvGrpSpPr/>
+          <p:nvPr/>
+        </p:nvGrpSpPr>
+        <p:grpSpPr>
+          <a:xfrm>
+            <a:off x="3908948" y="408635"/>
+            <a:ext cx="1618635" cy="986028"/>
+            <a:chOff x="654291" y="2121104"/>
+            <a:chExt cx="1618635" cy="986028"/>
+          </a:xfrm>
+        </p:grpSpPr>
+        <p:sp>
+          <p:nvSpPr>
+            <p:cNvPr id="12" name="Oval 11">
+              <a:extLst>
+                <a:ext uri="{FF2B5EF4-FFF2-40B4-BE49-F238E27FC236}">
+                  <a16:creationId xmlns:a16="http://schemas.microsoft.com/office/drawing/2014/main" id="{36CC1E86-135F-5410-DE02-308FC28EEE34}"/>
+                </a:ext>
+              </a:extLst>
+            </p:cNvPr>
+            <p:cNvSpPr>
+              <a:spLocks noChangeAspect="1"/>
+            </p:cNvSpPr>
+            <p:nvPr/>
+          </p:nvSpPr>
+          <p:spPr>
+            <a:xfrm>
+              <a:off x="654291" y="2391104"/>
+              <a:ext cx="180000" cy="180000"/>
+            </a:xfrm>
+            <a:prstGeom prst="ellipse">
+              <a:avLst/>
+            </a:prstGeom>
+            <a:solidFill>
+              <a:srgbClr val="C00000"/>
+            </a:solidFill>
+            <a:ln>
+              <a:noFill/>
+            </a:ln>
+          </p:spPr>
+          <p:style>
+            <a:lnRef idx="2">
+              <a:schemeClr val="accent1">
+                <a:shade val="50000"/>
+              </a:schemeClr>
+            </a:lnRef>
+            <a:fillRef idx="1">
+              <a:schemeClr val="accent1"/>
+            </a:fillRef>
+            <a:effectRef idx="0">
+              <a:schemeClr val="accent1"/>
+            </a:effectRef>
+            <a:fontRef idx="minor">
+              <a:schemeClr val="lt1"/>
+            </a:fontRef>
+          </p:style>
+          <p:txBody>
+            <a:bodyPr rtlCol="0" anchor="ctr"/>
+            <a:lstStyle/>
+            <a:p>
+              <a:pPr algn="ctr"/>
+              <a:endParaRPr lang="en-US"/>
+            </a:p>
+          </p:txBody>
+        </p:sp>
+        <p:sp>
+          <p:nvSpPr>
+            <p:cNvPr id="13" name="Oval 12">
+              <a:extLst>
+                <a:ext uri="{FF2B5EF4-FFF2-40B4-BE49-F238E27FC236}">
+                  <a16:creationId xmlns:a16="http://schemas.microsoft.com/office/drawing/2014/main" id="{F494A795-0A11-6EFE-EBF7-64D6D4251BAC}"/>
+                </a:ext>
+              </a:extLst>
+            </p:cNvPr>
+            <p:cNvSpPr>
+              <a:spLocks noChangeAspect="1"/>
+            </p:cNvSpPr>
+            <p:nvPr/>
+          </p:nvSpPr>
+          <p:spPr>
+            <a:xfrm>
+              <a:off x="1027408" y="2301104"/>
+              <a:ext cx="180000" cy="180000"/>
+            </a:xfrm>
+            <a:prstGeom prst="ellipse">
+              <a:avLst/>
+            </a:prstGeom>
+            <a:solidFill>
+              <a:srgbClr val="C00000"/>
+            </a:solidFill>
+            <a:ln>
+              <a:noFill/>
+            </a:ln>
+          </p:spPr>
+          <p:style>
+            <a:lnRef idx="2">
+              <a:schemeClr val="accent1">
+                <a:shade val="50000"/>
+              </a:schemeClr>
+            </a:lnRef>
+            <a:fillRef idx="1">
+              <a:schemeClr val="accent1"/>
+            </a:fillRef>
+            <a:effectRef idx="0">
+              <a:schemeClr val="accent1"/>
+            </a:effectRef>
+            <a:fontRef idx="minor">
+              <a:schemeClr val="lt1"/>
+            </a:fontRef>
+          </p:style>
+          <p:txBody>
+            <a:bodyPr rtlCol="0" anchor="ctr"/>
+            <a:lstStyle/>
+            <a:p>
+              <a:pPr algn="ctr"/>
+              <a:endParaRPr lang="en-US"/>
+            </a:p>
+          </p:txBody>
+        </p:sp>
+        <p:sp>
+          <p:nvSpPr>
+            <p:cNvPr id="14" name="Oval 13">
+              <a:extLst>
+                <a:ext uri="{FF2B5EF4-FFF2-40B4-BE49-F238E27FC236}">
+                  <a16:creationId xmlns:a16="http://schemas.microsoft.com/office/drawing/2014/main" id="{C208B183-DA52-1024-F202-3141E80D654E}"/>
+                </a:ext>
+              </a:extLst>
+            </p:cNvPr>
+            <p:cNvSpPr>
+              <a:spLocks noChangeAspect="1"/>
+            </p:cNvSpPr>
+            <p:nvPr/>
+          </p:nvSpPr>
+          <p:spPr>
+            <a:xfrm>
+              <a:off x="982876" y="2611664"/>
+              <a:ext cx="180000" cy="180000"/>
+            </a:xfrm>
+            <a:prstGeom prst="ellipse">
+              <a:avLst/>
+            </a:prstGeom>
+            <a:solidFill>
+              <a:srgbClr val="C00000"/>
+            </a:solidFill>
+            <a:ln>
+              <a:noFill/>
+            </a:ln>
+          </p:spPr>
+          <p:style>
+            <a:lnRef idx="2">
+              <a:schemeClr val="accent1">
+                <a:shade val="50000"/>
+              </a:schemeClr>
+            </a:lnRef>
+            <a:fillRef idx="1">
+              <a:schemeClr val="accent1"/>
+            </a:fillRef>
+            <a:effectRef idx="0">
+              <a:schemeClr val="accent1"/>
+            </a:effectRef>
+            <a:fontRef idx="minor">
+              <a:schemeClr val="lt1"/>
+            </a:fontRef>
+          </p:style>
+          <p:txBody>
+            <a:bodyPr rtlCol="0" anchor="ctr"/>
+            <a:lstStyle/>
+            <a:p>
+              <a:pPr algn="ctr"/>
+              <a:endParaRPr lang="en-US"/>
+            </a:p>
+          </p:txBody>
+        </p:sp>
+        <p:sp>
+          <p:nvSpPr>
+            <p:cNvPr id="15" name="Oval 14">
+              <a:extLst>
+                <a:ext uri="{FF2B5EF4-FFF2-40B4-BE49-F238E27FC236}">
+                  <a16:creationId xmlns:a16="http://schemas.microsoft.com/office/drawing/2014/main" id="{87CA3BC5-21E7-7E35-7065-0043AC9FCB11}"/>
+                </a:ext>
+              </a:extLst>
+            </p:cNvPr>
+            <p:cNvSpPr>
+              <a:spLocks noChangeAspect="1"/>
+            </p:cNvSpPr>
+            <p:nvPr/>
+          </p:nvSpPr>
+          <p:spPr>
+            <a:xfrm>
+              <a:off x="1207408" y="2927132"/>
+              <a:ext cx="180000" cy="180000"/>
+            </a:xfrm>
+            <a:prstGeom prst="ellipse">
+              <a:avLst/>
+            </a:prstGeom>
+            <a:solidFill>
+              <a:srgbClr val="C00000"/>
+            </a:solidFill>
+            <a:ln>
+              <a:noFill/>
+            </a:ln>
+          </p:spPr>
+          <p:style>
+            <a:lnRef idx="2">
+              <a:schemeClr val="accent1">
+                <a:shade val="50000"/>
+              </a:schemeClr>
+            </a:lnRef>
+            <a:fillRef idx="1">
+              <a:schemeClr val="accent1"/>
+            </a:fillRef>
+            <a:effectRef idx="0">
+              <a:schemeClr val="accent1"/>
+            </a:effectRef>
+            <a:fontRef idx="minor">
+              <a:schemeClr val="lt1"/>
+            </a:fontRef>
+          </p:style>
+          <p:txBody>
+            <a:bodyPr rtlCol="0" anchor="ctr"/>
+            <a:lstStyle/>
+            <a:p>
+              <a:pPr algn="ctr"/>
+              <a:endParaRPr lang="en-US"/>
+            </a:p>
+          </p:txBody>
+        </p:sp>
+        <p:sp>
+          <p:nvSpPr>
+            <p:cNvPr id="16" name="Oval 15">
+              <a:extLst>
+                <a:ext uri="{FF2B5EF4-FFF2-40B4-BE49-F238E27FC236}">
+                  <a16:creationId xmlns:a16="http://schemas.microsoft.com/office/drawing/2014/main" id="{E01D9CD5-9ABE-73EB-B1EE-F10A2E888A00}"/>
+                </a:ext>
+              </a:extLst>
+            </p:cNvPr>
+            <p:cNvSpPr>
+              <a:spLocks noChangeAspect="1"/>
+            </p:cNvSpPr>
+            <p:nvPr/>
+          </p:nvSpPr>
+          <p:spPr>
+            <a:xfrm>
+              <a:off x="1393678" y="2543153"/>
+              <a:ext cx="180000" cy="180000"/>
+            </a:xfrm>
+            <a:prstGeom prst="ellipse">
+              <a:avLst/>
+            </a:prstGeom>
+            <a:solidFill>
+              <a:srgbClr val="C00000"/>
+            </a:solidFill>
+            <a:ln>
+              <a:noFill/>
+            </a:ln>
+          </p:spPr>
+          <p:style>
+            <a:lnRef idx="2">
+              <a:schemeClr val="accent1">
+                <a:shade val="50000"/>
+              </a:schemeClr>
+            </a:lnRef>
+            <a:fillRef idx="1">
+              <a:schemeClr val="accent1"/>
+            </a:fillRef>
+            <a:effectRef idx="0">
+              <a:schemeClr val="accent1"/>
+            </a:effectRef>
+            <a:fontRef idx="minor">
+              <a:schemeClr val="lt1"/>
+            </a:fontRef>
+          </p:style>
+          <p:txBody>
+            <a:bodyPr rtlCol="0" anchor="ctr"/>
+            <a:lstStyle/>
+            <a:p>
+              <a:pPr algn="ctr"/>
+              <a:endParaRPr lang="en-US"/>
+            </a:p>
+          </p:txBody>
+        </p:sp>
+        <p:sp>
+          <p:nvSpPr>
+            <p:cNvPr id="17" name="Oval 16">
+              <a:extLst>
+                <a:ext uri="{FF2B5EF4-FFF2-40B4-BE49-F238E27FC236}">
+                  <a16:creationId xmlns:a16="http://schemas.microsoft.com/office/drawing/2014/main" id="{450C6504-EAF2-CCFD-8CE9-D51E4B98C7FA}"/>
+                </a:ext>
+              </a:extLst>
+            </p:cNvPr>
+            <p:cNvSpPr>
+              <a:spLocks noChangeAspect="1"/>
+            </p:cNvSpPr>
+            <p:nvPr/>
+          </p:nvSpPr>
+          <p:spPr>
+            <a:xfrm>
+              <a:off x="1449809" y="2211104"/>
+              <a:ext cx="180000" cy="180000"/>
+            </a:xfrm>
+            <a:prstGeom prst="ellipse">
+              <a:avLst/>
+            </a:prstGeom>
+            <a:solidFill>
+              <a:srgbClr val="C00000"/>
+            </a:solidFill>
+            <a:ln>
+              <a:noFill/>
+            </a:ln>
+          </p:spPr>
+          <p:style>
+            <a:lnRef idx="2">
+              <a:schemeClr val="accent1">
+                <a:shade val="50000"/>
+              </a:schemeClr>
+            </a:lnRef>
+            <a:fillRef idx="1">
+              <a:schemeClr val="accent1"/>
+            </a:fillRef>
+            <a:effectRef idx="0">
+              <a:schemeClr val="accent1"/>
+            </a:effectRef>
+            <a:fontRef idx="minor">
+              <a:schemeClr val="lt1"/>
+            </a:fontRef>
+          </p:style>
+          <p:txBody>
+            <a:bodyPr rtlCol="0" anchor="ctr"/>
+            <a:lstStyle/>
+            <a:p>
+              <a:pPr algn="ctr"/>
+              <a:endParaRPr lang="en-US"/>
+            </a:p>
+          </p:txBody>
+        </p:sp>
+        <p:sp>
+          <p:nvSpPr>
+            <p:cNvPr id="18" name="Oval 17">
+              <a:extLst>
+                <a:ext uri="{FF2B5EF4-FFF2-40B4-BE49-F238E27FC236}">
+                  <a16:creationId xmlns:a16="http://schemas.microsoft.com/office/drawing/2014/main" id="{CEEDB73E-0C03-1F99-8D00-601821FF1044}"/>
+                </a:ext>
+              </a:extLst>
+            </p:cNvPr>
+            <p:cNvSpPr>
+              <a:spLocks noChangeAspect="1"/>
+            </p:cNvSpPr>
+            <p:nvPr/>
+          </p:nvSpPr>
+          <p:spPr>
+            <a:xfrm>
+              <a:off x="1822926" y="2121104"/>
+              <a:ext cx="180000" cy="180000"/>
+            </a:xfrm>
+            <a:prstGeom prst="ellipse">
+              <a:avLst/>
+            </a:prstGeom>
+            <a:solidFill>
+              <a:schemeClr val="tx2"/>
+            </a:solidFill>
+            <a:ln>
+              <a:noFill/>
+            </a:ln>
+          </p:spPr>
+          <p:style>
+            <a:lnRef idx="2">
+              <a:schemeClr val="accent1">
+                <a:shade val="50000"/>
+              </a:schemeClr>
+            </a:lnRef>
+            <a:fillRef idx="1">
+              <a:schemeClr val="accent1"/>
+            </a:fillRef>
+            <a:effectRef idx="0">
+              <a:schemeClr val="accent1"/>
+            </a:effectRef>
+            <a:fontRef idx="minor">
+              <a:schemeClr val="lt1"/>
+            </a:fontRef>
+          </p:style>
+          <p:txBody>
+            <a:bodyPr rtlCol="0" anchor="ctr"/>
+            <a:lstStyle/>
+            <a:p>
+              <a:pPr algn="ctr"/>
+              <a:endParaRPr lang="en-US"/>
+            </a:p>
+          </p:txBody>
+        </p:sp>
+        <p:sp>
+          <p:nvSpPr>
+            <p:cNvPr id="19" name="Oval 18">
+              <a:extLst>
+                <a:ext uri="{FF2B5EF4-FFF2-40B4-BE49-F238E27FC236}">
+                  <a16:creationId xmlns:a16="http://schemas.microsoft.com/office/drawing/2014/main" id="{4590B776-14DB-EF69-01FA-5C5200433DAC}"/>
+                </a:ext>
+              </a:extLst>
+            </p:cNvPr>
+            <p:cNvSpPr>
+              <a:spLocks noChangeAspect="1"/>
+            </p:cNvSpPr>
+            <p:nvPr/>
+          </p:nvSpPr>
+          <p:spPr>
+            <a:xfrm>
+              <a:off x="1719809" y="2487995"/>
+              <a:ext cx="180000" cy="180000"/>
+            </a:xfrm>
+            <a:prstGeom prst="ellipse">
+              <a:avLst/>
+            </a:prstGeom>
+            <a:solidFill>
+              <a:schemeClr val="tx2"/>
+            </a:solidFill>
+            <a:ln>
+              <a:noFill/>
+            </a:ln>
+          </p:spPr>
+          <p:style>
+            <a:lnRef idx="2">
+              <a:schemeClr val="accent1">
+                <a:shade val="50000"/>
+              </a:schemeClr>
+            </a:lnRef>
+            <a:fillRef idx="1">
+              <a:schemeClr val="accent1"/>
+            </a:fillRef>
+            <a:effectRef idx="0">
+              <a:schemeClr val="accent1"/>
+            </a:effectRef>
+            <a:fontRef idx="minor">
+              <a:schemeClr val="lt1"/>
+            </a:fontRef>
+          </p:style>
+          <p:txBody>
+            <a:bodyPr rtlCol="0" anchor="ctr"/>
+            <a:lstStyle/>
+            <a:p>
+              <a:pPr algn="ctr"/>
+              <a:endParaRPr lang="en-US"/>
+            </a:p>
+          </p:txBody>
+        </p:sp>
+        <p:sp>
+          <p:nvSpPr>
+            <p:cNvPr id="20" name="Oval 19">
+              <a:extLst>
+                <a:ext uri="{FF2B5EF4-FFF2-40B4-BE49-F238E27FC236}">
+                  <a16:creationId xmlns:a16="http://schemas.microsoft.com/office/drawing/2014/main" id="{9328A775-2AA8-411B-5782-E093A9A1CEDB}"/>
+                </a:ext>
+              </a:extLst>
+            </p:cNvPr>
+            <p:cNvSpPr>
+              <a:spLocks noChangeAspect="1"/>
+            </p:cNvSpPr>
+            <p:nvPr/>
+          </p:nvSpPr>
+          <p:spPr>
+            <a:xfrm>
+              <a:off x="2002926" y="2747132"/>
+              <a:ext cx="180000" cy="180000"/>
+            </a:xfrm>
+            <a:prstGeom prst="ellipse">
+              <a:avLst/>
+            </a:prstGeom>
+            <a:solidFill>
+              <a:schemeClr val="tx2"/>
+            </a:solidFill>
+            <a:ln>
+              <a:noFill/>
+            </a:ln>
+          </p:spPr>
+          <p:style>
+            <a:lnRef idx="2">
+              <a:schemeClr val="accent1">
+                <a:shade val="50000"/>
+              </a:schemeClr>
+            </a:lnRef>
+            <a:fillRef idx="1">
+              <a:schemeClr val="accent1"/>
+            </a:fillRef>
+            <a:effectRef idx="0">
+              <a:schemeClr val="accent1"/>
+            </a:effectRef>
+            <a:fontRef idx="minor">
+              <a:schemeClr val="lt1"/>
+            </a:fontRef>
+          </p:style>
+          <p:txBody>
+            <a:bodyPr rtlCol="0" anchor="ctr"/>
+            <a:lstStyle/>
+            <a:p>
+              <a:pPr algn="ctr"/>
+              <a:endParaRPr lang="en-US"/>
+            </a:p>
+          </p:txBody>
+        </p:sp>
+        <p:sp>
+          <p:nvSpPr>
+            <p:cNvPr id="21" name="Oval 20">
+              <a:extLst>
+                <a:ext uri="{FF2B5EF4-FFF2-40B4-BE49-F238E27FC236}">
+                  <a16:creationId xmlns:a16="http://schemas.microsoft.com/office/drawing/2014/main" id="{69353D1D-0974-09A8-F0B9-19CD978A3CE6}"/>
+                </a:ext>
+              </a:extLst>
+            </p:cNvPr>
+            <p:cNvSpPr>
+              <a:spLocks noChangeAspect="1"/>
+            </p:cNvSpPr>
+            <p:nvPr/>
+          </p:nvSpPr>
+          <p:spPr>
+            <a:xfrm>
+              <a:off x="2092926" y="2344118"/>
+              <a:ext cx="180000" cy="180000"/>
+            </a:xfrm>
+            <a:prstGeom prst="ellipse">
+              <a:avLst/>
+            </a:prstGeom>
+            <a:solidFill>
+              <a:schemeClr val="tx2"/>
+            </a:solidFill>
+            <a:ln>
+              <a:noFill/>
+            </a:ln>
+          </p:spPr>
+          <p:style>
+            <a:lnRef idx="2">
+              <a:schemeClr val="accent1">
+                <a:shade val="50000"/>
+              </a:schemeClr>
+            </a:lnRef>
+            <a:fillRef idx="1">
+              <a:schemeClr val="accent1"/>
+            </a:fillRef>
+            <a:effectRef idx="0">
+              <a:schemeClr val="accent1"/>
+            </a:effectRef>
+            <a:fontRef idx="minor">
+              <a:schemeClr val="lt1"/>
+            </a:fontRef>
+          </p:style>
+          <p:txBody>
+            <a:bodyPr rtlCol="0" anchor="ctr"/>
+            <a:lstStyle/>
+            <a:p>
+              <a:pPr algn="ctr"/>
+              <a:endParaRPr lang="en-US"/>
+            </a:p>
+          </p:txBody>
+        </p:sp>
+      </p:grpSp>
+      <p:grpSp>
+        <p:nvGrpSpPr>
+          <p:cNvPr id="223" name="Group 222">
+            <a:extLst>
+              <a:ext uri="{FF2B5EF4-FFF2-40B4-BE49-F238E27FC236}">
+                <a16:creationId xmlns:a16="http://schemas.microsoft.com/office/drawing/2014/main" id="{0584A23A-2552-494B-8FA3-7DAC779D3B6B}"/>
+              </a:ext>
+            </a:extLst>
+          </p:cNvPr>
+          <p:cNvGrpSpPr/>
+          <p:nvPr/>
+        </p:nvGrpSpPr>
+        <p:grpSpPr>
+          <a:xfrm>
+            <a:off x="689617" y="2579800"/>
+            <a:ext cx="2592829" cy="1029063"/>
+            <a:chOff x="4119393" y="582331"/>
+            <a:chExt cx="2592829" cy="1029063"/>
+          </a:xfrm>
+        </p:grpSpPr>
+        <p:sp>
+          <p:nvSpPr>
+            <p:cNvPr id="22" name="Oval 21">
+              <a:extLst>
+                <a:ext uri="{FF2B5EF4-FFF2-40B4-BE49-F238E27FC236}">
+                  <a16:creationId xmlns:a16="http://schemas.microsoft.com/office/drawing/2014/main" id="{A84D515C-F402-13B3-9841-D4AFB788952C}"/>
+                </a:ext>
+              </a:extLst>
+            </p:cNvPr>
+            <p:cNvSpPr>
+              <a:spLocks noChangeAspect="1"/>
+            </p:cNvSpPr>
+            <p:nvPr/>
+          </p:nvSpPr>
+          <p:spPr>
+            <a:xfrm>
+              <a:off x="4135821" y="672331"/>
+              <a:ext cx="180000" cy="180000"/>
+            </a:xfrm>
+            <a:prstGeom prst="ellipse">
+              <a:avLst/>
+            </a:prstGeom>
+            <a:solidFill>
+              <a:srgbClr val="C00000"/>
+            </a:solidFill>
+            <a:ln>
+              <a:noFill/>
+            </a:ln>
+          </p:spPr>
+          <p:style>
+            <a:lnRef idx="2">
+              <a:schemeClr val="accent1">
+                <a:shade val="50000"/>
+              </a:schemeClr>
+            </a:lnRef>
+            <a:fillRef idx="1">
+              <a:schemeClr val="accent1"/>
+            </a:fillRef>
+            <a:effectRef idx="0">
+              <a:schemeClr val="accent1"/>
+            </a:effectRef>
+            <a:fontRef idx="minor">
+              <a:schemeClr val="lt1"/>
+            </a:fontRef>
+          </p:style>
+          <p:txBody>
+            <a:bodyPr rtlCol="0" anchor="ctr"/>
+            <a:lstStyle/>
+            <a:p>
+              <a:pPr algn="ctr"/>
+              <a:endParaRPr lang="en-US"/>
+            </a:p>
+          </p:txBody>
+        </p:sp>
+        <p:sp>
+          <p:nvSpPr>
+            <p:cNvPr id="23" name="Oval 22">
+              <a:extLst>
+                <a:ext uri="{FF2B5EF4-FFF2-40B4-BE49-F238E27FC236}">
+                  <a16:creationId xmlns:a16="http://schemas.microsoft.com/office/drawing/2014/main" id="{DE1B5F5F-11A7-0A5E-4AF3-83A104D451FB}"/>
+                </a:ext>
+              </a:extLst>
+            </p:cNvPr>
+            <p:cNvSpPr>
+              <a:spLocks noChangeAspect="1"/>
+            </p:cNvSpPr>
+            <p:nvPr/>
+          </p:nvSpPr>
+          <p:spPr>
+            <a:xfrm>
+              <a:off x="4508938" y="582331"/>
+              <a:ext cx="180000" cy="180000"/>
+            </a:xfrm>
+            <a:prstGeom prst="ellipse">
+              <a:avLst/>
+            </a:prstGeom>
+            <a:solidFill>
+              <a:srgbClr val="C00000"/>
+            </a:solidFill>
+            <a:ln>
+              <a:noFill/>
+            </a:ln>
+          </p:spPr>
+          <p:style>
+            <a:lnRef idx="2">
+              <a:schemeClr val="accent1">
+                <a:shade val="50000"/>
+              </a:schemeClr>
+            </a:lnRef>
+            <a:fillRef idx="1">
+              <a:schemeClr val="accent1"/>
+            </a:fillRef>
+            <a:effectRef idx="0">
+              <a:schemeClr val="accent1"/>
+            </a:effectRef>
+            <a:fontRef idx="minor">
+              <a:schemeClr val="lt1"/>
+            </a:fontRef>
+          </p:style>
+          <p:txBody>
+            <a:bodyPr rtlCol="0" anchor="ctr"/>
+            <a:lstStyle/>
+            <a:p>
+              <a:pPr algn="ctr"/>
+              <a:endParaRPr lang="en-US"/>
+            </a:p>
+          </p:txBody>
+        </p:sp>
+        <p:sp>
+          <p:nvSpPr>
+            <p:cNvPr id="24" name="Oval 23">
+              <a:extLst>
+                <a:ext uri="{FF2B5EF4-FFF2-40B4-BE49-F238E27FC236}">
+                  <a16:creationId xmlns:a16="http://schemas.microsoft.com/office/drawing/2014/main" id="{F8232010-46AE-B6CF-5278-9E52FDEE5F8A}"/>
+                </a:ext>
+              </a:extLst>
+            </p:cNvPr>
+            <p:cNvSpPr>
+              <a:spLocks noChangeAspect="1"/>
+            </p:cNvSpPr>
+            <p:nvPr/>
+          </p:nvSpPr>
+          <p:spPr>
+            <a:xfrm>
+              <a:off x="4119393" y="1082566"/>
+              <a:ext cx="180000" cy="180000"/>
+            </a:xfrm>
+            <a:prstGeom prst="ellipse">
+              <a:avLst/>
+            </a:prstGeom>
+            <a:solidFill>
+              <a:srgbClr val="C00000"/>
+            </a:solidFill>
+            <a:ln>
+              <a:noFill/>
+            </a:ln>
+          </p:spPr>
+          <p:style>
+            <a:lnRef idx="2">
+              <a:schemeClr val="accent1">
+                <a:shade val="50000"/>
+              </a:schemeClr>
+            </a:lnRef>
+            <a:fillRef idx="1">
+              <a:schemeClr val="accent1"/>
+            </a:fillRef>
+            <a:effectRef idx="0">
+              <a:schemeClr val="accent1"/>
+            </a:effectRef>
+            <a:fontRef idx="minor">
+              <a:schemeClr val="lt1"/>
+            </a:fontRef>
+          </p:style>
+          <p:txBody>
+            <a:bodyPr rtlCol="0" anchor="ctr"/>
+            <a:lstStyle/>
+            <a:p>
+              <a:pPr algn="ctr"/>
+              <a:endParaRPr lang="en-US"/>
+            </a:p>
+          </p:txBody>
+        </p:sp>
+        <p:sp>
+          <p:nvSpPr>
+            <p:cNvPr id="25" name="Oval 24">
+              <a:extLst>
+                <a:ext uri="{FF2B5EF4-FFF2-40B4-BE49-F238E27FC236}">
+                  <a16:creationId xmlns:a16="http://schemas.microsoft.com/office/drawing/2014/main" id="{9F14F558-E24A-9549-8291-83A01EA5FD1F}"/>
+                </a:ext>
+              </a:extLst>
+            </p:cNvPr>
+            <p:cNvSpPr>
+              <a:spLocks noChangeAspect="1"/>
+            </p:cNvSpPr>
+            <p:nvPr/>
+          </p:nvSpPr>
+          <p:spPr>
+            <a:xfrm>
+              <a:off x="4209393" y="1431394"/>
+              <a:ext cx="180000" cy="180000"/>
+            </a:xfrm>
+            <a:prstGeom prst="ellipse">
+              <a:avLst/>
+            </a:prstGeom>
+            <a:solidFill>
+              <a:srgbClr val="C00000"/>
+            </a:solidFill>
+            <a:ln>
+              <a:noFill/>
+            </a:ln>
+          </p:spPr>
+          <p:style>
+            <a:lnRef idx="2">
+              <a:schemeClr val="accent1">
+                <a:shade val="50000"/>
+              </a:schemeClr>
+            </a:lnRef>
+            <a:fillRef idx="1">
+              <a:schemeClr val="accent1"/>
+            </a:fillRef>
+            <a:effectRef idx="0">
+              <a:schemeClr val="accent1"/>
+            </a:effectRef>
+            <a:fontRef idx="minor">
+              <a:schemeClr val="lt1"/>
+            </a:fontRef>
+          </p:style>
+          <p:txBody>
+            <a:bodyPr rtlCol="0" anchor="ctr"/>
+            <a:lstStyle/>
+            <a:p>
+              <a:pPr algn="ctr"/>
+              <a:endParaRPr lang="en-US"/>
+            </a:p>
+          </p:txBody>
+        </p:sp>
+        <p:sp>
+          <p:nvSpPr>
+            <p:cNvPr id="26" name="Oval 25">
+              <a:extLst>
+                <a:ext uri="{FF2B5EF4-FFF2-40B4-BE49-F238E27FC236}">
+                  <a16:creationId xmlns:a16="http://schemas.microsoft.com/office/drawing/2014/main" id="{53E4147E-DC86-37F5-E619-69D6ABD3B9D6}"/>
+                </a:ext>
+              </a:extLst>
+            </p:cNvPr>
+            <p:cNvSpPr>
+              <a:spLocks noChangeAspect="1"/>
+            </p:cNvSpPr>
+            <p:nvPr/>
+          </p:nvSpPr>
+          <p:spPr>
+            <a:xfrm>
+              <a:off x="4833825" y="805345"/>
+              <a:ext cx="180000" cy="180000"/>
+            </a:xfrm>
+            <a:prstGeom prst="ellipse">
+              <a:avLst/>
+            </a:prstGeom>
+            <a:solidFill>
+              <a:srgbClr val="C00000"/>
+            </a:solidFill>
+            <a:ln>
+              <a:noFill/>
+            </a:ln>
+          </p:spPr>
+          <p:style>
+            <a:lnRef idx="2">
+              <a:schemeClr val="accent1">
+                <a:shade val="50000"/>
+              </a:schemeClr>
+            </a:lnRef>
+            <a:fillRef idx="1">
+              <a:schemeClr val="accent1"/>
+            </a:fillRef>
+            <a:effectRef idx="0">
+              <a:schemeClr val="accent1"/>
+            </a:effectRef>
+            <a:fontRef idx="minor">
+              <a:schemeClr val="lt1"/>
+            </a:fontRef>
+          </p:style>
+          <p:txBody>
+            <a:bodyPr rtlCol="0" anchor="ctr"/>
+            <a:lstStyle/>
+            <a:p>
+              <a:pPr algn="ctr"/>
+              <a:endParaRPr lang="en-US"/>
+            </a:p>
+          </p:txBody>
+        </p:sp>
+        <p:sp>
+          <p:nvSpPr>
+            <p:cNvPr id="27" name="Oval 26">
+              <a:extLst>
+                <a:ext uri="{FF2B5EF4-FFF2-40B4-BE49-F238E27FC236}">
+                  <a16:creationId xmlns:a16="http://schemas.microsoft.com/office/drawing/2014/main" id="{EFA9DD12-2052-283C-F0E6-E7C908739899}"/>
+                </a:ext>
+              </a:extLst>
+            </p:cNvPr>
+            <p:cNvSpPr>
+              <a:spLocks noChangeAspect="1"/>
+            </p:cNvSpPr>
+            <p:nvPr/>
+          </p:nvSpPr>
+          <p:spPr>
+            <a:xfrm>
+              <a:off x="5696608" y="672331"/>
+              <a:ext cx="180000" cy="180000"/>
+            </a:xfrm>
+            <a:prstGeom prst="ellipse">
+              <a:avLst/>
+            </a:prstGeom>
+            <a:solidFill>
+              <a:srgbClr val="C00000"/>
+            </a:solidFill>
+            <a:ln>
+              <a:noFill/>
+            </a:ln>
+          </p:spPr>
+          <p:style>
+            <a:lnRef idx="2">
+              <a:schemeClr val="accent1">
+                <a:shade val="50000"/>
+              </a:schemeClr>
+            </a:lnRef>
+            <a:fillRef idx="1">
+              <a:schemeClr val="accent1"/>
+            </a:fillRef>
+            <a:effectRef idx="0">
+              <a:schemeClr val="accent1"/>
+            </a:effectRef>
+            <a:fontRef idx="minor">
+              <a:schemeClr val="lt1"/>
+            </a:fontRef>
+          </p:style>
+          <p:txBody>
+            <a:bodyPr rtlCol="0" anchor="ctr"/>
+            <a:lstStyle/>
+            <a:p>
+              <a:pPr algn="ctr"/>
+              <a:endParaRPr lang="en-US"/>
+            </a:p>
+          </p:txBody>
+        </p:sp>
+        <p:sp>
+          <p:nvSpPr>
+            <p:cNvPr id="28" name="Oval 27">
+              <a:extLst>
+                <a:ext uri="{FF2B5EF4-FFF2-40B4-BE49-F238E27FC236}">
+                  <a16:creationId xmlns:a16="http://schemas.microsoft.com/office/drawing/2014/main" id="{D420E2C3-7F5E-DF63-12B4-143DD8361692}"/>
+                </a:ext>
+              </a:extLst>
+            </p:cNvPr>
+            <p:cNvSpPr>
+              <a:spLocks noChangeAspect="1"/>
+            </p:cNvSpPr>
+            <p:nvPr/>
+          </p:nvSpPr>
+          <p:spPr>
+            <a:xfrm>
+              <a:off x="6069725" y="582331"/>
+              <a:ext cx="180000" cy="180000"/>
+            </a:xfrm>
+            <a:prstGeom prst="ellipse">
+              <a:avLst/>
+            </a:prstGeom>
+            <a:solidFill>
+              <a:srgbClr val="C00000"/>
+            </a:solidFill>
+            <a:ln>
+              <a:noFill/>
+            </a:ln>
+          </p:spPr>
+          <p:style>
+            <a:lnRef idx="2">
+              <a:schemeClr val="accent1">
+                <a:shade val="50000"/>
+              </a:schemeClr>
+            </a:lnRef>
+            <a:fillRef idx="1">
+              <a:schemeClr val="accent1"/>
+            </a:fillRef>
+            <a:effectRef idx="0">
+              <a:schemeClr val="accent1"/>
+            </a:effectRef>
+            <a:fontRef idx="minor">
+              <a:schemeClr val="lt1"/>
+            </a:fontRef>
+          </p:style>
+          <p:txBody>
+            <a:bodyPr rtlCol="0" anchor="ctr"/>
+            <a:lstStyle/>
+            <a:p>
+              <a:pPr algn="ctr"/>
+              <a:endParaRPr lang="en-US"/>
+            </a:p>
+          </p:txBody>
+        </p:sp>
+        <p:sp>
+          <p:nvSpPr>
+            <p:cNvPr id="29" name="Oval 28">
+              <a:extLst>
+                <a:ext uri="{FF2B5EF4-FFF2-40B4-BE49-F238E27FC236}">
+                  <a16:creationId xmlns:a16="http://schemas.microsoft.com/office/drawing/2014/main" id="{0306B3B8-EFE9-3730-580B-426572EAD5CA}"/>
+                </a:ext>
+              </a:extLst>
+            </p:cNvPr>
+            <p:cNvSpPr>
+              <a:spLocks noChangeAspect="1"/>
+            </p:cNvSpPr>
+            <p:nvPr/>
+          </p:nvSpPr>
+          <p:spPr>
+            <a:xfrm>
+              <a:off x="5252524" y="754097"/>
+              <a:ext cx="180000" cy="180000"/>
+            </a:xfrm>
+            <a:prstGeom prst="ellipse">
+              <a:avLst/>
+            </a:prstGeom>
+            <a:solidFill>
+              <a:srgbClr val="C00000"/>
+            </a:solidFill>
+            <a:ln>
+              <a:noFill/>
+            </a:ln>
+          </p:spPr>
+          <p:style>
+            <a:lnRef idx="2">
+              <a:schemeClr val="accent1">
+                <a:shade val="50000"/>
+              </a:schemeClr>
+            </a:lnRef>
+            <a:fillRef idx="1">
+              <a:schemeClr val="accent1"/>
+            </a:fillRef>
+            <a:effectRef idx="0">
+              <a:schemeClr val="accent1"/>
+            </a:effectRef>
+            <a:fontRef idx="minor">
+              <a:schemeClr val="lt1"/>
+            </a:fontRef>
+          </p:style>
+          <p:txBody>
+            <a:bodyPr rtlCol="0" anchor="ctr"/>
+            <a:lstStyle/>
+            <a:p>
+              <a:pPr algn="ctr"/>
+              <a:endParaRPr lang="en-US"/>
+            </a:p>
+          </p:txBody>
+        </p:sp>
+        <p:sp>
+          <p:nvSpPr>
+            <p:cNvPr id="30" name="Oval 29">
+              <a:extLst>
+                <a:ext uri="{FF2B5EF4-FFF2-40B4-BE49-F238E27FC236}">
+                  <a16:creationId xmlns:a16="http://schemas.microsoft.com/office/drawing/2014/main" id="{FEE23473-3169-C14F-B28F-7A6DEB35669C}"/>
+                </a:ext>
+              </a:extLst>
+            </p:cNvPr>
+            <p:cNvSpPr>
+              <a:spLocks noChangeAspect="1"/>
+            </p:cNvSpPr>
+            <p:nvPr/>
+          </p:nvSpPr>
+          <p:spPr>
+            <a:xfrm>
+              <a:off x="6532222" y="1025422"/>
+              <a:ext cx="180000" cy="180000"/>
+            </a:xfrm>
+            <a:prstGeom prst="ellipse">
+              <a:avLst/>
+            </a:prstGeom>
+            <a:solidFill>
+              <a:srgbClr val="C00000"/>
+            </a:solidFill>
+            <a:ln>
+              <a:noFill/>
+            </a:ln>
+          </p:spPr>
+          <p:style>
+            <a:lnRef idx="2">
+              <a:schemeClr val="accent1">
+                <a:shade val="50000"/>
+              </a:schemeClr>
+            </a:lnRef>
+            <a:fillRef idx="1">
+              <a:schemeClr val="accent1"/>
+            </a:fillRef>
+            <a:effectRef idx="0">
+              <a:schemeClr val="accent1"/>
+            </a:effectRef>
+            <a:fontRef idx="minor">
+              <a:schemeClr val="lt1"/>
+            </a:fontRef>
+          </p:style>
+          <p:txBody>
+            <a:bodyPr rtlCol="0" anchor="ctr"/>
+            <a:lstStyle/>
+            <a:p>
+              <a:pPr algn="ctr"/>
+              <a:endParaRPr lang="en-US"/>
+            </a:p>
+          </p:txBody>
+        </p:sp>
+        <p:sp>
+          <p:nvSpPr>
+            <p:cNvPr id="31" name="Oval 30">
+              <a:extLst>
+                <a:ext uri="{FF2B5EF4-FFF2-40B4-BE49-F238E27FC236}">
+                  <a16:creationId xmlns:a16="http://schemas.microsoft.com/office/drawing/2014/main" id="{832005DD-D553-113E-4A7F-142025C834B7}"/>
+                </a:ext>
+              </a:extLst>
+            </p:cNvPr>
+            <p:cNvSpPr>
+              <a:spLocks noChangeAspect="1"/>
+            </p:cNvSpPr>
+            <p:nvPr/>
+          </p:nvSpPr>
+          <p:spPr>
+            <a:xfrm>
+              <a:off x="6339725" y="805345"/>
+              <a:ext cx="180000" cy="180000"/>
+            </a:xfrm>
+            <a:prstGeom prst="ellipse">
+              <a:avLst/>
+            </a:prstGeom>
+            <a:solidFill>
+              <a:srgbClr val="C00000"/>
+            </a:solidFill>
+            <a:ln>
+              <a:noFill/>
+            </a:ln>
+          </p:spPr>
+          <p:style>
+            <a:lnRef idx="2">
+              <a:schemeClr val="accent1">
+                <a:shade val="50000"/>
+              </a:schemeClr>
+            </a:lnRef>
+            <a:fillRef idx="1">
+              <a:schemeClr val="accent1"/>
+            </a:fillRef>
+            <a:effectRef idx="0">
+              <a:schemeClr val="accent1"/>
+            </a:effectRef>
+            <a:fontRef idx="minor">
+              <a:schemeClr val="lt1"/>
+            </a:fontRef>
+          </p:style>
+          <p:txBody>
+            <a:bodyPr rtlCol="0" anchor="ctr"/>
+            <a:lstStyle/>
+            <a:p>
+              <a:pPr algn="ctr"/>
+              <a:endParaRPr lang="en-US"/>
+            </a:p>
+          </p:txBody>
+        </p:sp>
+      </p:grpSp>
+      <p:grpSp>
+        <p:nvGrpSpPr>
+          <p:cNvPr id="222" name="Group 221">
+            <a:extLst>
+              <a:ext uri="{FF2B5EF4-FFF2-40B4-BE49-F238E27FC236}">
+                <a16:creationId xmlns:a16="http://schemas.microsoft.com/office/drawing/2014/main" id="{F0A9FD4B-6452-454E-F0E1-ADF91C2FD362}"/>
+              </a:ext>
+            </a:extLst>
+          </p:cNvPr>
+          <p:cNvGrpSpPr/>
+          <p:nvPr/>
+        </p:nvGrpSpPr>
+        <p:grpSpPr>
+          <a:xfrm>
+            <a:off x="4600213" y="2398951"/>
+            <a:ext cx="1445130" cy="1065230"/>
+            <a:chOff x="4441988" y="2633153"/>
+            <a:chExt cx="1445130" cy="1065230"/>
+          </a:xfrm>
+        </p:grpSpPr>
+        <p:sp>
+          <p:nvSpPr>
+            <p:cNvPr id="32" name="Oval 31">
+              <a:extLst>
+                <a:ext uri="{FF2B5EF4-FFF2-40B4-BE49-F238E27FC236}">
+                  <a16:creationId xmlns:a16="http://schemas.microsoft.com/office/drawing/2014/main" id="{D4074185-312E-8A43-D685-741E612AF0D3}"/>
+                </a:ext>
+              </a:extLst>
+            </p:cNvPr>
+            <p:cNvSpPr>
+              <a:spLocks noChangeAspect="1"/>
+            </p:cNvSpPr>
+            <p:nvPr/>
+          </p:nvSpPr>
+          <p:spPr>
+            <a:xfrm>
+              <a:off x="4458416" y="2759320"/>
+              <a:ext cx="180000" cy="180000"/>
+            </a:xfrm>
+            <a:prstGeom prst="ellipse">
+              <a:avLst/>
+            </a:prstGeom>
+            <a:solidFill>
+              <a:srgbClr val="C00000"/>
+            </a:solidFill>
+            <a:ln>
+              <a:noFill/>
+            </a:ln>
+          </p:spPr>
+          <p:style>
+            <a:lnRef idx="2">
+              <a:schemeClr val="accent1">
+                <a:shade val="50000"/>
+              </a:schemeClr>
+            </a:lnRef>
+            <a:fillRef idx="1">
+              <a:schemeClr val="accent1"/>
+            </a:fillRef>
+            <a:effectRef idx="0">
+              <a:schemeClr val="accent1"/>
+            </a:effectRef>
+            <a:fontRef idx="minor">
+              <a:schemeClr val="lt1"/>
+            </a:fontRef>
+          </p:style>
+          <p:txBody>
+            <a:bodyPr rtlCol="0" anchor="ctr"/>
+            <a:lstStyle/>
+            <a:p>
+              <a:pPr algn="ctr"/>
+              <a:endParaRPr lang="en-US"/>
+            </a:p>
+          </p:txBody>
+        </p:sp>
+        <p:sp>
+          <p:nvSpPr>
+            <p:cNvPr id="33" name="Oval 32">
+              <a:extLst>
+                <a:ext uri="{FF2B5EF4-FFF2-40B4-BE49-F238E27FC236}">
+                  <a16:creationId xmlns:a16="http://schemas.microsoft.com/office/drawing/2014/main" id="{62DD3B50-D6B3-28E4-CBD8-F57C01AA6FFB}"/>
+                </a:ext>
+              </a:extLst>
+            </p:cNvPr>
+            <p:cNvSpPr>
+              <a:spLocks noChangeAspect="1"/>
+            </p:cNvSpPr>
+            <p:nvPr/>
+          </p:nvSpPr>
+          <p:spPr>
+            <a:xfrm>
+              <a:off x="4831533" y="2669320"/>
+              <a:ext cx="180000" cy="180000"/>
+            </a:xfrm>
+            <a:prstGeom prst="ellipse">
+              <a:avLst/>
+            </a:prstGeom>
+            <a:solidFill>
+              <a:srgbClr val="C00000"/>
+            </a:solidFill>
+            <a:ln>
+              <a:noFill/>
+            </a:ln>
+          </p:spPr>
+          <p:style>
+            <a:lnRef idx="2">
+              <a:schemeClr val="accent1">
+                <a:shade val="50000"/>
+              </a:schemeClr>
+            </a:lnRef>
+            <a:fillRef idx="1">
+              <a:schemeClr val="accent1"/>
+            </a:fillRef>
+            <a:effectRef idx="0">
+              <a:schemeClr val="accent1"/>
+            </a:effectRef>
+            <a:fontRef idx="minor">
+              <a:schemeClr val="lt1"/>
+            </a:fontRef>
+          </p:style>
+          <p:txBody>
+            <a:bodyPr rtlCol="0" anchor="ctr"/>
+            <a:lstStyle/>
+            <a:p>
+              <a:pPr algn="ctr"/>
+              <a:endParaRPr lang="en-US"/>
+            </a:p>
+          </p:txBody>
+        </p:sp>
+        <p:sp>
+          <p:nvSpPr>
+            <p:cNvPr id="34" name="Oval 33">
+              <a:extLst>
+                <a:ext uri="{FF2B5EF4-FFF2-40B4-BE49-F238E27FC236}">
+                  <a16:creationId xmlns:a16="http://schemas.microsoft.com/office/drawing/2014/main" id="{0188BD0D-AEBC-B9AE-7FE5-B74590307A86}"/>
+                </a:ext>
+              </a:extLst>
+            </p:cNvPr>
+            <p:cNvSpPr>
+              <a:spLocks noChangeAspect="1"/>
+            </p:cNvSpPr>
+            <p:nvPr/>
+          </p:nvSpPr>
+          <p:spPr>
+            <a:xfrm>
+              <a:off x="4441988" y="3169555"/>
+              <a:ext cx="180000" cy="180000"/>
+            </a:xfrm>
+            <a:prstGeom prst="ellipse">
+              <a:avLst/>
+            </a:prstGeom>
+            <a:solidFill>
+              <a:srgbClr val="C00000"/>
+            </a:solidFill>
+            <a:ln>
+              <a:noFill/>
+            </a:ln>
+          </p:spPr>
+          <p:style>
+            <a:lnRef idx="2">
+              <a:schemeClr val="accent1">
+                <a:shade val="50000"/>
+              </a:schemeClr>
+            </a:lnRef>
+            <a:fillRef idx="1">
+              <a:schemeClr val="accent1"/>
+            </a:fillRef>
+            <a:effectRef idx="0">
+              <a:schemeClr val="accent1"/>
+            </a:effectRef>
+            <a:fontRef idx="minor">
+              <a:schemeClr val="lt1"/>
+            </a:fontRef>
+          </p:style>
+          <p:txBody>
+            <a:bodyPr rtlCol="0" anchor="ctr"/>
+            <a:lstStyle/>
+            <a:p>
+              <a:pPr algn="ctr"/>
+              <a:endParaRPr lang="en-US"/>
+            </a:p>
+          </p:txBody>
+        </p:sp>
+        <p:sp>
+          <p:nvSpPr>
+            <p:cNvPr id="35" name="Oval 34">
+              <a:extLst>
+                <a:ext uri="{FF2B5EF4-FFF2-40B4-BE49-F238E27FC236}">
+                  <a16:creationId xmlns:a16="http://schemas.microsoft.com/office/drawing/2014/main" id="{4FAD5B28-80AD-25E8-D26C-BBE00E1E6572}"/>
+                </a:ext>
+              </a:extLst>
+            </p:cNvPr>
+            <p:cNvSpPr>
+              <a:spLocks noChangeAspect="1"/>
+            </p:cNvSpPr>
+            <p:nvPr/>
+          </p:nvSpPr>
+          <p:spPr>
+            <a:xfrm>
+              <a:off x="4531988" y="3518383"/>
+              <a:ext cx="180000" cy="180000"/>
+            </a:xfrm>
+            <a:prstGeom prst="ellipse">
+              <a:avLst/>
+            </a:prstGeom>
+            <a:solidFill>
+              <a:srgbClr val="C00000"/>
+            </a:solidFill>
+            <a:ln>
+              <a:noFill/>
+            </a:ln>
+          </p:spPr>
+          <p:style>
+            <a:lnRef idx="2">
+              <a:schemeClr val="accent1">
+                <a:shade val="50000"/>
+              </a:schemeClr>
+            </a:lnRef>
+            <a:fillRef idx="1">
+              <a:schemeClr val="accent1"/>
+            </a:fillRef>
+            <a:effectRef idx="0">
+              <a:schemeClr val="accent1"/>
+            </a:effectRef>
+            <a:fontRef idx="minor">
+              <a:schemeClr val="lt1"/>
+            </a:fontRef>
+          </p:style>
+          <p:txBody>
+            <a:bodyPr rtlCol="0" anchor="ctr"/>
+            <a:lstStyle/>
+            <a:p>
+              <a:pPr algn="ctr"/>
+              <a:endParaRPr lang="en-US"/>
+            </a:p>
+          </p:txBody>
+        </p:sp>
+        <p:sp>
+          <p:nvSpPr>
+            <p:cNvPr id="36" name="Oval 35">
+              <a:extLst>
+                <a:ext uri="{FF2B5EF4-FFF2-40B4-BE49-F238E27FC236}">
+                  <a16:creationId xmlns:a16="http://schemas.microsoft.com/office/drawing/2014/main" id="{3BEFCB68-D526-D306-0CF1-85253FF8D69B}"/>
+                </a:ext>
+              </a:extLst>
+            </p:cNvPr>
+            <p:cNvSpPr>
+              <a:spLocks noChangeAspect="1"/>
+            </p:cNvSpPr>
+            <p:nvPr/>
+          </p:nvSpPr>
+          <p:spPr>
+            <a:xfrm>
+              <a:off x="5185617" y="2633153"/>
+              <a:ext cx="180000" cy="180000"/>
+            </a:xfrm>
+            <a:prstGeom prst="ellipse">
+              <a:avLst/>
+            </a:prstGeom>
+            <a:solidFill>
+              <a:srgbClr val="C00000"/>
+            </a:solidFill>
+            <a:ln>
+              <a:noFill/>
+            </a:ln>
+          </p:spPr>
+          <p:style>
+            <a:lnRef idx="2">
+              <a:schemeClr val="accent1">
+                <a:shade val="50000"/>
+              </a:schemeClr>
+            </a:lnRef>
+            <a:fillRef idx="1">
+              <a:schemeClr val="accent1"/>
+            </a:fillRef>
+            <a:effectRef idx="0">
+              <a:schemeClr val="accent1"/>
+            </a:effectRef>
+            <a:fontRef idx="minor">
+              <a:schemeClr val="lt1"/>
+            </a:fontRef>
+          </p:style>
+          <p:txBody>
+            <a:bodyPr rtlCol="0" anchor="ctr"/>
+            <a:lstStyle/>
+            <a:p>
+              <a:pPr algn="ctr"/>
+              <a:endParaRPr lang="en-US"/>
+            </a:p>
+          </p:txBody>
+        </p:sp>
+        <p:sp>
+          <p:nvSpPr>
+            <p:cNvPr id="37" name="Oval 36">
+              <a:extLst>
+                <a:ext uri="{FF2B5EF4-FFF2-40B4-BE49-F238E27FC236}">
+                  <a16:creationId xmlns:a16="http://schemas.microsoft.com/office/drawing/2014/main" id="{28A8FD07-D08E-3F4D-01A1-0822E34B6C28}"/>
+                </a:ext>
+              </a:extLst>
+            </p:cNvPr>
+            <p:cNvSpPr>
+              <a:spLocks noChangeAspect="1"/>
+            </p:cNvSpPr>
+            <p:nvPr/>
+          </p:nvSpPr>
+          <p:spPr>
+            <a:xfrm>
+              <a:off x="5707118" y="2939320"/>
+              <a:ext cx="180000" cy="180000"/>
+            </a:xfrm>
+            <a:prstGeom prst="ellipse">
+              <a:avLst/>
+            </a:prstGeom>
+            <a:solidFill>
+              <a:srgbClr val="C00000"/>
+            </a:solidFill>
+            <a:ln>
+              <a:noFill/>
+            </a:ln>
+          </p:spPr>
+          <p:style>
+            <a:lnRef idx="2">
+              <a:schemeClr val="accent1">
+                <a:shade val="50000"/>
+              </a:schemeClr>
+            </a:lnRef>
+            <a:fillRef idx="1">
+              <a:schemeClr val="accent1"/>
+            </a:fillRef>
+            <a:effectRef idx="0">
+              <a:schemeClr val="accent1"/>
+            </a:effectRef>
+            <a:fontRef idx="minor">
+              <a:schemeClr val="lt1"/>
+            </a:fontRef>
+          </p:style>
+          <p:txBody>
+            <a:bodyPr rtlCol="0" anchor="ctr"/>
+            <a:lstStyle/>
+            <a:p>
+              <a:pPr algn="ctr"/>
+              <a:endParaRPr lang="en-US"/>
+            </a:p>
+          </p:txBody>
+        </p:sp>
+        <p:sp>
+          <p:nvSpPr>
+            <p:cNvPr id="38" name="Oval 37">
+              <a:extLst>
+                <a:ext uri="{FF2B5EF4-FFF2-40B4-BE49-F238E27FC236}">
+                  <a16:creationId xmlns:a16="http://schemas.microsoft.com/office/drawing/2014/main" id="{EE43314B-7029-79EA-DCC9-6429033BAA2A}"/>
+                </a:ext>
+              </a:extLst>
+            </p:cNvPr>
+            <p:cNvSpPr>
+              <a:spLocks noChangeAspect="1"/>
+            </p:cNvSpPr>
+            <p:nvPr/>
+          </p:nvSpPr>
+          <p:spPr>
+            <a:xfrm>
+              <a:off x="5641533" y="3248383"/>
+              <a:ext cx="180000" cy="180000"/>
+            </a:xfrm>
+            <a:prstGeom prst="ellipse">
+              <a:avLst/>
+            </a:prstGeom>
+            <a:solidFill>
+              <a:srgbClr val="C00000"/>
+            </a:solidFill>
+            <a:ln>
+              <a:noFill/>
+            </a:ln>
+          </p:spPr>
+          <p:style>
+            <a:lnRef idx="2">
+              <a:schemeClr val="accent1">
+                <a:shade val="50000"/>
+              </a:schemeClr>
+            </a:lnRef>
+            <a:fillRef idx="1">
+              <a:schemeClr val="accent1"/>
+            </a:fillRef>
+            <a:effectRef idx="0">
+              <a:schemeClr val="accent1"/>
+            </a:effectRef>
+            <a:fontRef idx="minor">
+              <a:schemeClr val="lt1"/>
+            </a:fontRef>
+          </p:style>
+          <p:txBody>
+            <a:bodyPr rtlCol="0" anchor="ctr"/>
+            <a:lstStyle/>
+            <a:p>
+              <a:pPr algn="ctr"/>
+              <a:endParaRPr lang="en-US"/>
+            </a:p>
+          </p:txBody>
+        </p:sp>
+        <p:sp>
+          <p:nvSpPr>
+            <p:cNvPr id="39" name="Oval 38">
+              <a:extLst>
+                <a:ext uri="{FF2B5EF4-FFF2-40B4-BE49-F238E27FC236}">
+                  <a16:creationId xmlns:a16="http://schemas.microsoft.com/office/drawing/2014/main" id="{34D8E48A-AB53-A577-433A-8C4B62A5BC72}"/>
+                </a:ext>
+              </a:extLst>
+            </p:cNvPr>
+            <p:cNvSpPr>
+              <a:spLocks noChangeAspect="1"/>
+            </p:cNvSpPr>
+            <p:nvPr/>
+          </p:nvSpPr>
+          <p:spPr>
+            <a:xfrm>
+              <a:off x="5575119" y="2633153"/>
+              <a:ext cx="180000" cy="180000"/>
+            </a:xfrm>
+            <a:prstGeom prst="ellipse">
+              <a:avLst/>
+            </a:prstGeom>
+            <a:solidFill>
+              <a:srgbClr val="C00000"/>
+            </a:solidFill>
+            <a:ln>
+              <a:noFill/>
+            </a:ln>
+          </p:spPr>
+          <p:style>
+            <a:lnRef idx="2">
+              <a:schemeClr val="accent1">
+                <a:shade val="50000"/>
+              </a:schemeClr>
+            </a:lnRef>
+            <a:fillRef idx="1">
+              <a:schemeClr val="accent1"/>
+            </a:fillRef>
+            <a:effectRef idx="0">
+              <a:schemeClr val="accent1"/>
+            </a:effectRef>
+            <a:fontRef idx="minor">
+              <a:schemeClr val="lt1"/>
+            </a:fontRef>
+          </p:style>
+          <p:txBody>
+            <a:bodyPr rtlCol="0" anchor="ctr"/>
+            <a:lstStyle/>
+            <a:p>
+              <a:pPr algn="ctr"/>
+              <a:endParaRPr lang="en-US"/>
+            </a:p>
+          </p:txBody>
+        </p:sp>
+        <p:sp>
+          <p:nvSpPr>
+            <p:cNvPr id="40" name="Oval 39">
+              <a:extLst>
+                <a:ext uri="{FF2B5EF4-FFF2-40B4-BE49-F238E27FC236}">
+                  <a16:creationId xmlns:a16="http://schemas.microsoft.com/office/drawing/2014/main" id="{360EC1C9-19AC-5446-BFED-96C97B3A6668}"/>
+                </a:ext>
+              </a:extLst>
+            </p:cNvPr>
+            <p:cNvSpPr>
+              <a:spLocks noChangeAspect="1"/>
+            </p:cNvSpPr>
+            <p:nvPr/>
+          </p:nvSpPr>
+          <p:spPr>
+            <a:xfrm>
+              <a:off x="4921533" y="3518383"/>
+              <a:ext cx="180000" cy="180000"/>
+            </a:xfrm>
+            <a:prstGeom prst="ellipse">
+              <a:avLst/>
+            </a:prstGeom>
+            <a:solidFill>
+              <a:srgbClr val="C00000"/>
+            </a:solidFill>
+            <a:ln>
+              <a:noFill/>
+            </a:ln>
+          </p:spPr>
+          <p:style>
+            <a:lnRef idx="2">
+              <a:schemeClr val="accent1">
+                <a:shade val="50000"/>
+              </a:schemeClr>
+            </a:lnRef>
+            <a:fillRef idx="1">
+              <a:schemeClr val="accent1"/>
+            </a:fillRef>
+            <a:effectRef idx="0">
+              <a:schemeClr val="accent1"/>
+            </a:effectRef>
+            <a:fontRef idx="minor">
+              <a:schemeClr val="lt1"/>
+            </a:fontRef>
+          </p:style>
+          <p:txBody>
+            <a:bodyPr rtlCol="0" anchor="ctr"/>
+            <a:lstStyle/>
+            <a:p>
+              <a:pPr algn="ctr"/>
+              <a:endParaRPr lang="en-US"/>
+            </a:p>
+          </p:txBody>
+        </p:sp>
+        <p:sp>
+          <p:nvSpPr>
+            <p:cNvPr id="41" name="Oval 40">
+              <a:extLst>
+                <a:ext uri="{FF2B5EF4-FFF2-40B4-BE49-F238E27FC236}">
+                  <a16:creationId xmlns:a16="http://schemas.microsoft.com/office/drawing/2014/main" id="{B854134E-8AAB-2182-EF72-E890FC859141}"/>
+                </a:ext>
+              </a:extLst>
+            </p:cNvPr>
+            <p:cNvSpPr>
+              <a:spLocks noChangeAspect="1"/>
+            </p:cNvSpPr>
+            <p:nvPr/>
+          </p:nvSpPr>
+          <p:spPr>
+            <a:xfrm>
+              <a:off x="5281533" y="3428383"/>
+              <a:ext cx="180000" cy="180000"/>
+            </a:xfrm>
+            <a:prstGeom prst="ellipse">
+              <a:avLst/>
+            </a:prstGeom>
+            <a:solidFill>
+              <a:srgbClr val="C00000"/>
+            </a:solidFill>
+            <a:ln>
+              <a:noFill/>
+            </a:ln>
+          </p:spPr>
+          <p:style>
+            <a:lnRef idx="2">
+              <a:schemeClr val="accent1">
+                <a:shade val="50000"/>
+              </a:schemeClr>
+            </a:lnRef>
+            <a:fillRef idx="1">
+              <a:schemeClr val="accent1"/>
+            </a:fillRef>
+            <a:effectRef idx="0">
+              <a:schemeClr val="accent1"/>
+            </a:effectRef>
+            <a:fontRef idx="minor">
+              <a:schemeClr val="lt1"/>
+            </a:fontRef>
+          </p:style>
+          <p:txBody>
+            <a:bodyPr rtlCol="0" anchor="ctr"/>
+            <a:lstStyle/>
+            <a:p>
+              <a:pPr algn="ctr"/>
+              <a:endParaRPr lang="en-US"/>
+            </a:p>
+          </p:txBody>
+        </p:sp>
+      </p:grpSp>
+      <p:grpSp>
+        <p:nvGrpSpPr>
+          <p:cNvPr id="219" name="Group 218">
+            <a:extLst>
+              <a:ext uri="{FF2B5EF4-FFF2-40B4-BE49-F238E27FC236}">
+                <a16:creationId xmlns:a16="http://schemas.microsoft.com/office/drawing/2014/main" id="{EA5A0E23-CFA7-4CA0-964E-4F5262F2671E}"/>
+              </a:ext>
+            </a:extLst>
+          </p:cNvPr>
+          <p:cNvGrpSpPr/>
+          <p:nvPr/>
+        </p:nvGrpSpPr>
+        <p:grpSpPr>
+          <a:xfrm>
+            <a:off x="591010" y="4225372"/>
+            <a:ext cx="2823476" cy="1266715"/>
+            <a:chOff x="7956331" y="614637"/>
+            <a:chExt cx="2823476" cy="1266715"/>
+          </a:xfrm>
+        </p:grpSpPr>
+        <p:sp>
+          <p:nvSpPr>
+            <p:cNvPr id="63" name="Oval 62">
+              <a:extLst>
+                <a:ext uri="{FF2B5EF4-FFF2-40B4-BE49-F238E27FC236}">
+                  <a16:creationId xmlns:a16="http://schemas.microsoft.com/office/drawing/2014/main" id="{77554679-4CC0-F43D-178B-4844E91A0460}"/>
+                </a:ext>
+              </a:extLst>
+            </p:cNvPr>
+            <p:cNvSpPr>
+              <a:spLocks noChangeAspect="1"/>
+            </p:cNvSpPr>
+            <p:nvPr/>
+          </p:nvSpPr>
+          <p:spPr>
+            <a:xfrm>
+              <a:off x="8110994" y="858570"/>
+              <a:ext cx="180000" cy="180000"/>
+            </a:xfrm>
+            <a:prstGeom prst="ellipse">
+              <a:avLst/>
+            </a:prstGeom>
+            <a:solidFill>
+              <a:srgbClr val="C00000"/>
+            </a:solidFill>
+            <a:ln>
+              <a:noFill/>
+            </a:ln>
+          </p:spPr>
+          <p:style>
+            <a:lnRef idx="2">
+              <a:schemeClr val="accent1">
+                <a:shade val="50000"/>
+              </a:schemeClr>
+            </a:lnRef>
+            <a:fillRef idx="1">
+              <a:schemeClr val="accent1"/>
+            </a:fillRef>
+            <a:effectRef idx="0">
+              <a:schemeClr val="accent1"/>
+            </a:effectRef>
+            <a:fontRef idx="minor">
+              <a:schemeClr val="lt1"/>
+            </a:fontRef>
+          </p:style>
+          <p:txBody>
+            <a:bodyPr rtlCol="0" anchor="ctr"/>
+            <a:lstStyle/>
+            <a:p>
+              <a:pPr algn="ctr"/>
+              <a:endParaRPr lang="en-US"/>
+            </a:p>
+          </p:txBody>
+        </p:sp>
+        <p:sp>
+          <p:nvSpPr>
+            <p:cNvPr id="64" name="Oval 63">
+              <a:extLst>
+                <a:ext uri="{FF2B5EF4-FFF2-40B4-BE49-F238E27FC236}">
+                  <a16:creationId xmlns:a16="http://schemas.microsoft.com/office/drawing/2014/main" id="{78703FC3-10A9-CB09-66B5-8FE0EEDD333B}"/>
+                </a:ext>
+              </a:extLst>
+            </p:cNvPr>
+            <p:cNvSpPr>
+              <a:spLocks noChangeAspect="1"/>
+            </p:cNvSpPr>
+            <p:nvPr/>
+          </p:nvSpPr>
+          <p:spPr>
+            <a:xfrm>
+              <a:off x="8484111" y="768570"/>
+              <a:ext cx="180000" cy="180000"/>
+            </a:xfrm>
+            <a:prstGeom prst="ellipse">
+              <a:avLst/>
+            </a:prstGeom>
+            <a:solidFill>
+              <a:srgbClr val="C00000"/>
+            </a:solidFill>
+            <a:ln>
+              <a:noFill/>
+            </a:ln>
+          </p:spPr>
+          <p:style>
+            <a:lnRef idx="2">
+              <a:schemeClr val="accent1">
+                <a:shade val="50000"/>
+              </a:schemeClr>
+            </a:lnRef>
+            <a:fillRef idx="1">
+              <a:schemeClr val="accent1"/>
+            </a:fillRef>
+            <a:effectRef idx="0">
+              <a:schemeClr val="accent1"/>
+            </a:effectRef>
+            <a:fontRef idx="minor">
+              <a:schemeClr val="lt1"/>
+            </a:fontRef>
+          </p:style>
+          <p:txBody>
+            <a:bodyPr rtlCol="0" anchor="ctr"/>
+            <a:lstStyle/>
+            <a:p>
+              <a:pPr algn="ctr"/>
+              <a:endParaRPr lang="en-US"/>
+            </a:p>
+          </p:txBody>
+        </p:sp>
+        <p:sp>
+          <p:nvSpPr>
+            <p:cNvPr id="65" name="Oval 64">
+              <a:extLst>
+                <a:ext uri="{FF2B5EF4-FFF2-40B4-BE49-F238E27FC236}">
+                  <a16:creationId xmlns:a16="http://schemas.microsoft.com/office/drawing/2014/main" id="{B630AC22-AAF3-A467-BECC-5617353E3171}"/>
+                </a:ext>
+              </a:extLst>
+            </p:cNvPr>
+            <p:cNvSpPr>
+              <a:spLocks noChangeAspect="1"/>
+            </p:cNvSpPr>
+            <p:nvPr/>
+          </p:nvSpPr>
+          <p:spPr>
+            <a:xfrm>
+              <a:off x="8094566" y="1268805"/>
+              <a:ext cx="180000" cy="180000"/>
+            </a:xfrm>
+            <a:prstGeom prst="ellipse">
+              <a:avLst/>
+            </a:prstGeom>
+            <a:solidFill>
+              <a:srgbClr val="C00000"/>
+            </a:solidFill>
+            <a:ln>
+              <a:noFill/>
+            </a:ln>
+          </p:spPr>
+          <p:style>
+            <a:lnRef idx="2">
+              <a:schemeClr val="accent1">
+                <a:shade val="50000"/>
+              </a:schemeClr>
+            </a:lnRef>
+            <a:fillRef idx="1">
+              <a:schemeClr val="accent1"/>
+            </a:fillRef>
+            <a:effectRef idx="0">
+              <a:schemeClr val="accent1"/>
+            </a:effectRef>
+            <a:fontRef idx="minor">
+              <a:schemeClr val="lt1"/>
+            </a:fontRef>
+          </p:style>
+          <p:txBody>
+            <a:bodyPr rtlCol="0" anchor="ctr"/>
+            <a:lstStyle/>
+            <a:p>
+              <a:pPr algn="ctr"/>
+              <a:endParaRPr lang="en-US"/>
+            </a:p>
+          </p:txBody>
+        </p:sp>
+        <p:sp>
+          <p:nvSpPr>
+            <p:cNvPr id="66" name="Oval 65">
+              <a:extLst>
+                <a:ext uri="{FF2B5EF4-FFF2-40B4-BE49-F238E27FC236}">
+                  <a16:creationId xmlns:a16="http://schemas.microsoft.com/office/drawing/2014/main" id="{CE043325-245F-E089-3C4A-947AD98B974B}"/>
+                </a:ext>
+              </a:extLst>
+            </p:cNvPr>
+            <p:cNvSpPr>
+              <a:spLocks noChangeAspect="1"/>
+            </p:cNvSpPr>
+            <p:nvPr/>
+          </p:nvSpPr>
+          <p:spPr>
+            <a:xfrm>
+              <a:off x="8184566" y="1617633"/>
+              <a:ext cx="180000" cy="180000"/>
+            </a:xfrm>
+            <a:prstGeom prst="ellipse">
+              <a:avLst/>
+            </a:prstGeom>
+            <a:solidFill>
+              <a:srgbClr val="C00000"/>
+            </a:solidFill>
+            <a:ln>
+              <a:noFill/>
+            </a:ln>
+          </p:spPr>
+          <p:style>
+            <a:lnRef idx="2">
+              <a:schemeClr val="accent1">
+                <a:shade val="50000"/>
+              </a:schemeClr>
+            </a:lnRef>
+            <a:fillRef idx="1">
+              <a:schemeClr val="accent1"/>
+            </a:fillRef>
+            <a:effectRef idx="0">
+              <a:schemeClr val="accent1"/>
+            </a:effectRef>
+            <a:fontRef idx="minor">
+              <a:schemeClr val="lt1"/>
+            </a:fontRef>
+          </p:style>
+          <p:txBody>
+            <a:bodyPr rtlCol="0" anchor="ctr"/>
+            <a:lstStyle/>
+            <a:p>
+              <a:pPr algn="ctr"/>
+              <a:endParaRPr lang="en-US"/>
+            </a:p>
+          </p:txBody>
+        </p:sp>
+        <p:sp>
+          <p:nvSpPr>
+            <p:cNvPr id="67" name="Oval 66">
+              <a:extLst>
+                <a:ext uri="{FF2B5EF4-FFF2-40B4-BE49-F238E27FC236}">
+                  <a16:creationId xmlns:a16="http://schemas.microsoft.com/office/drawing/2014/main" id="{1D17B05C-DCA1-3659-9FC0-4CAF4EB5C41D}"/>
+                </a:ext>
+              </a:extLst>
+            </p:cNvPr>
+            <p:cNvSpPr>
+              <a:spLocks noChangeAspect="1"/>
+            </p:cNvSpPr>
+            <p:nvPr/>
+          </p:nvSpPr>
+          <p:spPr>
+            <a:xfrm>
+              <a:off x="8808219" y="991584"/>
+              <a:ext cx="180000" cy="180000"/>
+            </a:xfrm>
+            <a:prstGeom prst="ellipse">
+              <a:avLst/>
+            </a:prstGeom>
+            <a:solidFill>
+              <a:srgbClr val="C00000"/>
+            </a:solidFill>
+            <a:ln>
+              <a:noFill/>
+            </a:ln>
+          </p:spPr>
+          <p:style>
+            <a:lnRef idx="2">
+              <a:schemeClr val="accent1">
+                <a:shade val="50000"/>
+              </a:schemeClr>
+            </a:lnRef>
+            <a:fillRef idx="1">
+              <a:schemeClr val="accent1"/>
+            </a:fillRef>
+            <a:effectRef idx="0">
+              <a:schemeClr val="accent1"/>
+            </a:effectRef>
+            <a:fontRef idx="minor">
+              <a:schemeClr val="lt1"/>
+            </a:fontRef>
+          </p:style>
+          <p:txBody>
+            <a:bodyPr rtlCol="0" anchor="ctr"/>
+            <a:lstStyle/>
+            <a:p>
+              <a:pPr algn="ctr"/>
+              <a:endParaRPr lang="en-US"/>
+            </a:p>
+          </p:txBody>
+        </p:sp>
+        <p:sp>
+          <p:nvSpPr>
+            <p:cNvPr id="68" name="Oval 67">
+              <a:extLst>
+                <a:ext uri="{FF2B5EF4-FFF2-40B4-BE49-F238E27FC236}">
+                  <a16:creationId xmlns:a16="http://schemas.microsoft.com/office/drawing/2014/main" id="{A29E8097-6FE6-2EE5-646B-F1B412C0F5B5}"/>
+                </a:ext>
+              </a:extLst>
+            </p:cNvPr>
+            <p:cNvSpPr>
+              <a:spLocks noChangeAspect="1"/>
+            </p:cNvSpPr>
+            <p:nvPr/>
+          </p:nvSpPr>
+          <p:spPr>
+            <a:xfrm>
+              <a:off x="9671781" y="858570"/>
+              <a:ext cx="180000" cy="180000"/>
+            </a:xfrm>
+            <a:prstGeom prst="ellipse">
+              <a:avLst/>
+            </a:prstGeom>
+            <a:solidFill>
+              <a:srgbClr val="C00000"/>
+            </a:solidFill>
+            <a:ln>
+              <a:noFill/>
+            </a:ln>
+          </p:spPr>
+          <p:style>
+            <a:lnRef idx="2">
+              <a:schemeClr val="accent1">
+                <a:shade val="50000"/>
+              </a:schemeClr>
+            </a:lnRef>
+            <a:fillRef idx="1">
+              <a:schemeClr val="accent1"/>
+            </a:fillRef>
+            <a:effectRef idx="0">
+              <a:schemeClr val="accent1"/>
+            </a:effectRef>
+            <a:fontRef idx="minor">
+              <a:schemeClr val="lt1"/>
+            </a:fontRef>
+          </p:style>
+          <p:txBody>
+            <a:bodyPr rtlCol="0" anchor="ctr"/>
+            <a:lstStyle/>
+            <a:p>
+              <a:pPr algn="ctr"/>
+              <a:endParaRPr lang="en-US"/>
+            </a:p>
+          </p:txBody>
+        </p:sp>
+        <p:sp>
+          <p:nvSpPr>
+            <p:cNvPr id="69" name="Oval 68">
+              <a:extLst>
+                <a:ext uri="{FF2B5EF4-FFF2-40B4-BE49-F238E27FC236}">
+                  <a16:creationId xmlns:a16="http://schemas.microsoft.com/office/drawing/2014/main" id="{E03C8E0E-1C3E-A60E-3F59-B2D63A40CCFE}"/>
+                </a:ext>
+              </a:extLst>
+            </p:cNvPr>
+            <p:cNvSpPr>
+              <a:spLocks noChangeAspect="1"/>
+            </p:cNvSpPr>
+            <p:nvPr/>
+          </p:nvSpPr>
+          <p:spPr>
+            <a:xfrm>
+              <a:off x="10044898" y="768570"/>
+              <a:ext cx="180000" cy="180000"/>
+            </a:xfrm>
+            <a:prstGeom prst="ellipse">
+              <a:avLst/>
+            </a:prstGeom>
+            <a:solidFill>
+              <a:srgbClr val="C00000"/>
+            </a:solidFill>
+            <a:ln>
+              <a:noFill/>
+            </a:ln>
+          </p:spPr>
+          <p:style>
+            <a:lnRef idx="2">
+              <a:schemeClr val="accent1">
+                <a:shade val="50000"/>
+              </a:schemeClr>
+            </a:lnRef>
+            <a:fillRef idx="1">
+              <a:schemeClr val="accent1"/>
+            </a:fillRef>
+            <a:effectRef idx="0">
+              <a:schemeClr val="accent1"/>
+            </a:effectRef>
+            <a:fontRef idx="minor">
+              <a:schemeClr val="lt1"/>
+            </a:fontRef>
+          </p:style>
+          <p:txBody>
+            <a:bodyPr rtlCol="0" anchor="ctr"/>
+            <a:lstStyle/>
+            <a:p>
+              <a:pPr algn="ctr"/>
+              <a:endParaRPr lang="en-US"/>
+            </a:p>
+          </p:txBody>
+        </p:sp>
+        <p:sp>
+          <p:nvSpPr>
+            <p:cNvPr id="70" name="Oval 69">
+              <a:extLst>
+                <a:ext uri="{FF2B5EF4-FFF2-40B4-BE49-F238E27FC236}">
+                  <a16:creationId xmlns:a16="http://schemas.microsoft.com/office/drawing/2014/main" id="{3B495E5B-492B-27F9-45B2-D81996FD107D}"/>
+                </a:ext>
+              </a:extLst>
+            </p:cNvPr>
+            <p:cNvSpPr>
+              <a:spLocks noChangeAspect="1"/>
+            </p:cNvSpPr>
+            <p:nvPr/>
+          </p:nvSpPr>
+          <p:spPr>
+            <a:xfrm>
+              <a:off x="9227697" y="940336"/>
+              <a:ext cx="180000" cy="180000"/>
+            </a:xfrm>
+            <a:prstGeom prst="ellipse">
+              <a:avLst/>
+            </a:prstGeom>
+            <a:solidFill>
+              <a:srgbClr val="C00000"/>
+            </a:solidFill>
+            <a:ln>
+              <a:noFill/>
+            </a:ln>
+          </p:spPr>
+          <p:style>
+            <a:lnRef idx="2">
+              <a:schemeClr val="accent1">
+                <a:shade val="50000"/>
+              </a:schemeClr>
+            </a:lnRef>
+            <a:fillRef idx="1">
+              <a:schemeClr val="accent1"/>
+            </a:fillRef>
+            <a:effectRef idx="0">
+              <a:schemeClr val="accent1"/>
+            </a:effectRef>
+            <a:fontRef idx="minor">
+              <a:schemeClr val="lt1"/>
+            </a:fontRef>
+          </p:style>
+          <p:txBody>
+            <a:bodyPr rtlCol="0" anchor="ctr"/>
+            <a:lstStyle/>
+            <a:p>
+              <a:pPr algn="ctr"/>
+              <a:endParaRPr lang="en-US"/>
+            </a:p>
+          </p:txBody>
+        </p:sp>
+        <p:sp>
+          <p:nvSpPr>
+            <p:cNvPr id="71" name="Oval 70">
+              <a:extLst>
+                <a:ext uri="{FF2B5EF4-FFF2-40B4-BE49-F238E27FC236}">
+                  <a16:creationId xmlns:a16="http://schemas.microsoft.com/office/drawing/2014/main" id="{569B6752-E08D-E2BA-5D26-CA07C603D232}"/>
+                </a:ext>
+              </a:extLst>
+            </p:cNvPr>
+            <p:cNvSpPr>
+              <a:spLocks noChangeAspect="1"/>
+            </p:cNvSpPr>
+            <p:nvPr/>
+          </p:nvSpPr>
+          <p:spPr>
+            <a:xfrm>
+              <a:off x="10507395" y="1211661"/>
+              <a:ext cx="180000" cy="180000"/>
+            </a:xfrm>
+            <a:prstGeom prst="ellipse">
+              <a:avLst/>
+            </a:prstGeom>
+            <a:solidFill>
+              <a:srgbClr val="C00000"/>
+            </a:solidFill>
+            <a:ln>
+              <a:noFill/>
+            </a:ln>
+          </p:spPr>
+          <p:style>
+            <a:lnRef idx="2">
+              <a:schemeClr val="accent1">
+                <a:shade val="50000"/>
+              </a:schemeClr>
+            </a:lnRef>
+            <a:fillRef idx="1">
+              <a:schemeClr val="accent1"/>
+            </a:fillRef>
+            <a:effectRef idx="0">
+              <a:schemeClr val="accent1"/>
+            </a:effectRef>
+            <a:fontRef idx="minor">
+              <a:schemeClr val="lt1"/>
+            </a:fontRef>
+          </p:style>
+          <p:txBody>
+            <a:bodyPr rtlCol="0" anchor="ctr"/>
+            <a:lstStyle/>
+            <a:p>
+              <a:pPr algn="ctr"/>
+              <a:endParaRPr lang="en-US"/>
+            </a:p>
+          </p:txBody>
+        </p:sp>
+        <p:sp>
+          <p:nvSpPr>
+            <p:cNvPr id="72" name="Oval 71">
+              <a:extLst>
+                <a:ext uri="{FF2B5EF4-FFF2-40B4-BE49-F238E27FC236}">
+                  <a16:creationId xmlns:a16="http://schemas.microsoft.com/office/drawing/2014/main" id="{B8AE38BA-FA0F-7D80-3B94-A38CFFA0E027}"/>
+                </a:ext>
+              </a:extLst>
+            </p:cNvPr>
+            <p:cNvSpPr>
+              <a:spLocks noChangeAspect="1"/>
+            </p:cNvSpPr>
+            <p:nvPr/>
+          </p:nvSpPr>
+          <p:spPr>
+            <a:xfrm>
+              <a:off x="10314898" y="991584"/>
+              <a:ext cx="180000" cy="180000"/>
+            </a:xfrm>
+            <a:prstGeom prst="ellipse">
+              <a:avLst/>
+            </a:prstGeom>
+            <a:solidFill>
+              <a:srgbClr val="C00000"/>
+            </a:solidFill>
+            <a:ln>
+              <a:noFill/>
+            </a:ln>
+          </p:spPr>
+          <p:style>
+            <a:lnRef idx="2">
+              <a:schemeClr val="accent1">
+                <a:shade val="50000"/>
+              </a:schemeClr>
+            </a:lnRef>
+            <a:fillRef idx="1">
+              <a:schemeClr val="accent1"/>
+            </a:fillRef>
+            <a:effectRef idx="0">
+              <a:schemeClr val="accent1"/>
+            </a:effectRef>
+            <a:fontRef idx="minor">
+              <a:schemeClr val="lt1"/>
+            </a:fontRef>
+          </p:style>
+          <p:txBody>
+            <a:bodyPr rtlCol="0" anchor="ctr"/>
+            <a:lstStyle/>
+            <a:p>
+              <a:pPr algn="ctr"/>
+              <a:endParaRPr lang="en-US"/>
+            </a:p>
+          </p:txBody>
+        </p:sp>
+        <p:sp>
+          <p:nvSpPr>
+            <p:cNvPr id="75" name="Oval 74">
+              <a:extLst>
+                <a:ext uri="{FF2B5EF4-FFF2-40B4-BE49-F238E27FC236}">
+                  <a16:creationId xmlns:a16="http://schemas.microsoft.com/office/drawing/2014/main" id="{AA673CF5-20C4-1415-2FB8-D04ACFE83B09}"/>
+                </a:ext>
+              </a:extLst>
+            </p:cNvPr>
+            <p:cNvSpPr/>
+            <p:nvPr/>
+          </p:nvSpPr>
+          <p:spPr>
+            <a:xfrm rot="20970913">
+              <a:off x="7956331" y="1171584"/>
+              <a:ext cx="527780" cy="709768"/>
+            </a:xfrm>
+            <a:prstGeom prst="ellipse">
+              <a:avLst/>
+            </a:prstGeom>
+            <a:noFill/>
+            <a:ln>
+              <a:solidFill>
+                <a:schemeClr val="tx2"/>
+              </a:solidFill>
+            </a:ln>
+          </p:spPr>
+          <p:style>
+            <a:lnRef idx="2">
+              <a:schemeClr val="accent1">
+                <a:shade val="50000"/>
+              </a:schemeClr>
+            </a:lnRef>
+            <a:fillRef idx="1">
+              <a:schemeClr val="accent1"/>
+            </a:fillRef>
+            <a:effectRef idx="0">
+              <a:schemeClr val="accent1"/>
+            </a:effectRef>
+            <a:fontRef idx="minor">
+              <a:schemeClr val="lt1"/>
+            </a:fontRef>
+          </p:style>
+          <p:txBody>
+            <a:bodyPr rtlCol="0" anchor="ctr"/>
+            <a:lstStyle/>
+            <a:p>
+              <a:pPr algn="ctr"/>
+              <a:endParaRPr lang="en-US"/>
+            </a:p>
+          </p:txBody>
+        </p:sp>
+        <p:sp>
+          <p:nvSpPr>
+            <p:cNvPr id="76" name="Oval 75">
+              <a:extLst>
+                <a:ext uri="{FF2B5EF4-FFF2-40B4-BE49-F238E27FC236}">
+                  <a16:creationId xmlns:a16="http://schemas.microsoft.com/office/drawing/2014/main" id="{34499751-D286-AD9B-30A1-AB05974A4EB6}"/>
+                </a:ext>
+              </a:extLst>
+            </p:cNvPr>
+            <p:cNvSpPr/>
+            <p:nvPr/>
+          </p:nvSpPr>
+          <p:spPr>
+            <a:xfrm rot="4171390">
+              <a:off x="8116338" y="530727"/>
+              <a:ext cx="527780" cy="709768"/>
+            </a:xfrm>
+            <a:prstGeom prst="ellipse">
+              <a:avLst/>
+            </a:prstGeom>
+            <a:noFill/>
+            <a:ln>
+              <a:solidFill>
+                <a:schemeClr val="tx2"/>
+              </a:solidFill>
+            </a:ln>
+          </p:spPr>
+          <p:style>
+            <a:lnRef idx="2">
+              <a:schemeClr val="accent1">
+                <a:shade val="50000"/>
+              </a:schemeClr>
+            </a:lnRef>
+            <a:fillRef idx="1">
+              <a:schemeClr val="accent1"/>
+            </a:fillRef>
+            <a:effectRef idx="0">
+              <a:schemeClr val="accent1"/>
+            </a:effectRef>
+            <a:fontRef idx="minor">
+              <a:schemeClr val="lt1"/>
+            </a:fontRef>
+          </p:style>
+          <p:txBody>
+            <a:bodyPr rtlCol="0" anchor="ctr"/>
+            <a:lstStyle/>
+            <a:p>
+              <a:pPr algn="ctr"/>
+              <a:endParaRPr lang="en-US"/>
+            </a:p>
+          </p:txBody>
+        </p:sp>
+        <p:sp>
+          <p:nvSpPr>
+            <p:cNvPr id="77" name="Oval 76">
+              <a:extLst>
+                <a:ext uri="{FF2B5EF4-FFF2-40B4-BE49-F238E27FC236}">
+                  <a16:creationId xmlns:a16="http://schemas.microsoft.com/office/drawing/2014/main" id="{BAFD666A-C38D-0EB4-71DD-E940F5ABA20B}"/>
+                </a:ext>
+              </a:extLst>
+            </p:cNvPr>
+            <p:cNvSpPr/>
+            <p:nvPr/>
+          </p:nvSpPr>
+          <p:spPr>
+            <a:xfrm rot="5171860">
+              <a:off x="8823927" y="684549"/>
+              <a:ext cx="527780" cy="709768"/>
+            </a:xfrm>
+            <a:prstGeom prst="ellipse">
+              <a:avLst/>
+            </a:prstGeom>
+            <a:noFill/>
+            <a:ln>
+              <a:solidFill>
+                <a:schemeClr val="tx2"/>
+              </a:solidFill>
+            </a:ln>
+          </p:spPr>
+          <p:style>
+            <a:lnRef idx="2">
+              <a:schemeClr val="accent1">
+                <a:shade val="50000"/>
+              </a:schemeClr>
+            </a:lnRef>
+            <a:fillRef idx="1">
+              <a:schemeClr val="accent1"/>
+            </a:fillRef>
+            <a:effectRef idx="0">
+              <a:schemeClr val="accent1"/>
+            </a:effectRef>
+            <a:fontRef idx="minor">
+              <a:schemeClr val="lt1"/>
+            </a:fontRef>
+          </p:style>
+          <p:txBody>
+            <a:bodyPr rtlCol="0" anchor="ctr"/>
+            <a:lstStyle/>
+            <a:p>
+              <a:pPr algn="ctr"/>
+              <a:endParaRPr lang="en-US"/>
+            </a:p>
+          </p:txBody>
+        </p:sp>
+        <p:sp>
+          <p:nvSpPr>
+            <p:cNvPr id="78" name="Oval 77">
+              <a:extLst>
+                <a:ext uri="{FF2B5EF4-FFF2-40B4-BE49-F238E27FC236}">
+                  <a16:creationId xmlns:a16="http://schemas.microsoft.com/office/drawing/2014/main" id="{F22C22FB-8368-88E0-45D7-ED33588919DA}"/>
+                </a:ext>
+              </a:extLst>
+            </p:cNvPr>
+            <p:cNvSpPr/>
+            <p:nvPr/>
+          </p:nvSpPr>
+          <p:spPr>
+            <a:xfrm rot="4733651">
+              <a:off x="9658647" y="523643"/>
+              <a:ext cx="527780" cy="709768"/>
+            </a:xfrm>
+            <a:prstGeom prst="ellipse">
+              <a:avLst/>
+            </a:prstGeom>
+            <a:noFill/>
+            <a:ln>
+              <a:solidFill>
+                <a:schemeClr val="tx2"/>
+              </a:solidFill>
+            </a:ln>
+          </p:spPr>
+          <p:style>
+            <a:lnRef idx="2">
+              <a:schemeClr val="accent1">
+                <a:shade val="50000"/>
+              </a:schemeClr>
+            </a:lnRef>
+            <a:fillRef idx="1">
+              <a:schemeClr val="accent1"/>
+            </a:fillRef>
+            <a:effectRef idx="0">
+              <a:schemeClr val="accent1"/>
+            </a:effectRef>
+            <a:fontRef idx="minor">
+              <a:schemeClr val="lt1"/>
+            </a:fontRef>
+          </p:style>
+          <p:txBody>
+            <a:bodyPr rtlCol="0" anchor="ctr"/>
+            <a:lstStyle/>
+            <a:p>
+              <a:pPr algn="ctr"/>
+              <a:endParaRPr lang="en-US"/>
+            </a:p>
+          </p:txBody>
+        </p:sp>
+        <p:sp>
+          <p:nvSpPr>
+            <p:cNvPr id="79" name="Oval 78">
+              <a:extLst>
+                <a:ext uri="{FF2B5EF4-FFF2-40B4-BE49-F238E27FC236}">
+                  <a16:creationId xmlns:a16="http://schemas.microsoft.com/office/drawing/2014/main" id="{7D99BE9C-E136-E376-908C-9A67190B2177}"/>
+                </a:ext>
+              </a:extLst>
+            </p:cNvPr>
+            <p:cNvSpPr/>
+            <p:nvPr/>
+          </p:nvSpPr>
+          <p:spPr>
+            <a:xfrm rot="19634883">
+              <a:off x="10252027" y="874917"/>
+              <a:ext cx="527780" cy="709768"/>
+            </a:xfrm>
+            <a:prstGeom prst="ellipse">
+              <a:avLst/>
+            </a:prstGeom>
+            <a:noFill/>
+            <a:ln>
+              <a:solidFill>
+                <a:schemeClr val="tx2"/>
+              </a:solidFill>
+            </a:ln>
+          </p:spPr>
+          <p:style>
+            <a:lnRef idx="2">
+              <a:schemeClr val="accent1">
+                <a:shade val="50000"/>
+              </a:schemeClr>
+            </a:lnRef>
+            <a:fillRef idx="1">
+              <a:schemeClr val="accent1"/>
+            </a:fillRef>
+            <a:effectRef idx="0">
+              <a:schemeClr val="accent1"/>
+            </a:effectRef>
+            <a:fontRef idx="minor">
+              <a:schemeClr val="lt1"/>
+            </a:fontRef>
+          </p:style>
+          <p:txBody>
+            <a:bodyPr rtlCol="0" anchor="ctr"/>
+            <a:lstStyle/>
+            <a:p>
+              <a:pPr algn="ctr"/>
+              <a:endParaRPr lang="en-US"/>
+            </a:p>
+          </p:txBody>
+        </p:sp>
+      </p:grpSp>
+      <p:grpSp>
+        <p:nvGrpSpPr>
+          <p:cNvPr id="220" name="Group 219">
+            <a:extLst>
+              <a:ext uri="{FF2B5EF4-FFF2-40B4-BE49-F238E27FC236}">
+                <a16:creationId xmlns:a16="http://schemas.microsoft.com/office/drawing/2014/main" id="{85EDA598-8CAC-1D8B-E4C5-66718A4596B7}"/>
+              </a:ext>
+            </a:extLst>
+          </p:cNvPr>
+          <p:cNvGrpSpPr/>
+          <p:nvPr/>
+        </p:nvGrpSpPr>
+        <p:grpSpPr>
+          <a:xfrm>
+            <a:off x="6546367" y="408635"/>
+            <a:ext cx="1618635" cy="986028"/>
+            <a:chOff x="7780560" y="3025369"/>
+            <a:chExt cx="1618635" cy="986028"/>
+          </a:xfrm>
+        </p:grpSpPr>
+        <p:sp>
+          <p:nvSpPr>
+            <p:cNvPr id="80" name="Oval 79">
+              <a:extLst>
+                <a:ext uri="{FF2B5EF4-FFF2-40B4-BE49-F238E27FC236}">
+                  <a16:creationId xmlns:a16="http://schemas.microsoft.com/office/drawing/2014/main" id="{76075A14-FAF7-ABB7-C778-D8E45C671D48}"/>
+                </a:ext>
+              </a:extLst>
+            </p:cNvPr>
+            <p:cNvSpPr>
+              <a:spLocks noChangeAspect="1"/>
+            </p:cNvSpPr>
+            <p:nvPr/>
+          </p:nvSpPr>
+          <p:spPr>
+            <a:xfrm>
+              <a:off x="7780560" y="3295369"/>
+              <a:ext cx="180000" cy="180000"/>
+            </a:xfrm>
+            <a:prstGeom prst="ellipse">
+              <a:avLst/>
+            </a:prstGeom>
+            <a:solidFill>
+              <a:srgbClr val="C00000"/>
+            </a:solidFill>
+            <a:ln>
+              <a:noFill/>
+            </a:ln>
+          </p:spPr>
+          <p:style>
+            <a:lnRef idx="2">
+              <a:schemeClr val="accent1">
+                <a:shade val="50000"/>
+              </a:schemeClr>
+            </a:lnRef>
+            <a:fillRef idx="1">
+              <a:schemeClr val="accent1"/>
+            </a:fillRef>
+            <a:effectRef idx="0">
+              <a:schemeClr val="accent1"/>
+            </a:effectRef>
+            <a:fontRef idx="minor">
+              <a:schemeClr val="lt1"/>
+            </a:fontRef>
+          </p:style>
+          <p:txBody>
+            <a:bodyPr rtlCol="0" anchor="ctr"/>
+            <a:lstStyle/>
+            <a:p>
+              <a:pPr algn="ctr"/>
+              <a:endParaRPr lang="en-US"/>
+            </a:p>
+          </p:txBody>
+        </p:sp>
+        <p:sp>
+          <p:nvSpPr>
+            <p:cNvPr id="81" name="Oval 80">
+              <a:extLst>
+                <a:ext uri="{FF2B5EF4-FFF2-40B4-BE49-F238E27FC236}">
+                  <a16:creationId xmlns:a16="http://schemas.microsoft.com/office/drawing/2014/main" id="{E936EC89-7280-74F2-C88A-6D54342FF6D2}"/>
+                </a:ext>
+              </a:extLst>
+            </p:cNvPr>
+            <p:cNvSpPr>
+              <a:spLocks noChangeAspect="1"/>
+            </p:cNvSpPr>
+            <p:nvPr/>
+          </p:nvSpPr>
+          <p:spPr>
+            <a:xfrm>
+              <a:off x="8153677" y="3205369"/>
+              <a:ext cx="180000" cy="180000"/>
+            </a:xfrm>
+            <a:prstGeom prst="ellipse">
+              <a:avLst/>
+            </a:prstGeom>
+            <a:solidFill>
+              <a:srgbClr val="C00000"/>
+            </a:solidFill>
+            <a:ln>
+              <a:noFill/>
+            </a:ln>
+          </p:spPr>
+          <p:style>
+            <a:lnRef idx="2">
+              <a:schemeClr val="accent1">
+                <a:shade val="50000"/>
+              </a:schemeClr>
+            </a:lnRef>
+            <a:fillRef idx="1">
+              <a:schemeClr val="accent1"/>
+            </a:fillRef>
+            <a:effectRef idx="0">
+              <a:schemeClr val="accent1"/>
+            </a:effectRef>
+            <a:fontRef idx="minor">
+              <a:schemeClr val="lt1"/>
+            </a:fontRef>
+          </p:style>
+          <p:txBody>
+            <a:bodyPr rtlCol="0" anchor="ctr"/>
+            <a:lstStyle/>
+            <a:p>
+              <a:pPr algn="ctr"/>
+              <a:endParaRPr lang="en-US"/>
+            </a:p>
+          </p:txBody>
+        </p:sp>
+        <p:sp>
+          <p:nvSpPr>
+            <p:cNvPr id="82" name="Oval 81">
+              <a:extLst>
+                <a:ext uri="{FF2B5EF4-FFF2-40B4-BE49-F238E27FC236}">
+                  <a16:creationId xmlns:a16="http://schemas.microsoft.com/office/drawing/2014/main" id="{EA5EAFEB-087B-7F85-7A8C-CEE25091B7FC}"/>
+                </a:ext>
+              </a:extLst>
+            </p:cNvPr>
+            <p:cNvSpPr>
+              <a:spLocks noChangeAspect="1"/>
+            </p:cNvSpPr>
+            <p:nvPr/>
+          </p:nvSpPr>
+          <p:spPr>
+            <a:xfrm>
+              <a:off x="8109145" y="3515929"/>
+              <a:ext cx="180000" cy="180000"/>
+            </a:xfrm>
+            <a:prstGeom prst="ellipse">
+              <a:avLst/>
+            </a:prstGeom>
+            <a:solidFill>
+              <a:srgbClr val="C00000"/>
+            </a:solidFill>
+            <a:ln>
+              <a:noFill/>
+            </a:ln>
+          </p:spPr>
+          <p:style>
+            <a:lnRef idx="2">
+              <a:schemeClr val="accent1">
+                <a:shade val="50000"/>
+              </a:schemeClr>
+            </a:lnRef>
+            <a:fillRef idx="1">
+              <a:schemeClr val="accent1"/>
+            </a:fillRef>
+            <a:effectRef idx="0">
+              <a:schemeClr val="accent1"/>
+            </a:effectRef>
+            <a:fontRef idx="minor">
+              <a:schemeClr val="lt1"/>
+            </a:fontRef>
+          </p:style>
+          <p:txBody>
+            <a:bodyPr rtlCol="0" anchor="ctr"/>
+            <a:lstStyle/>
+            <a:p>
+              <a:pPr algn="ctr"/>
+              <a:endParaRPr lang="en-US"/>
+            </a:p>
+          </p:txBody>
+        </p:sp>
+        <p:sp>
+          <p:nvSpPr>
+            <p:cNvPr id="83" name="Oval 82">
+              <a:extLst>
+                <a:ext uri="{FF2B5EF4-FFF2-40B4-BE49-F238E27FC236}">
+                  <a16:creationId xmlns:a16="http://schemas.microsoft.com/office/drawing/2014/main" id="{89963374-1E7F-EF99-EEC7-38DE1B5C69FD}"/>
+                </a:ext>
+              </a:extLst>
+            </p:cNvPr>
+            <p:cNvSpPr>
+              <a:spLocks noChangeAspect="1"/>
+            </p:cNvSpPr>
+            <p:nvPr/>
+          </p:nvSpPr>
+          <p:spPr>
+            <a:xfrm>
+              <a:off x="8333677" y="3831397"/>
+              <a:ext cx="180000" cy="180000"/>
+            </a:xfrm>
+            <a:prstGeom prst="ellipse">
+              <a:avLst/>
+            </a:prstGeom>
+            <a:solidFill>
+              <a:srgbClr val="C00000"/>
+            </a:solidFill>
+            <a:ln>
+              <a:noFill/>
+            </a:ln>
+          </p:spPr>
+          <p:style>
+            <a:lnRef idx="2">
+              <a:schemeClr val="accent1">
+                <a:shade val="50000"/>
+              </a:schemeClr>
+            </a:lnRef>
+            <a:fillRef idx="1">
+              <a:schemeClr val="accent1"/>
+            </a:fillRef>
+            <a:effectRef idx="0">
+              <a:schemeClr val="accent1"/>
+            </a:effectRef>
+            <a:fontRef idx="minor">
+              <a:schemeClr val="lt1"/>
+            </a:fontRef>
+          </p:style>
+          <p:txBody>
+            <a:bodyPr rtlCol="0" anchor="ctr"/>
+            <a:lstStyle/>
+            <a:p>
+              <a:pPr algn="ctr"/>
+              <a:endParaRPr lang="en-US"/>
+            </a:p>
+          </p:txBody>
+        </p:sp>
+        <p:sp>
+          <p:nvSpPr>
+            <p:cNvPr id="84" name="Oval 83">
+              <a:extLst>
+                <a:ext uri="{FF2B5EF4-FFF2-40B4-BE49-F238E27FC236}">
+                  <a16:creationId xmlns:a16="http://schemas.microsoft.com/office/drawing/2014/main" id="{9AB3CA90-6E6D-0F20-E5FF-C12606A236F4}"/>
+                </a:ext>
+              </a:extLst>
+            </p:cNvPr>
+            <p:cNvSpPr>
+              <a:spLocks noChangeAspect="1"/>
+            </p:cNvSpPr>
+            <p:nvPr/>
+          </p:nvSpPr>
+          <p:spPr>
+            <a:xfrm>
+              <a:off x="8519947" y="3447418"/>
+              <a:ext cx="180000" cy="180000"/>
+            </a:xfrm>
+            <a:prstGeom prst="ellipse">
+              <a:avLst/>
+            </a:prstGeom>
+            <a:solidFill>
+              <a:srgbClr val="C00000"/>
+            </a:solidFill>
+            <a:ln>
+              <a:noFill/>
+            </a:ln>
+          </p:spPr>
+          <p:style>
+            <a:lnRef idx="2">
+              <a:schemeClr val="accent1">
+                <a:shade val="50000"/>
+              </a:schemeClr>
+            </a:lnRef>
+            <a:fillRef idx="1">
+              <a:schemeClr val="accent1"/>
+            </a:fillRef>
+            <a:effectRef idx="0">
+              <a:schemeClr val="accent1"/>
+            </a:effectRef>
+            <a:fontRef idx="minor">
+              <a:schemeClr val="lt1"/>
+            </a:fontRef>
+          </p:style>
+          <p:txBody>
+            <a:bodyPr rtlCol="0" anchor="ctr"/>
+            <a:lstStyle/>
+            <a:p>
+              <a:pPr algn="ctr"/>
+              <a:endParaRPr lang="en-US"/>
+            </a:p>
+          </p:txBody>
+        </p:sp>
+        <p:sp>
+          <p:nvSpPr>
+            <p:cNvPr id="85" name="Oval 84">
+              <a:extLst>
+                <a:ext uri="{FF2B5EF4-FFF2-40B4-BE49-F238E27FC236}">
+                  <a16:creationId xmlns:a16="http://schemas.microsoft.com/office/drawing/2014/main" id="{2E70ED28-DA8E-4CAE-14E2-3B2E7443E235}"/>
+                </a:ext>
+              </a:extLst>
+            </p:cNvPr>
+            <p:cNvSpPr>
+              <a:spLocks noChangeAspect="1"/>
+            </p:cNvSpPr>
+            <p:nvPr/>
+          </p:nvSpPr>
+          <p:spPr>
+            <a:xfrm>
+              <a:off x="8576078" y="3115369"/>
+              <a:ext cx="180000" cy="180000"/>
+            </a:xfrm>
+            <a:prstGeom prst="ellipse">
+              <a:avLst/>
+            </a:prstGeom>
+            <a:solidFill>
+              <a:srgbClr val="C00000"/>
+            </a:solidFill>
+            <a:ln>
+              <a:noFill/>
+            </a:ln>
+          </p:spPr>
+          <p:style>
+            <a:lnRef idx="2">
+              <a:schemeClr val="accent1">
+                <a:shade val="50000"/>
+              </a:schemeClr>
+            </a:lnRef>
+            <a:fillRef idx="1">
+              <a:schemeClr val="accent1"/>
+            </a:fillRef>
+            <a:effectRef idx="0">
+              <a:schemeClr val="accent1"/>
+            </a:effectRef>
+            <a:fontRef idx="minor">
+              <a:schemeClr val="lt1"/>
+            </a:fontRef>
+          </p:style>
+          <p:txBody>
+            <a:bodyPr rtlCol="0" anchor="ctr"/>
+            <a:lstStyle/>
+            <a:p>
+              <a:pPr algn="ctr"/>
+              <a:endParaRPr lang="en-US"/>
+            </a:p>
+          </p:txBody>
+        </p:sp>
+        <p:sp>
+          <p:nvSpPr>
+            <p:cNvPr id="86" name="Rectangle 85">
+              <a:extLst>
+                <a:ext uri="{FF2B5EF4-FFF2-40B4-BE49-F238E27FC236}">
+                  <a16:creationId xmlns:a16="http://schemas.microsoft.com/office/drawing/2014/main" id="{3B40B2B7-ECBA-B3CE-0A5D-07A95DD53E1A}"/>
+                </a:ext>
+              </a:extLst>
+            </p:cNvPr>
+            <p:cNvSpPr>
+              <a:spLocks noChangeAspect="1"/>
+            </p:cNvSpPr>
+            <p:nvPr/>
+          </p:nvSpPr>
+          <p:spPr>
+            <a:xfrm>
+              <a:off x="8949195" y="3025369"/>
+              <a:ext cx="180000" cy="180000"/>
+            </a:xfrm>
+            <a:prstGeom prst="rect">
+              <a:avLst/>
+            </a:prstGeom>
+            <a:solidFill>
+              <a:srgbClr val="C00000"/>
+            </a:solidFill>
+            <a:ln>
+              <a:noFill/>
+            </a:ln>
+          </p:spPr>
+          <p:style>
+            <a:lnRef idx="2">
+              <a:schemeClr val="accent1">
+                <a:shade val="50000"/>
+              </a:schemeClr>
+            </a:lnRef>
+            <a:fillRef idx="1">
+              <a:schemeClr val="accent1"/>
+            </a:fillRef>
+            <a:effectRef idx="0">
+              <a:schemeClr val="accent1"/>
+            </a:effectRef>
+            <a:fontRef idx="minor">
+              <a:schemeClr val="lt1"/>
+            </a:fontRef>
+          </p:style>
+          <p:txBody>
+            <a:bodyPr rtlCol="0" anchor="ctr"/>
+            <a:lstStyle/>
+            <a:p>
+              <a:pPr algn="ctr"/>
+              <a:endParaRPr lang="en-US"/>
+            </a:p>
+          </p:txBody>
+        </p:sp>
+        <p:sp>
+          <p:nvSpPr>
+            <p:cNvPr id="87" name="Rectangle 86">
+              <a:extLst>
+                <a:ext uri="{FF2B5EF4-FFF2-40B4-BE49-F238E27FC236}">
+                  <a16:creationId xmlns:a16="http://schemas.microsoft.com/office/drawing/2014/main" id="{D5627B9C-C28C-5B59-A90D-52118038D511}"/>
+                </a:ext>
+              </a:extLst>
+            </p:cNvPr>
+            <p:cNvSpPr>
+              <a:spLocks noChangeAspect="1"/>
+            </p:cNvSpPr>
+            <p:nvPr/>
+          </p:nvSpPr>
+          <p:spPr>
+            <a:xfrm>
+              <a:off x="8846078" y="3392260"/>
+              <a:ext cx="180000" cy="180000"/>
+            </a:xfrm>
+            <a:prstGeom prst="rect">
+              <a:avLst/>
+            </a:prstGeom>
+            <a:solidFill>
+              <a:srgbClr val="C00000"/>
+            </a:solidFill>
+            <a:ln>
+              <a:noFill/>
+            </a:ln>
+          </p:spPr>
+          <p:style>
+            <a:lnRef idx="2">
+              <a:schemeClr val="accent1">
+                <a:shade val="50000"/>
+              </a:schemeClr>
+            </a:lnRef>
+            <a:fillRef idx="1">
+              <a:schemeClr val="accent1"/>
+            </a:fillRef>
+            <a:effectRef idx="0">
+              <a:schemeClr val="accent1"/>
+            </a:effectRef>
+            <a:fontRef idx="minor">
+              <a:schemeClr val="lt1"/>
+            </a:fontRef>
+          </p:style>
+          <p:txBody>
+            <a:bodyPr rtlCol="0" anchor="ctr"/>
+            <a:lstStyle/>
+            <a:p>
+              <a:pPr algn="ctr"/>
+              <a:endParaRPr lang="en-US"/>
+            </a:p>
+          </p:txBody>
+        </p:sp>
+        <p:sp>
+          <p:nvSpPr>
+            <p:cNvPr id="88" name="Rectangle 87">
+              <a:extLst>
+                <a:ext uri="{FF2B5EF4-FFF2-40B4-BE49-F238E27FC236}">
+                  <a16:creationId xmlns:a16="http://schemas.microsoft.com/office/drawing/2014/main" id="{28C81FCD-2447-5D69-CB07-B1C84599A4D4}"/>
+                </a:ext>
+              </a:extLst>
+            </p:cNvPr>
+            <p:cNvSpPr>
+              <a:spLocks noChangeAspect="1"/>
+            </p:cNvSpPr>
+            <p:nvPr/>
+          </p:nvSpPr>
+          <p:spPr>
+            <a:xfrm>
+              <a:off x="9129195" y="3651397"/>
+              <a:ext cx="180000" cy="180000"/>
+            </a:xfrm>
+            <a:prstGeom prst="rect">
+              <a:avLst/>
+            </a:prstGeom>
+            <a:solidFill>
+              <a:srgbClr val="C00000"/>
+            </a:solidFill>
+            <a:ln>
+              <a:noFill/>
+            </a:ln>
+          </p:spPr>
+          <p:style>
+            <a:lnRef idx="2">
+              <a:schemeClr val="accent1">
+                <a:shade val="50000"/>
+              </a:schemeClr>
+            </a:lnRef>
+            <a:fillRef idx="1">
+              <a:schemeClr val="accent1"/>
+            </a:fillRef>
+            <a:effectRef idx="0">
+              <a:schemeClr val="accent1"/>
+            </a:effectRef>
+            <a:fontRef idx="minor">
+              <a:schemeClr val="lt1"/>
+            </a:fontRef>
+          </p:style>
+          <p:txBody>
+            <a:bodyPr rtlCol="0" anchor="ctr"/>
+            <a:lstStyle/>
+            <a:p>
+              <a:pPr algn="ctr"/>
+              <a:endParaRPr lang="en-US"/>
+            </a:p>
+          </p:txBody>
+        </p:sp>
+        <p:sp>
+          <p:nvSpPr>
+            <p:cNvPr id="89" name="Rectangle 88">
+              <a:extLst>
+                <a:ext uri="{FF2B5EF4-FFF2-40B4-BE49-F238E27FC236}">
+                  <a16:creationId xmlns:a16="http://schemas.microsoft.com/office/drawing/2014/main" id="{53060AE2-9127-746C-6084-70CDC0AED955}"/>
+                </a:ext>
+              </a:extLst>
+            </p:cNvPr>
+            <p:cNvSpPr>
+              <a:spLocks noChangeAspect="1"/>
+            </p:cNvSpPr>
+            <p:nvPr/>
+          </p:nvSpPr>
+          <p:spPr>
+            <a:xfrm>
+              <a:off x="9219195" y="3248383"/>
+              <a:ext cx="180000" cy="180000"/>
+            </a:xfrm>
+            <a:prstGeom prst="rect">
+              <a:avLst/>
+            </a:prstGeom>
+            <a:solidFill>
+              <a:srgbClr val="C00000"/>
+            </a:solidFill>
+            <a:ln>
+              <a:noFill/>
+            </a:ln>
+          </p:spPr>
+          <p:style>
+            <a:lnRef idx="2">
+              <a:schemeClr val="accent1">
+                <a:shade val="50000"/>
+              </a:schemeClr>
+            </a:lnRef>
+            <a:fillRef idx="1">
+              <a:schemeClr val="accent1"/>
+            </a:fillRef>
+            <a:effectRef idx="0">
+              <a:schemeClr val="accent1"/>
+            </a:effectRef>
+            <a:fontRef idx="minor">
+              <a:schemeClr val="lt1"/>
+            </a:fontRef>
+          </p:style>
+          <p:txBody>
+            <a:bodyPr rtlCol="0" anchor="ctr"/>
+            <a:lstStyle/>
+            <a:p>
+              <a:pPr algn="ctr"/>
+              <a:endParaRPr lang="en-US"/>
+            </a:p>
+          </p:txBody>
+        </p:sp>
+      </p:grpSp>
+      <p:grpSp>
+        <p:nvGrpSpPr>
+          <p:cNvPr id="221" name="Group 220">
+            <a:extLst>
+              <a:ext uri="{FF2B5EF4-FFF2-40B4-BE49-F238E27FC236}">
+                <a16:creationId xmlns:a16="http://schemas.microsoft.com/office/drawing/2014/main" id="{55EFE997-50F3-3C08-7C91-172156521DFB}"/>
+              </a:ext>
+            </a:extLst>
+          </p:cNvPr>
+          <p:cNvGrpSpPr/>
+          <p:nvPr/>
+        </p:nvGrpSpPr>
+        <p:grpSpPr>
+          <a:xfrm>
+            <a:off x="9154936" y="419924"/>
+            <a:ext cx="1601612" cy="964087"/>
+            <a:chOff x="5735908" y="4305849"/>
+            <a:chExt cx="1601612" cy="964087"/>
+          </a:xfrm>
+        </p:grpSpPr>
+        <p:sp>
+          <p:nvSpPr>
+            <p:cNvPr id="90" name="Moon 89">
+              <a:extLst>
+                <a:ext uri="{FF2B5EF4-FFF2-40B4-BE49-F238E27FC236}">
+                  <a16:creationId xmlns:a16="http://schemas.microsoft.com/office/drawing/2014/main" id="{6BB60926-D19C-715F-367F-7E8F3A225163}"/>
+                </a:ext>
+              </a:extLst>
+            </p:cNvPr>
+            <p:cNvSpPr>
+              <a:spLocks noChangeAspect="1"/>
+            </p:cNvSpPr>
+            <p:nvPr/>
+          </p:nvSpPr>
+          <p:spPr>
+            <a:xfrm>
+              <a:off x="5735908" y="4560869"/>
+              <a:ext cx="173039" cy="173039"/>
+            </a:xfrm>
+            <a:prstGeom prst="moon">
+              <a:avLst/>
+            </a:prstGeom>
+            <a:solidFill>
+              <a:srgbClr val="C00000"/>
+            </a:solidFill>
+            <a:ln>
+              <a:noFill/>
+            </a:ln>
+          </p:spPr>
+          <p:style>
+            <a:lnRef idx="2">
+              <a:schemeClr val="accent1">
+                <a:shade val="50000"/>
+              </a:schemeClr>
+            </a:lnRef>
+            <a:fillRef idx="1">
+              <a:schemeClr val="accent1"/>
+            </a:fillRef>
+            <a:effectRef idx="0">
+              <a:schemeClr val="accent1"/>
+            </a:effectRef>
+            <a:fontRef idx="minor">
+              <a:schemeClr val="lt1"/>
+            </a:fontRef>
+          </p:style>
+          <p:txBody>
+            <a:bodyPr rtlCol="0" anchor="ctr"/>
+            <a:lstStyle/>
+            <a:p>
+              <a:pPr algn="ctr"/>
+              <a:endParaRPr lang="en-US"/>
+            </a:p>
+          </p:txBody>
+        </p:sp>
+        <p:sp>
+          <p:nvSpPr>
+            <p:cNvPr id="91" name="Moon 90">
+              <a:extLst>
+                <a:ext uri="{FF2B5EF4-FFF2-40B4-BE49-F238E27FC236}">
+                  <a16:creationId xmlns:a16="http://schemas.microsoft.com/office/drawing/2014/main" id="{C2DE6A33-F412-F8C7-D23F-4FF5FE25CB81}"/>
+                </a:ext>
+              </a:extLst>
+            </p:cNvPr>
+            <p:cNvSpPr>
+              <a:spLocks noChangeAspect="1"/>
+            </p:cNvSpPr>
+            <p:nvPr/>
+          </p:nvSpPr>
+          <p:spPr>
+            <a:xfrm>
+              <a:off x="6109025" y="4470869"/>
+              <a:ext cx="173039" cy="173039"/>
+            </a:xfrm>
+            <a:prstGeom prst="moon">
+              <a:avLst/>
+            </a:prstGeom>
+            <a:solidFill>
+              <a:srgbClr val="C00000"/>
+            </a:solidFill>
+            <a:ln>
+              <a:noFill/>
+            </a:ln>
+          </p:spPr>
+          <p:style>
+            <a:lnRef idx="2">
+              <a:schemeClr val="accent1">
+                <a:shade val="50000"/>
+              </a:schemeClr>
+            </a:lnRef>
+            <a:fillRef idx="1">
+              <a:schemeClr val="accent1"/>
+            </a:fillRef>
+            <a:effectRef idx="0">
+              <a:schemeClr val="accent1"/>
+            </a:effectRef>
+            <a:fontRef idx="minor">
+              <a:schemeClr val="lt1"/>
+            </a:fontRef>
+          </p:style>
+          <p:txBody>
+            <a:bodyPr rtlCol="0" anchor="ctr"/>
+            <a:lstStyle/>
+            <a:p>
+              <a:pPr algn="ctr"/>
+              <a:endParaRPr lang="en-US"/>
+            </a:p>
+          </p:txBody>
+        </p:sp>
+        <p:sp>
+          <p:nvSpPr>
+            <p:cNvPr id="92" name="Moon 91">
+              <a:extLst>
+                <a:ext uri="{FF2B5EF4-FFF2-40B4-BE49-F238E27FC236}">
+                  <a16:creationId xmlns:a16="http://schemas.microsoft.com/office/drawing/2014/main" id="{9A4FDF28-7C66-8001-E976-06CE281C0095}"/>
+                </a:ext>
+              </a:extLst>
+            </p:cNvPr>
+            <p:cNvSpPr>
+              <a:spLocks noChangeAspect="1"/>
+            </p:cNvSpPr>
+            <p:nvPr/>
+          </p:nvSpPr>
+          <p:spPr>
+            <a:xfrm>
+              <a:off x="6064493" y="4792718"/>
+              <a:ext cx="173039" cy="173039"/>
+            </a:xfrm>
+            <a:prstGeom prst="moon">
+              <a:avLst/>
+            </a:prstGeom>
+            <a:solidFill>
+              <a:srgbClr val="C00000"/>
+            </a:solidFill>
+            <a:ln>
+              <a:noFill/>
+            </a:ln>
+          </p:spPr>
+          <p:style>
+            <a:lnRef idx="2">
+              <a:schemeClr val="accent1">
+                <a:shade val="50000"/>
+              </a:schemeClr>
+            </a:lnRef>
+            <a:fillRef idx="1">
+              <a:schemeClr val="accent1"/>
+            </a:fillRef>
+            <a:effectRef idx="0">
+              <a:schemeClr val="accent1"/>
+            </a:effectRef>
+            <a:fontRef idx="minor">
+              <a:schemeClr val="lt1"/>
+            </a:fontRef>
+          </p:style>
+          <p:txBody>
+            <a:bodyPr rtlCol="0" anchor="ctr"/>
+            <a:lstStyle/>
+            <a:p>
+              <a:pPr algn="ctr"/>
+              <a:endParaRPr lang="en-US"/>
+            </a:p>
+          </p:txBody>
+        </p:sp>
+        <p:sp>
+          <p:nvSpPr>
+            <p:cNvPr id="93" name="Moon 92">
+              <a:extLst>
+                <a:ext uri="{FF2B5EF4-FFF2-40B4-BE49-F238E27FC236}">
+                  <a16:creationId xmlns:a16="http://schemas.microsoft.com/office/drawing/2014/main" id="{9E41C0AA-9A00-3B4C-6725-0FFF9C1C0B74}"/>
+                </a:ext>
+              </a:extLst>
+            </p:cNvPr>
+            <p:cNvSpPr>
+              <a:spLocks noChangeAspect="1"/>
+            </p:cNvSpPr>
+            <p:nvPr/>
+          </p:nvSpPr>
+          <p:spPr>
+            <a:xfrm>
+              <a:off x="6289025" y="5096897"/>
+              <a:ext cx="173039" cy="173039"/>
+            </a:xfrm>
+            <a:prstGeom prst="moon">
+              <a:avLst/>
+            </a:prstGeom>
+            <a:solidFill>
+              <a:srgbClr val="C00000"/>
+            </a:solidFill>
+            <a:ln>
+              <a:noFill/>
+            </a:ln>
+          </p:spPr>
+          <p:style>
+            <a:lnRef idx="2">
+              <a:schemeClr val="accent1">
+                <a:shade val="50000"/>
+              </a:schemeClr>
+            </a:lnRef>
+            <a:fillRef idx="1">
+              <a:schemeClr val="accent1"/>
+            </a:fillRef>
+            <a:effectRef idx="0">
+              <a:schemeClr val="accent1"/>
+            </a:effectRef>
+            <a:fontRef idx="minor">
+              <a:schemeClr val="lt1"/>
+            </a:fontRef>
+          </p:style>
+          <p:txBody>
+            <a:bodyPr rtlCol="0" anchor="ctr"/>
+            <a:lstStyle/>
+            <a:p>
+              <a:pPr algn="ctr"/>
+              <a:endParaRPr lang="en-US"/>
+            </a:p>
+          </p:txBody>
+        </p:sp>
+        <p:sp>
+          <p:nvSpPr>
+            <p:cNvPr id="94" name="Moon 93">
+              <a:extLst>
+                <a:ext uri="{FF2B5EF4-FFF2-40B4-BE49-F238E27FC236}">
+                  <a16:creationId xmlns:a16="http://schemas.microsoft.com/office/drawing/2014/main" id="{E0A63FC6-EC24-5FF1-1033-682B37232CDA}"/>
+                </a:ext>
+              </a:extLst>
+            </p:cNvPr>
+            <p:cNvSpPr>
+              <a:spLocks noChangeAspect="1"/>
+            </p:cNvSpPr>
+            <p:nvPr/>
+          </p:nvSpPr>
+          <p:spPr>
+            <a:xfrm>
+              <a:off x="6475295" y="4712918"/>
+              <a:ext cx="173039" cy="173039"/>
+            </a:xfrm>
+            <a:prstGeom prst="moon">
+              <a:avLst/>
+            </a:prstGeom>
+            <a:solidFill>
+              <a:srgbClr val="C00000"/>
+            </a:solidFill>
+            <a:ln>
+              <a:noFill/>
+            </a:ln>
+          </p:spPr>
+          <p:style>
+            <a:lnRef idx="2">
+              <a:schemeClr val="accent1">
+                <a:shade val="50000"/>
+              </a:schemeClr>
+            </a:lnRef>
+            <a:fillRef idx="1">
+              <a:schemeClr val="accent1"/>
+            </a:fillRef>
+            <a:effectRef idx="0">
+              <a:schemeClr val="accent1"/>
+            </a:effectRef>
+            <a:fontRef idx="minor">
+              <a:schemeClr val="lt1"/>
+            </a:fontRef>
+          </p:style>
+          <p:txBody>
+            <a:bodyPr rtlCol="0" anchor="ctr"/>
+            <a:lstStyle/>
+            <a:p>
+              <a:pPr algn="ctr"/>
+              <a:endParaRPr lang="en-US"/>
+            </a:p>
+          </p:txBody>
+        </p:sp>
+        <p:sp>
+          <p:nvSpPr>
+            <p:cNvPr id="95" name="Moon 94">
+              <a:extLst>
+                <a:ext uri="{FF2B5EF4-FFF2-40B4-BE49-F238E27FC236}">
+                  <a16:creationId xmlns:a16="http://schemas.microsoft.com/office/drawing/2014/main" id="{D029850B-0837-45B6-8246-3304A954D489}"/>
+                </a:ext>
+              </a:extLst>
+            </p:cNvPr>
+            <p:cNvSpPr>
+              <a:spLocks noChangeAspect="1"/>
+            </p:cNvSpPr>
+            <p:nvPr/>
+          </p:nvSpPr>
+          <p:spPr>
+            <a:xfrm>
+              <a:off x="6531426" y="4380869"/>
+              <a:ext cx="173039" cy="173039"/>
+            </a:xfrm>
+            <a:prstGeom prst="moon">
+              <a:avLst/>
+            </a:prstGeom>
+            <a:solidFill>
+              <a:srgbClr val="C00000"/>
+            </a:solidFill>
+            <a:ln>
+              <a:noFill/>
+            </a:ln>
+          </p:spPr>
+          <p:style>
+            <a:lnRef idx="2">
+              <a:schemeClr val="accent1">
+                <a:shade val="50000"/>
+              </a:schemeClr>
+            </a:lnRef>
+            <a:fillRef idx="1">
+              <a:schemeClr val="accent1"/>
+            </a:fillRef>
+            <a:effectRef idx="0">
+              <a:schemeClr val="accent1"/>
+            </a:effectRef>
+            <a:fontRef idx="minor">
+              <a:schemeClr val="lt1"/>
+            </a:fontRef>
+          </p:style>
+          <p:txBody>
+            <a:bodyPr rtlCol="0" anchor="ctr"/>
+            <a:lstStyle/>
+            <a:p>
+              <a:pPr algn="ctr"/>
+              <a:endParaRPr lang="en-US"/>
+            </a:p>
+          </p:txBody>
+        </p:sp>
+        <p:sp>
+          <p:nvSpPr>
+            <p:cNvPr id="96" name="Triangle 95">
+              <a:extLst>
+                <a:ext uri="{FF2B5EF4-FFF2-40B4-BE49-F238E27FC236}">
+                  <a16:creationId xmlns:a16="http://schemas.microsoft.com/office/drawing/2014/main" id="{7D74FD7B-D83B-DEF3-F957-3B2DE1CBF3C6}"/>
+                </a:ext>
+              </a:extLst>
+            </p:cNvPr>
+            <p:cNvSpPr>
+              <a:spLocks noChangeAspect="1"/>
+            </p:cNvSpPr>
+            <p:nvPr/>
+          </p:nvSpPr>
+          <p:spPr>
+            <a:xfrm rot="15925416">
+              <a:off x="7118801" y="4896903"/>
+              <a:ext cx="173039" cy="173039"/>
+            </a:xfrm>
+            <a:prstGeom prst="moon">
+              <a:avLst/>
+            </a:prstGeom>
+            <a:solidFill>
+              <a:srgbClr val="C00000"/>
+            </a:solidFill>
+            <a:ln>
+              <a:noFill/>
+            </a:ln>
+          </p:spPr>
+          <p:style>
+            <a:lnRef idx="2">
+              <a:schemeClr val="accent1">
+                <a:shade val="50000"/>
+              </a:schemeClr>
+            </a:lnRef>
+            <a:fillRef idx="1">
+              <a:schemeClr val="accent1"/>
+            </a:fillRef>
+            <a:effectRef idx="0">
+              <a:schemeClr val="accent1"/>
+            </a:effectRef>
+            <a:fontRef idx="minor">
+              <a:schemeClr val="lt1"/>
+            </a:fontRef>
+          </p:style>
+          <p:txBody>
+            <a:bodyPr rtlCol="0" anchor="ctr"/>
+            <a:lstStyle/>
+            <a:p>
+              <a:pPr algn="ctr"/>
+              <a:endParaRPr lang="en-US"/>
+            </a:p>
+          </p:txBody>
+        </p:sp>
+        <p:sp>
+          <p:nvSpPr>
+            <p:cNvPr id="97" name="Triangle 96">
+              <a:extLst>
+                <a:ext uri="{FF2B5EF4-FFF2-40B4-BE49-F238E27FC236}">
+                  <a16:creationId xmlns:a16="http://schemas.microsoft.com/office/drawing/2014/main" id="{6C516EC7-D291-CB45-1CC7-F6986344A690}"/>
+                </a:ext>
+              </a:extLst>
+            </p:cNvPr>
+            <p:cNvSpPr>
+              <a:spLocks noChangeAspect="1"/>
+            </p:cNvSpPr>
+            <p:nvPr/>
+          </p:nvSpPr>
+          <p:spPr>
+            <a:xfrm rot="15925416">
+              <a:off x="7164481" y="4518544"/>
+              <a:ext cx="173039" cy="173039"/>
+            </a:xfrm>
+            <a:prstGeom prst="moon">
+              <a:avLst/>
+            </a:prstGeom>
+            <a:solidFill>
+              <a:srgbClr val="C00000"/>
+            </a:solidFill>
+            <a:ln>
+              <a:noFill/>
+            </a:ln>
+          </p:spPr>
+          <p:style>
+            <a:lnRef idx="2">
+              <a:schemeClr val="accent1">
+                <a:shade val="50000"/>
+              </a:schemeClr>
+            </a:lnRef>
+            <a:fillRef idx="1">
+              <a:schemeClr val="accent1"/>
+            </a:fillRef>
+            <a:effectRef idx="0">
+              <a:schemeClr val="accent1"/>
+            </a:effectRef>
+            <a:fontRef idx="minor">
+              <a:schemeClr val="lt1"/>
+            </a:fontRef>
+          </p:style>
+          <p:txBody>
+            <a:bodyPr rtlCol="0" anchor="ctr"/>
+            <a:lstStyle/>
+            <a:p>
+              <a:pPr algn="ctr"/>
+              <a:endParaRPr lang="en-US"/>
+            </a:p>
+          </p:txBody>
+        </p:sp>
+        <p:sp>
+          <p:nvSpPr>
+            <p:cNvPr id="98" name="Triangle 97">
+              <a:extLst>
+                <a:ext uri="{FF2B5EF4-FFF2-40B4-BE49-F238E27FC236}">
+                  <a16:creationId xmlns:a16="http://schemas.microsoft.com/office/drawing/2014/main" id="{D8810429-A2A8-D216-1F77-8A0676BB2CE2}"/>
+                </a:ext>
+              </a:extLst>
+            </p:cNvPr>
+            <p:cNvSpPr>
+              <a:spLocks noChangeAspect="1"/>
+            </p:cNvSpPr>
+            <p:nvPr/>
+          </p:nvSpPr>
+          <p:spPr>
+            <a:xfrm rot="15925416">
+              <a:off x="6845000" y="4305849"/>
+              <a:ext cx="173039" cy="173039"/>
+            </a:xfrm>
+            <a:prstGeom prst="moon">
+              <a:avLst/>
+            </a:prstGeom>
+            <a:solidFill>
+              <a:srgbClr val="C00000"/>
+            </a:solidFill>
+            <a:ln>
+              <a:noFill/>
+            </a:ln>
+          </p:spPr>
+          <p:style>
+            <a:lnRef idx="2">
+              <a:schemeClr val="accent1">
+                <a:shade val="50000"/>
+              </a:schemeClr>
+            </a:lnRef>
+            <a:fillRef idx="1">
+              <a:schemeClr val="accent1"/>
+            </a:fillRef>
+            <a:effectRef idx="0">
+              <a:schemeClr val="accent1"/>
+            </a:effectRef>
+            <a:fontRef idx="minor">
+              <a:schemeClr val="lt1"/>
+            </a:fontRef>
+          </p:style>
+          <p:txBody>
+            <a:bodyPr rtlCol="0" anchor="ctr"/>
+            <a:lstStyle/>
+            <a:p>
+              <a:pPr algn="ctr"/>
+              <a:endParaRPr lang="en-US"/>
+            </a:p>
+          </p:txBody>
+        </p:sp>
+        <p:sp>
+          <p:nvSpPr>
+            <p:cNvPr id="99" name="Triangle 98">
+              <a:extLst>
+                <a:ext uri="{FF2B5EF4-FFF2-40B4-BE49-F238E27FC236}">
+                  <a16:creationId xmlns:a16="http://schemas.microsoft.com/office/drawing/2014/main" id="{102FC741-1B35-38D6-0257-2BF5A40F635D}"/>
+                </a:ext>
+              </a:extLst>
+            </p:cNvPr>
+            <p:cNvSpPr>
+              <a:spLocks noChangeAspect="1"/>
+            </p:cNvSpPr>
+            <p:nvPr/>
+          </p:nvSpPr>
+          <p:spPr>
+            <a:xfrm rot="15925416">
+              <a:off x="6817817" y="4717894"/>
+              <a:ext cx="173039" cy="173039"/>
+            </a:xfrm>
+            <a:prstGeom prst="moon">
+              <a:avLst/>
+            </a:prstGeom>
+            <a:solidFill>
+              <a:srgbClr val="C00000"/>
+            </a:solidFill>
+            <a:ln>
+              <a:noFill/>
+            </a:ln>
+          </p:spPr>
+          <p:style>
+            <a:lnRef idx="2">
+              <a:schemeClr val="accent1">
+                <a:shade val="50000"/>
+              </a:schemeClr>
+            </a:lnRef>
+            <a:fillRef idx="1">
+              <a:schemeClr val="accent1"/>
+            </a:fillRef>
+            <a:effectRef idx="0">
+              <a:schemeClr val="accent1"/>
+            </a:effectRef>
+            <a:fontRef idx="minor">
+              <a:schemeClr val="lt1"/>
+            </a:fontRef>
+          </p:style>
+          <p:txBody>
+            <a:bodyPr rtlCol="0" anchor="ctr"/>
+            <a:lstStyle/>
+            <a:p>
+              <a:pPr algn="ctr"/>
+              <a:endParaRPr lang="en-US"/>
+            </a:p>
+          </p:txBody>
+        </p:sp>
+      </p:grpSp>
+      <p:grpSp>
+        <p:nvGrpSpPr>
+          <p:cNvPr id="224" name="Group 223">
+            <a:extLst>
+              <a:ext uri="{FF2B5EF4-FFF2-40B4-BE49-F238E27FC236}">
+                <a16:creationId xmlns:a16="http://schemas.microsoft.com/office/drawing/2014/main" id="{FD25FEA4-390F-6B56-D5C7-A792516B9A67}"/>
+              </a:ext>
+            </a:extLst>
+          </p:cNvPr>
+          <p:cNvGrpSpPr/>
+          <p:nvPr/>
+        </p:nvGrpSpPr>
+        <p:grpSpPr>
+          <a:xfrm>
+            <a:off x="670995" y="397983"/>
+            <a:ext cx="2273392" cy="986028"/>
+            <a:chOff x="478150" y="455556"/>
+            <a:chExt cx="2273392" cy="986028"/>
+          </a:xfrm>
+        </p:grpSpPr>
+        <p:sp>
+          <p:nvSpPr>
+            <p:cNvPr id="176" name="Oval 175">
+              <a:extLst>
+                <a:ext uri="{FF2B5EF4-FFF2-40B4-BE49-F238E27FC236}">
+                  <a16:creationId xmlns:a16="http://schemas.microsoft.com/office/drawing/2014/main" id="{11A3A4A0-C539-4183-3890-CFBD1C55B801}"/>
+                </a:ext>
+              </a:extLst>
+            </p:cNvPr>
+            <p:cNvSpPr>
+              <a:spLocks noChangeAspect="1"/>
+            </p:cNvSpPr>
+            <p:nvPr/>
+          </p:nvSpPr>
+          <p:spPr>
+            <a:xfrm>
+              <a:off x="478150" y="725556"/>
+              <a:ext cx="180000" cy="180000"/>
+            </a:xfrm>
+            <a:prstGeom prst="ellipse">
+              <a:avLst/>
+            </a:prstGeom>
+            <a:solidFill>
+              <a:srgbClr val="C00000"/>
+            </a:solidFill>
+            <a:ln>
+              <a:noFill/>
+            </a:ln>
+          </p:spPr>
+          <p:style>
+            <a:lnRef idx="2">
+              <a:schemeClr val="accent1">
+                <a:shade val="50000"/>
+              </a:schemeClr>
+            </a:lnRef>
+            <a:fillRef idx="1">
+              <a:schemeClr val="accent1"/>
+            </a:fillRef>
+            <a:effectRef idx="0">
+              <a:schemeClr val="accent1"/>
+            </a:effectRef>
+            <a:fontRef idx="minor">
+              <a:schemeClr val="lt1"/>
+            </a:fontRef>
+          </p:style>
+          <p:txBody>
+            <a:bodyPr rtlCol="0" anchor="ctr"/>
+            <a:lstStyle/>
+            <a:p>
+              <a:pPr algn="ctr"/>
+              <a:endParaRPr lang="en-US"/>
+            </a:p>
+          </p:txBody>
+        </p:sp>
+        <p:sp>
+          <p:nvSpPr>
+            <p:cNvPr id="177" name="Oval 176">
+              <a:extLst>
+                <a:ext uri="{FF2B5EF4-FFF2-40B4-BE49-F238E27FC236}">
+                  <a16:creationId xmlns:a16="http://schemas.microsoft.com/office/drawing/2014/main" id="{FD5D1DD0-F4AF-EEC6-2976-664AACA13186}"/>
+                </a:ext>
+              </a:extLst>
+            </p:cNvPr>
+            <p:cNvSpPr>
+              <a:spLocks noChangeAspect="1"/>
+            </p:cNvSpPr>
+            <p:nvPr/>
+          </p:nvSpPr>
+          <p:spPr>
+            <a:xfrm>
+              <a:off x="851267" y="635556"/>
+              <a:ext cx="180000" cy="180000"/>
+            </a:xfrm>
+            <a:prstGeom prst="ellipse">
+              <a:avLst/>
+            </a:prstGeom>
+            <a:solidFill>
+              <a:srgbClr val="C00000"/>
+            </a:solidFill>
+            <a:ln>
+              <a:noFill/>
+            </a:ln>
+          </p:spPr>
+          <p:style>
+            <a:lnRef idx="2">
+              <a:schemeClr val="accent1">
+                <a:shade val="50000"/>
+              </a:schemeClr>
+            </a:lnRef>
+            <a:fillRef idx="1">
+              <a:schemeClr val="accent1"/>
+            </a:fillRef>
+            <a:effectRef idx="0">
+              <a:schemeClr val="accent1"/>
+            </a:effectRef>
+            <a:fontRef idx="minor">
+              <a:schemeClr val="lt1"/>
+            </a:fontRef>
+          </p:style>
+          <p:txBody>
+            <a:bodyPr rtlCol="0" anchor="ctr"/>
+            <a:lstStyle/>
+            <a:p>
+              <a:pPr algn="ctr"/>
+              <a:endParaRPr lang="en-US"/>
+            </a:p>
+          </p:txBody>
+        </p:sp>
+        <p:sp>
+          <p:nvSpPr>
+            <p:cNvPr id="178" name="Oval 177">
+              <a:extLst>
+                <a:ext uri="{FF2B5EF4-FFF2-40B4-BE49-F238E27FC236}">
+                  <a16:creationId xmlns:a16="http://schemas.microsoft.com/office/drawing/2014/main" id="{78621DCE-80C4-DA63-08C2-641E895F4801}"/>
+                </a:ext>
+              </a:extLst>
+            </p:cNvPr>
+            <p:cNvSpPr>
+              <a:spLocks noChangeAspect="1"/>
+            </p:cNvSpPr>
+            <p:nvPr/>
+          </p:nvSpPr>
+          <p:spPr>
+            <a:xfrm>
+              <a:off x="806735" y="946116"/>
+              <a:ext cx="180000" cy="180000"/>
+            </a:xfrm>
+            <a:prstGeom prst="ellipse">
+              <a:avLst/>
+            </a:prstGeom>
+            <a:solidFill>
+              <a:srgbClr val="C00000"/>
+            </a:solidFill>
+            <a:ln>
+              <a:noFill/>
+            </a:ln>
+          </p:spPr>
+          <p:style>
+            <a:lnRef idx="2">
+              <a:schemeClr val="accent1">
+                <a:shade val="50000"/>
+              </a:schemeClr>
+            </a:lnRef>
+            <a:fillRef idx="1">
+              <a:schemeClr val="accent1"/>
+            </a:fillRef>
+            <a:effectRef idx="0">
+              <a:schemeClr val="accent1"/>
+            </a:effectRef>
+            <a:fontRef idx="minor">
+              <a:schemeClr val="lt1"/>
+            </a:fontRef>
+          </p:style>
+          <p:txBody>
+            <a:bodyPr rtlCol="0" anchor="ctr"/>
+            <a:lstStyle/>
+            <a:p>
+              <a:pPr algn="ctr"/>
+              <a:endParaRPr lang="en-US"/>
+            </a:p>
+          </p:txBody>
+        </p:sp>
+        <p:sp>
+          <p:nvSpPr>
+            <p:cNvPr id="179" name="Oval 178">
+              <a:extLst>
+                <a:ext uri="{FF2B5EF4-FFF2-40B4-BE49-F238E27FC236}">
+                  <a16:creationId xmlns:a16="http://schemas.microsoft.com/office/drawing/2014/main" id="{2826EE07-16A7-B129-1A0B-76A6853865CC}"/>
+                </a:ext>
+              </a:extLst>
+            </p:cNvPr>
+            <p:cNvSpPr>
+              <a:spLocks noChangeAspect="1"/>
+            </p:cNvSpPr>
+            <p:nvPr/>
+          </p:nvSpPr>
+          <p:spPr>
+            <a:xfrm>
+              <a:off x="1031267" y="1261584"/>
+              <a:ext cx="180000" cy="180000"/>
+            </a:xfrm>
+            <a:prstGeom prst="ellipse">
+              <a:avLst/>
+            </a:prstGeom>
+            <a:solidFill>
+              <a:srgbClr val="C00000"/>
+            </a:solidFill>
+            <a:ln>
+              <a:noFill/>
+            </a:ln>
+          </p:spPr>
+          <p:style>
+            <a:lnRef idx="2">
+              <a:schemeClr val="accent1">
+                <a:shade val="50000"/>
+              </a:schemeClr>
+            </a:lnRef>
+            <a:fillRef idx="1">
+              <a:schemeClr val="accent1"/>
+            </a:fillRef>
+            <a:effectRef idx="0">
+              <a:schemeClr val="accent1"/>
+            </a:effectRef>
+            <a:fontRef idx="minor">
+              <a:schemeClr val="lt1"/>
+            </a:fontRef>
+          </p:style>
+          <p:txBody>
+            <a:bodyPr rtlCol="0" anchor="ctr"/>
+            <a:lstStyle/>
+            <a:p>
+              <a:pPr algn="ctr"/>
+              <a:endParaRPr lang="en-US"/>
+            </a:p>
+          </p:txBody>
+        </p:sp>
+        <p:sp>
+          <p:nvSpPr>
+            <p:cNvPr id="180" name="Oval 179">
+              <a:extLst>
+                <a:ext uri="{FF2B5EF4-FFF2-40B4-BE49-F238E27FC236}">
+                  <a16:creationId xmlns:a16="http://schemas.microsoft.com/office/drawing/2014/main" id="{B0756EF1-C701-B30D-B908-95EB6D50EF87}"/>
+                </a:ext>
+              </a:extLst>
+            </p:cNvPr>
+            <p:cNvSpPr>
+              <a:spLocks noChangeAspect="1"/>
+            </p:cNvSpPr>
+            <p:nvPr/>
+          </p:nvSpPr>
+          <p:spPr>
+            <a:xfrm>
+              <a:off x="1217537" y="877605"/>
+              <a:ext cx="180000" cy="180000"/>
+            </a:xfrm>
+            <a:prstGeom prst="ellipse">
+              <a:avLst/>
+            </a:prstGeom>
+            <a:solidFill>
+              <a:srgbClr val="C00000"/>
+            </a:solidFill>
+            <a:ln>
+              <a:noFill/>
+            </a:ln>
+          </p:spPr>
+          <p:style>
+            <a:lnRef idx="2">
+              <a:schemeClr val="accent1">
+                <a:shade val="50000"/>
+              </a:schemeClr>
+            </a:lnRef>
+            <a:fillRef idx="1">
+              <a:schemeClr val="accent1"/>
+            </a:fillRef>
+            <a:effectRef idx="0">
+              <a:schemeClr val="accent1"/>
+            </a:effectRef>
+            <a:fontRef idx="minor">
+              <a:schemeClr val="lt1"/>
+            </a:fontRef>
+          </p:style>
+          <p:txBody>
+            <a:bodyPr rtlCol="0" anchor="ctr"/>
+            <a:lstStyle/>
+            <a:p>
+              <a:pPr algn="ctr"/>
+              <a:endParaRPr lang="en-US"/>
+            </a:p>
+          </p:txBody>
+        </p:sp>
+        <p:sp>
+          <p:nvSpPr>
+            <p:cNvPr id="181" name="Oval 180">
+              <a:extLst>
+                <a:ext uri="{FF2B5EF4-FFF2-40B4-BE49-F238E27FC236}">
+                  <a16:creationId xmlns:a16="http://schemas.microsoft.com/office/drawing/2014/main" id="{92D35392-7294-0C0D-8B7C-02CE592DE777}"/>
+                </a:ext>
+              </a:extLst>
+            </p:cNvPr>
+            <p:cNvSpPr>
+              <a:spLocks noChangeAspect="1"/>
+            </p:cNvSpPr>
+            <p:nvPr/>
+          </p:nvSpPr>
+          <p:spPr>
+            <a:xfrm>
+              <a:off x="1273668" y="545556"/>
+              <a:ext cx="180000" cy="180000"/>
+            </a:xfrm>
+            <a:prstGeom prst="ellipse">
+              <a:avLst/>
+            </a:prstGeom>
+            <a:solidFill>
+              <a:srgbClr val="C00000"/>
+            </a:solidFill>
+            <a:ln>
+              <a:noFill/>
+            </a:ln>
+          </p:spPr>
+          <p:style>
+            <a:lnRef idx="2">
+              <a:schemeClr val="accent1">
+                <a:shade val="50000"/>
+              </a:schemeClr>
+            </a:lnRef>
+            <a:fillRef idx="1">
+              <a:schemeClr val="accent1"/>
+            </a:fillRef>
+            <a:effectRef idx="0">
+              <a:schemeClr val="accent1"/>
+            </a:effectRef>
+            <a:fontRef idx="minor">
+              <a:schemeClr val="lt1"/>
+            </a:fontRef>
+          </p:style>
+          <p:txBody>
+            <a:bodyPr rtlCol="0" anchor="ctr"/>
+            <a:lstStyle/>
+            <a:p>
+              <a:pPr algn="ctr"/>
+              <a:endParaRPr lang="en-US"/>
+            </a:p>
+          </p:txBody>
+        </p:sp>
+        <p:sp>
+          <p:nvSpPr>
+            <p:cNvPr id="182" name="Oval 181">
+              <a:extLst>
+                <a:ext uri="{FF2B5EF4-FFF2-40B4-BE49-F238E27FC236}">
+                  <a16:creationId xmlns:a16="http://schemas.microsoft.com/office/drawing/2014/main" id="{3A260841-27E0-1B90-61DB-21DCD8A41018}"/>
+                </a:ext>
+              </a:extLst>
+            </p:cNvPr>
+            <p:cNvSpPr>
+              <a:spLocks noChangeAspect="1"/>
+            </p:cNvSpPr>
+            <p:nvPr/>
+          </p:nvSpPr>
+          <p:spPr>
+            <a:xfrm>
+              <a:off x="2301542" y="455556"/>
+              <a:ext cx="180000" cy="180000"/>
+            </a:xfrm>
+            <a:prstGeom prst="ellipse">
+              <a:avLst/>
+            </a:prstGeom>
+            <a:solidFill>
+              <a:srgbClr val="C00000"/>
+            </a:solidFill>
+            <a:ln>
+              <a:noFill/>
+            </a:ln>
+          </p:spPr>
+          <p:style>
+            <a:lnRef idx="2">
+              <a:schemeClr val="accent1">
+                <a:shade val="50000"/>
+              </a:schemeClr>
+            </a:lnRef>
+            <a:fillRef idx="1">
+              <a:schemeClr val="accent1"/>
+            </a:fillRef>
+            <a:effectRef idx="0">
+              <a:schemeClr val="accent1"/>
+            </a:effectRef>
+            <a:fontRef idx="minor">
+              <a:schemeClr val="lt1"/>
+            </a:fontRef>
+          </p:style>
+          <p:txBody>
+            <a:bodyPr rtlCol="0" anchor="ctr"/>
+            <a:lstStyle/>
+            <a:p>
+              <a:pPr algn="ctr"/>
+              <a:endParaRPr lang="en-US"/>
+            </a:p>
+          </p:txBody>
+        </p:sp>
+        <p:sp>
+          <p:nvSpPr>
+            <p:cNvPr id="183" name="Oval 182">
+              <a:extLst>
+                <a:ext uri="{FF2B5EF4-FFF2-40B4-BE49-F238E27FC236}">
+                  <a16:creationId xmlns:a16="http://schemas.microsoft.com/office/drawing/2014/main" id="{7C2A6E9C-850E-A3A1-9B16-781975370C79}"/>
+                </a:ext>
+              </a:extLst>
+            </p:cNvPr>
+            <p:cNvSpPr>
+              <a:spLocks noChangeAspect="1"/>
+            </p:cNvSpPr>
+            <p:nvPr/>
+          </p:nvSpPr>
+          <p:spPr>
+            <a:xfrm>
+              <a:off x="2198425" y="822447"/>
+              <a:ext cx="180000" cy="180000"/>
+            </a:xfrm>
+            <a:prstGeom prst="ellipse">
+              <a:avLst/>
+            </a:prstGeom>
+            <a:solidFill>
+              <a:srgbClr val="C00000"/>
+            </a:solidFill>
+            <a:ln>
+              <a:noFill/>
+            </a:ln>
+          </p:spPr>
+          <p:style>
+            <a:lnRef idx="2">
+              <a:schemeClr val="accent1">
+                <a:shade val="50000"/>
+              </a:schemeClr>
+            </a:lnRef>
+            <a:fillRef idx="1">
+              <a:schemeClr val="accent1"/>
+            </a:fillRef>
+            <a:effectRef idx="0">
+              <a:schemeClr val="accent1"/>
+            </a:effectRef>
+            <a:fontRef idx="minor">
+              <a:schemeClr val="lt1"/>
+            </a:fontRef>
+          </p:style>
+          <p:txBody>
+            <a:bodyPr rtlCol="0" anchor="ctr"/>
+            <a:lstStyle/>
+            <a:p>
+              <a:pPr algn="ctr"/>
+              <a:endParaRPr lang="en-US"/>
+            </a:p>
+          </p:txBody>
+        </p:sp>
+        <p:sp>
+          <p:nvSpPr>
+            <p:cNvPr id="184" name="Oval 183">
+              <a:extLst>
+                <a:ext uri="{FF2B5EF4-FFF2-40B4-BE49-F238E27FC236}">
+                  <a16:creationId xmlns:a16="http://schemas.microsoft.com/office/drawing/2014/main" id="{C4781E05-7091-6DB7-D200-0CD5B0843B73}"/>
+                </a:ext>
+              </a:extLst>
+            </p:cNvPr>
+            <p:cNvSpPr>
+              <a:spLocks noChangeAspect="1"/>
+            </p:cNvSpPr>
+            <p:nvPr/>
+          </p:nvSpPr>
+          <p:spPr>
+            <a:xfrm>
+              <a:off x="2481542" y="1081584"/>
+              <a:ext cx="180000" cy="180000"/>
+            </a:xfrm>
+            <a:prstGeom prst="ellipse">
+              <a:avLst/>
+            </a:prstGeom>
+            <a:solidFill>
+              <a:srgbClr val="C00000"/>
+            </a:solidFill>
+            <a:ln>
+              <a:noFill/>
+            </a:ln>
+          </p:spPr>
+          <p:style>
+            <a:lnRef idx="2">
+              <a:schemeClr val="accent1">
+                <a:shade val="50000"/>
+              </a:schemeClr>
+            </a:lnRef>
+            <a:fillRef idx="1">
+              <a:schemeClr val="accent1"/>
+            </a:fillRef>
+            <a:effectRef idx="0">
+              <a:schemeClr val="accent1"/>
+            </a:effectRef>
+            <a:fontRef idx="minor">
+              <a:schemeClr val="lt1"/>
+            </a:fontRef>
+          </p:style>
+          <p:txBody>
+            <a:bodyPr rtlCol="0" anchor="ctr"/>
+            <a:lstStyle/>
+            <a:p>
+              <a:pPr algn="ctr"/>
+              <a:endParaRPr lang="en-US"/>
+            </a:p>
+          </p:txBody>
+        </p:sp>
+        <p:sp>
+          <p:nvSpPr>
+            <p:cNvPr id="185" name="Oval 184">
+              <a:extLst>
+                <a:ext uri="{FF2B5EF4-FFF2-40B4-BE49-F238E27FC236}">
+                  <a16:creationId xmlns:a16="http://schemas.microsoft.com/office/drawing/2014/main" id="{7C68E39F-8844-05F0-1681-4319AE075C41}"/>
+                </a:ext>
+              </a:extLst>
+            </p:cNvPr>
+            <p:cNvSpPr>
+              <a:spLocks noChangeAspect="1"/>
+            </p:cNvSpPr>
+            <p:nvPr/>
+          </p:nvSpPr>
+          <p:spPr>
+            <a:xfrm>
+              <a:off x="2571542" y="678570"/>
+              <a:ext cx="180000" cy="180000"/>
+            </a:xfrm>
+            <a:prstGeom prst="ellipse">
+              <a:avLst/>
+            </a:prstGeom>
+            <a:solidFill>
+              <a:srgbClr val="C00000"/>
+            </a:solidFill>
+            <a:ln>
+              <a:noFill/>
+            </a:ln>
+          </p:spPr>
+          <p:style>
+            <a:lnRef idx="2">
+              <a:schemeClr val="accent1">
+                <a:shade val="50000"/>
+              </a:schemeClr>
+            </a:lnRef>
+            <a:fillRef idx="1">
+              <a:schemeClr val="accent1"/>
+            </a:fillRef>
+            <a:effectRef idx="0">
+              <a:schemeClr val="accent1"/>
+            </a:effectRef>
+            <a:fontRef idx="minor">
+              <a:schemeClr val="lt1"/>
+            </a:fontRef>
+          </p:style>
+          <p:txBody>
+            <a:bodyPr rtlCol="0" anchor="ctr"/>
+            <a:lstStyle/>
+            <a:p>
+              <a:pPr algn="ctr"/>
+              <a:endParaRPr lang="en-US"/>
+            </a:p>
+          </p:txBody>
+        </p:sp>
+      </p:grpSp>
+      <p:grpSp>
+        <p:nvGrpSpPr>
+          <p:cNvPr id="257" name="Group 256">
+            <a:extLst>
+              <a:ext uri="{FF2B5EF4-FFF2-40B4-BE49-F238E27FC236}">
+                <a16:creationId xmlns:a16="http://schemas.microsoft.com/office/drawing/2014/main" id="{382FAFF2-036A-7425-3134-BCCB1B50A27D}"/>
+              </a:ext>
+            </a:extLst>
+          </p:cNvPr>
+          <p:cNvGrpSpPr/>
+          <p:nvPr/>
+        </p:nvGrpSpPr>
+        <p:grpSpPr>
+          <a:xfrm>
+            <a:off x="4666963" y="4330917"/>
+            <a:ext cx="2592829" cy="1029063"/>
+            <a:chOff x="4666963" y="4330917"/>
+            <a:chExt cx="2592829" cy="1029063"/>
+          </a:xfrm>
+        </p:grpSpPr>
+        <p:sp>
+          <p:nvSpPr>
+            <p:cNvPr id="228" name="Oval 227">
+              <a:extLst>
+                <a:ext uri="{FF2B5EF4-FFF2-40B4-BE49-F238E27FC236}">
+                  <a16:creationId xmlns:a16="http://schemas.microsoft.com/office/drawing/2014/main" id="{E392F1BB-73A3-242F-791D-792388B741D6}"/>
+                </a:ext>
+              </a:extLst>
+            </p:cNvPr>
+            <p:cNvSpPr>
+              <a:spLocks noChangeAspect="1"/>
+            </p:cNvSpPr>
+            <p:nvPr/>
+          </p:nvSpPr>
+          <p:spPr>
+            <a:xfrm>
+              <a:off x="4683391" y="4420917"/>
+              <a:ext cx="180000" cy="180000"/>
+            </a:xfrm>
+            <a:prstGeom prst="ellipse">
+              <a:avLst/>
+            </a:prstGeom>
+            <a:solidFill>
+              <a:srgbClr val="C00000"/>
+            </a:solidFill>
+            <a:ln>
+              <a:noFill/>
+            </a:ln>
+          </p:spPr>
+          <p:style>
+            <a:lnRef idx="2">
+              <a:schemeClr val="accent1">
+                <a:shade val="50000"/>
+              </a:schemeClr>
+            </a:lnRef>
+            <a:fillRef idx="1">
+              <a:schemeClr val="accent1"/>
+            </a:fillRef>
+            <a:effectRef idx="0">
+              <a:schemeClr val="accent1"/>
+            </a:effectRef>
+            <a:fontRef idx="minor">
+              <a:schemeClr val="lt1"/>
+            </a:fontRef>
+          </p:style>
+          <p:txBody>
+            <a:bodyPr rtlCol="0" anchor="ctr"/>
+            <a:lstStyle/>
+            <a:p>
+              <a:pPr algn="ctr"/>
+              <a:endParaRPr lang="en-US"/>
+            </a:p>
+          </p:txBody>
+        </p:sp>
+        <p:sp>
+          <p:nvSpPr>
+            <p:cNvPr id="229" name="Oval 228">
+              <a:extLst>
+                <a:ext uri="{FF2B5EF4-FFF2-40B4-BE49-F238E27FC236}">
+                  <a16:creationId xmlns:a16="http://schemas.microsoft.com/office/drawing/2014/main" id="{95F7DF4E-8B42-000D-723C-80978A721061}"/>
+                </a:ext>
+              </a:extLst>
+            </p:cNvPr>
+            <p:cNvSpPr>
+              <a:spLocks noChangeAspect="1"/>
+            </p:cNvSpPr>
+            <p:nvPr/>
+          </p:nvSpPr>
+          <p:spPr>
+            <a:xfrm>
+              <a:off x="5056508" y="4330917"/>
+              <a:ext cx="180000" cy="180000"/>
+            </a:xfrm>
+            <a:prstGeom prst="ellipse">
+              <a:avLst/>
+            </a:prstGeom>
+            <a:solidFill>
+              <a:srgbClr val="C00000"/>
+            </a:solidFill>
+            <a:ln>
+              <a:noFill/>
+            </a:ln>
+          </p:spPr>
+          <p:style>
+            <a:lnRef idx="2">
+              <a:schemeClr val="accent1">
+                <a:shade val="50000"/>
+              </a:schemeClr>
+            </a:lnRef>
+            <a:fillRef idx="1">
+              <a:schemeClr val="accent1"/>
+            </a:fillRef>
+            <a:effectRef idx="0">
+              <a:schemeClr val="accent1"/>
+            </a:effectRef>
+            <a:fontRef idx="minor">
+              <a:schemeClr val="lt1"/>
+            </a:fontRef>
+          </p:style>
+          <p:txBody>
+            <a:bodyPr rtlCol="0" anchor="ctr"/>
+            <a:lstStyle/>
+            <a:p>
+              <a:pPr algn="ctr"/>
+              <a:endParaRPr lang="en-US"/>
+            </a:p>
+          </p:txBody>
+        </p:sp>
+        <p:sp>
+          <p:nvSpPr>
+            <p:cNvPr id="230" name="Oval 229">
+              <a:extLst>
+                <a:ext uri="{FF2B5EF4-FFF2-40B4-BE49-F238E27FC236}">
+                  <a16:creationId xmlns:a16="http://schemas.microsoft.com/office/drawing/2014/main" id="{7364489B-A650-AE01-8EA1-3D820D607F52}"/>
+                </a:ext>
+              </a:extLst>
+            </p:cNvPr>
+            <p:cNvSpPr>
+              <a:spLocks noChangeAspect="1"/>
+            </p:cNvSpPr>
+            <p:nvPr/>
+          </p:nvSpPr>
+          <p:spPr>
+            <a:xfrm>
+              <a:off x="4666963" y="4831152"/>
+              <a:ext cx="180000" cy="180000"/>
+            </a:xfrm>
+            <a:prstGeom prst="ellipse">
+              <a:avLst/>
+            </a:prstGeom>
+            <a:solidFill>
+              <a:srgbClr val="C00000"/>
+            </a:solidFill>
+            <a:ln>
+              <a:noFill/>
+            </a:ln>
+          </p:spPr>
+          <p:style>
+            <a:lnRef idx="2">
+              <a:schemeClr val="accent1">
+                <a:shade val="50000"/>
+              </a:schemeClr>
+            </a:lnRef>
+            <a:fillRef idx="1">
+              <a:schemeClr val="accent1"/>
+            </a:fillRef>
+            <a:effectRef idx="0">
+              <a:schemeClr val="accent1"/>
+            </a:effectRef>
+            <a:fontRef idx="minor">
+              <a:schemeClr val="lt1"/>
+            </a:fontRef>
+          </p:style>
+          <p:txBody>
+            <a:bodyPr rtlCol="0" anchor="ctr"/>
+            <a:lstStyle/>
+            <a:p>
+              <a:pPr algn="ctr"/>
+              <a:endParaRPr lang="en-US"/>
+            </a:p>
+          </p:txBody>
+        </p:sp>
+        <p:sp>
+          <p:nvSpPr>
+            <p:cNvPr id="231" name="Oval 230">
+              <a:extLst>
+                <a:ext uri="{FF2B5EF4-FFF2-40B4-BE49-F238E27FC236}">
+                  <a16:creationId xmlns:a16="http://schemas.microsoft.com/office/drawing/2014/main" id="{FB0FFAF9-5A80-1A4C-2691-511DF674A326}"/>
+                </a:ext>
+              </a:extLst>
+            </p:cNvPr>
+            <p:cNvSpPr>
+              <a:spLocks noChangeAspect="1"/>
+            </p:cNvSpPr>
+            <p:nvPr/>
+          </p:nvSpPr>
+          <p:spPr>
+            <a:xfrm>
+              <a:off x="4756963" y="5179980"/>
+              <a:ext cx="180000" cy="180000"/>
+            </a:xfrm>
+            <a:prstGeom prst="ellipse">
+              <a:avLst/>
+            </a:prstGeom>
+            <a:solidFill>
+              <a:srgbClr val="C00000"/>
+            </a:solidFill>
+            <a:ln>
+              <a:noFill/>
+            </a:ln>
+          </p:spPr>
+          <p:style>
+            <a:lnRef idx="2">
+              <a:schemeClr val="accent1">
+                <a:shade val="50000"/>
+              </a:schemeClr>
+            </a:lnRef>
+            <a:fillRef idx="1">
+              <a:schemeClr val="accent1"/>
+            </a:fillRef>
+            <a:effectRef idx="0">
+              <a:schemeClr val="accent1"/>
+            </a:effectRef>
+            <a:fontRef idx="minor">
+              <a:schemeClr val="lt1"/>
+            </a:fontRef>
+          </p:style>
+          <p:txBody>
+            <a:bodyPr rtlCol="0" anchor="ctr"/>
+            <a:lstStyle/>
+            <a:p>
+              <a:pPr algn="ctr"/>
+              <a:endParaRPr lang="en-US"/>
+            </a:p>
+          </p:txBody>
+        </p:sp>
+        <p:sp>
+          <p:nvSpPr>
+            <p:cNvPr id="232" name="Oval 231">
+              <a:extLst>
+                <a:ext uri="{FF2B5EF4-FFF2-40B4-BE49-F238E27FC236}">
+                  <a16:creationId xmlns:a16="http://schemas.microsoft.com/office/drawing/2014/main" id="{C2EBF114-7DB7-3364-84C5-AAA6596C9AA7}"/>
+                </a:ext>
+              </a:extLst>
+            </p:cNvPr>
+            <p:cNvSpPr>
+              <a:spLocks noChangeAspect="1"/>
+            </p:cNvSpPr>
+            <p:nvPr/>
+          </p:nvSpPr>
+          <p:spPr>
+            <a:xfrm>
+              <a:off x="5380616" y="4553931"/>
+              <a:ext cx="180000" cy="180000"/>
+            </a:xfrm>
+            <a:prstGeom prst="ellipse">
+              <a:avLst/>
+            </a:prstGeom>
+            <a:solidFill>
+              <a:srgbClr val="C00000"/>
+            </a:solidFill>
+            <a:ln>
+              <a:noFill/>
+            </a:ln>
+          </p:spPr>
+          <p:style>
+            <a:lnRef idx="2">
+              <a:schemeClr val="accent1">
+                <a:shade val="50000"/>
+              </a:schemeClr>
+            </a:lnRef>
+            <a:fillRef idx="1">
+              <a:schemeClr val="accent1"/>
+            </a:fillRef>
+            <a:effectRef idx="0">
+              <a:schemeClr val="accent1"/>
+            </a:effectRef>
+            <a:fontRef idx="minor">
+              <a:schemeClr val="lt1"/>
+            </a:fontRef>
+          </p:style>
+          <p:txBody>
+            <a:bodyPr rtlCol="0" anchor="ctr"/>
+            <a:lstStyle/>
+            <a:p>
+              <a:pPr algn="ctr"/>
+              <a:endParaRPr lang="en-US"/>
+            </a:p>
+          </p:txBody>
+        </p:sp>
+        <p:sp>
+          <p:nvSpPr>
+            <p:cNvPr id="233" name="Oval 232">
+              <a:extLst>
+                <a:ext uri="{FF2B5EF4-FFF2-40B4-BE49-F238E27FC236}">
+                  <a16:creationId xmlns:a16="http://schemas.microsoft.com/office/drawing/2014/main" id="{6122CDB8-48BB-7E02-ACEF-60993A1E1C3B}"/>
+                </a:ext>
+              </a:extLst>
+            </p:cNvPr>
+            <p:cNvSpPr>
+              <a:spLocks noChangeAspect="1"/>
+            </p:cNvSpPr>
+            <p:nvPr/>
+          </p:nvSpPr>
+          <p:spPr>
+            <a:xfrm>
+              <a:off x="6244178" y="4420917"/>
+              <a:ext cx="180000" cy="180000"/>
+            </a:xfrm>
+            <a:prstGeom prst="ellipse">
+              <a:avLst/>
+            </a:prstGeom>
+            <a:solidFill>
+              <a:srgbClr val="C00000"/>
+            </a:solidFill>
+            <a:ln>
+              <a:noFill/>
+            </a:ln>
+          </p:spPr>
+          <p:style>
+            <a:lnRef idx="2">
+              <a:schemeClr val="accent1">
+                <a:shade val="50000"/>
+              </a:schemeClr>
+            </a:lnRef>
+            <a:fillRef idx="1">
+              <a:schemeClr val="accent1"/>
+            </a:fillRef>
+            <a:effectRef idx="0">
+              <a:schemeClr val="accent1"/>
+            </a:effectRef>
+            <a:fontRef idx="minor">
+              <a:schemeClr val="lt1"/>
+            </a:fontRef>
+          </p:style>
+          <p:txBody>
+            <a:bodyPr rtlCol="0" anchor="ctr"/>
+            <a:lstStyle/>
+            <a:p>
+              <a:pPr algn="ctr"/>
+              <a:endParaRPr lang="en-US"/>
+            </a:p>
+          </p:txBody>
+        </p:sp>
+        <p:sp>
+          <p:nvSpPr>
+            <p:cNvPr id="234" name="Oval 233">
+              <a:extLst>
+                <a:ext uri="{FF2B5EF4-FFF2-40B4-BE49-F238E27FC236}">
+                  <a16:creationId xmlns:a16="http://schemas.microsoft.com/office/drawing/2014/main" id="{FE79D6BF-95DF-A7A9-2E13-CE27D43E80FF}"/>
+                </a:ext>
+              </a:extLst>
+            </p:cNvPr>
+            <p:cNvSpPr>
+              <a:spLocks noChangeAspect="1"/>
+            </p:cNvSpPr>
+            <p:nvPr/>
+          </p:nvSpPr>
+          <p:spPr>
+            <a:xfrm>
+              <a:off x="6617295" y="4330917"/>
+              <a:ext cx="180000" cy="180000"/>
+            </a:xfrm>
+            <a:prstGeom prst="ellipse">
+              <a:avLst/>
+            </a:prstGeom>
+            <a:solidFill>
+              <a:srgbClr val="C00000"/>
+            </a:solidFill>
+            <a:ln>
+              <a:noFill/>
+            </a:ln>
+          </p:spPr>
+          <p:style>
+            <a:lnRef idx="2">
+              <a:schemeClr val="accent1">
+                <a:shade val="50000"/>
+              </a:schemeClr>
+            </a:lnRef>
+            <a:fillRef idx="1">
+              <a:schemeClr val="accent1"/>
+            </a:fillRef>
+            <a:effectRef idx="0">
+              <a:schemeClr val="accent1"/>
+            </a:effectRef>
+            <a:fontRef idx="minor">
+              <a:schemeClr val="lt1"/>
+            </a:fontRef>
+          </p:style>
+          <p:txBody>
+            <a:bodyPr rtlCol="0" anchor="ctr"/>
+            <a:lstStyle/>
+            <a:p>
+              <a:pPr algn="ctr"/>
+              <a:endParaRPr lang="en-US"/>
+            </a:p>
+          </p:txBody>
+        </p:sp>
+        <p:sp>
+          <p:nvSpPr>
+            <p:cNvPr id="235" name="Oval 234">
+              <a:extLst>
+                <a:ext uri="{FF2B5EF4-FFF2-40B4-BE49-F238E27FC236}">
+                  <a16:creationId xmlns:a16="http://schemas.microsoft.com/office/drawing/2014/main" id="{86362BE0-3B9D-1247-0E3C-7FBA7DB56B96}"/>
+                </a:ext>
+              </a:extLst>
+            </p:cNvPr>
+            <p:cNvSpPr>
+              <a:spLocks noChangeAspect="1"/>
+            </p:cNvSpPr>
+            <p:nvPr/>
+          </p:nvSpPr>
+          <p:spPr>
+            <a:xfrm>
+              <a:off x="5800094" y="4502683"/>
+              <a:ext cx="180000" cy="180000"/>
+            </a:xfrm>
+            <a:prstGeom prst="ellipse">
+              <a:avLst/>
+            </a:prstGeom>
+            <a:solidFill>
+              <a:srgbClr val="C00000"/>
+            </a:solidFill>
+            <a:ln>
+              <a:noFill/>
+            </a:ln>
+          </p:spPr>
+          <p:style>
+            <a:lnRef idx="2">
+              <a:schemeClr val="accent1">
+                <a:shade val="50000"/>
+              </a:schemeClr>
+            </a:lnRef>
+            <a:fillRef idx="1">
+              <a:schemeClr val="accent1"/>
+            </a:fillRef>
+            <a:effectRef idx="0">
+              <a:schemeClr val="accent1"/>
+            </a:effectRef>
+            <a:fontRef idx="minor">
+              <a:schemeClr val="lt1"/>
+            </a:fontRef>
+          </p:style>
+          <p:txBody>
+            <a:bodyPr rtlCol="0" anchor="ctr"/>
+            <a:lstStyle/>
+            <a:p>
+              <a:pPr algn="ctr"/>
+              <a:endParaRPr lang="en-US"/>
+            </a:p>
+          </p:txBody>
+        </p:sp>
+        <p:sp>
+          <p:nvSpPr>
+            <p:cNvPr id="236" name="Oval 235">
+              <a:extLst>
+                <a:ext uri="{FF2B5EF4-FFF2-40B4-BE49-F238E27FC236}">
+                  <a16:creationId xmlns:a16="http://schemas.microsoft.com/office/drawing/2014/main" id="{96C1826A-3618-089B-7E9A-CEC5F5BE7715}"/>
+                </a:ext>
+              </a:extLst>
+            </p:cNvPr>
+            <p:cNvSpPr>
+              <a:spLocks noChangeAspect="1"/>
+            </p:cNvSpPr>
+            <p:nvPr/>
+          </p:nvSpPr>
+          <p:spPr>
+            <a:xfrm>
+              <a:off x="7079792" y="4774008"/>
+              <a:ext cx="180000" cy="180000"/>
+            </a:xfrm>
+            <a:prstGeom prst="ellipse">
+              <a:avLst/>
+            </a:prstGeom>
+            <a:solidFill>
+              <a:srgbClr val="C00000"/>
+            </a:solidFill>
+            <a:ln>
+              <a:noFill/>
+            </a:ln>
+          </p:spPr>
+          <p:style>
+            <a:lnRef idx="2">
+              <a:schemeClr val="accent1">
+                <a:shade val="50000"/>
+              </a:schemeClr>
+            </a:lnRef>
+            <a:fillRef idx="1">
+              <a:schemeClr val="accent1"/>
+            </a:fillRef>
+            <a:effectRef idx="0">
+              <a:schemeClr val="accent1"/>
+            </a:effectRef>
+            <a:fontRef idx="minor">
+              <a:schemeClr val="lt1"/>
+            </a:fontRef>
+          </p:style>
+          <p:txBody>
+            <a:bodyPr rtlCol="0" anchor="ctr"/>
+            <a:lstStyle/>
+            <a:p>
+              <a:pPr algn="ctr"/>
+              <a:endParaRPr lang="en-US"/>
+            </a:p>
+          </p:txBody>
+        </p:sp>
+        <p:sp>
+          <p:nvSpPr>
+            <p:cNvPr id="237" name="Oval 236">
+              <a:extLst>
+                <a:ext uri="{FF2B5EF4-FFF2-40B4-BE49-F238E27FC236}">
+                  <a16:creationId xmlns:a16="http://schemas.microsoft.com/office/drawing/2014/main" id="{EB7C21DE-AEDB-3CE7-B933-399F6121A110}"/>
+                </a:ext>
+              </a:extLst>
+            </p:cNvPr>
+            <p:cNvSpPr>
+              <a:spLocks noChangeAspect="1"/>
+            </p:cNvSpPr>
+            <p:nvPr/>
+          </p:nvSpPr>
+          <p:spPr>
+            <a:xfrm>
+              <a:off x="6887295" y="4553931"/>
+              <a:ext cx="180000" cy="180000"/>
+            </a:xfrm>
+            <a:prstGeom prst="ellipse">
+              <a:avLst/>
+            </a:prstGeom>
+            <a:solidFill>
+              <a:srgbClr val="C00000"/>
+            </a:solidFill>
+            <a:ln>
+              <a:noFill/>
+            </a:ln>
+          </p:spPr>
+          <p:style>
+            <a:lnRef idx="2">
+              <a:schemeClr val="accent1">
+                <a:shade val="50000"/>
+              </a:schemeClr>
+            </a:lnRef>
+            <a:fillRef idx="1">
+              <a:schemeClr val="accent1"/>
+            </a:fillRef>
+            <a:effectRef idx="0">
+              <a:schemeClr val="accent1"/>
+            </a:effectRef>
+            <a:fontRef idx="minor">
+              <a:schemeClr val="lt1"/>
+            </a:fontRef>
+          </p:style>
+          <p:txBody>
+            <a:bodyPr rtlCol="0" anchor="ctr"/>
+            <a:lstStyle/>
+            <a:p>
+              <a:pPr algn="ctr"/>
+              <a:endParaRPr lang="en-US"/>
+            </a:p>
+          </p:txBody>
+        </p:sp>
+        <p:cxnSp>
+          <p:nvCxnSpPr>
+            <p:cNvPr id="247" name="Straight Connector 246">
+              <a:extLst>
+                <a:ext uri="{FF2B5EF4-FFF2-40B4-BE49-F238E27FC236}">
+                  <a16:creationId xmlns:a16="http://schemas.microsoft.com/office/drawing/2014/main" id="{3F6FF6E7-C574-F65F-9342-51858593D313}"/>
+                </a:ext>
+              </a:extLst>
+            </p:cNvPr>
+            <p:cNvCxnSpPr>
+              <a:cxnSpLocks/>
+            </p:cNvCxnSpPr>
+            <p:nvPr/>
+          </p:nvCxnSpPr>
+          <p:spPr>
+            <a:xfrm rot="-420000" flipH="1" flipV="1">
+              <a:off x="4787351" y="4993105"/>
+              <a:ext cx="26360" cy="195188"/>
+            </a:xfrm>
+            <a:prstGeom prst="line">
+              <a:avLst/>
+            </a:prstGeom>
+            <a:ln w="28575">
+              <a:solidFill>
+                <a:srgbClr val="C00000"/>
+              </a:solidFill>
+            </a:ln>
+          </p:spPr>
+          <p:style>
+            <a:lnRef idx="1">
+              <a:schemeClr val="accent1"/>
+            </a:lnRef>
+            <a:fillRef idx="0">
+              <a:schemeClr val="accent1"/>
+            </a:fillRef>
+            <a:effectRef idx="0">
+              <a:schemeClr val="accent1"/>
+            </a:effectRef>
+            <a:fontRef idx="minor">
+              <a:schemeClr val="tx1"/>
+            </a:fontRef>
+          </p:style>
+        </p:cxnSp>
+        <p:cxnSp>
+          <p:nvCxnSpPr>
+            <p:cNvPr id="253" name="Straight Connector 252">
+              <a:extLst>
+                <a:ext uri="{FF2B5EF4-FFF2-40B4-BE49-F238E27FC236}">
+                  <a16:creationId xmlns:a16="http://schemas.microsoft.com/office/drawing/2014/main" id="{0FFA2E7C-EFD9-2862-A7E7-2358C39366B0}"/>
+                </a:ext>
+              </a:extLst>
+            </p:cNvPr>
+            <p:cNvCxnSpPr>
+              <a:cxnSpLocks/>
+            </p:cNvCxnSpPr>
+            <p:nvPr/>
+          </p:nvCxnSpPr>
+          <p:spPr>
+            <a:xfrm rot="5040000" flipH="1" flipV="1">
+              <a:off x="4944734" y="4362859"/>
+              <a:ext cx="26360" cy="216000"/>
+            </a:xfrm>
+            <a:prstGeom prst="line">
+              <a:avLst/>
+            </a:prstGeom>
+            <a:ln w="28575">
+              <a:solidFill>
+                <a:srgbClr val="C00000"/>
+              </a:solidFill>
+            </a:ln>
+          </p:spPr>
+          <p:style>
+            <a:lnRef idx="1">
+              <a:schemeClr val="accent1"/>
+            </a:lnRef>
+            <a:fillRef idx="0">
+              <a:schemeClr val="accent1"/>
+            </a:fillRef>
+            <a:effectRef idx="0">
+              <a:schemeClr val="accent1"/>
+            </a:effectRef>
+            <a:fontRef idx="minor">
+              <a:schemeClr val="tx1"/>
+            </a:fontRef>
+          </p:style>
+        </p:cxnSp>
+        <p:cxnSp>
+          <p:nvCxnSpPr>
+            <p:cNvPr id="254" name="Straight Connector 253">
+              <a:extLst>
+                <a:ext uri="{FF2B5EF4-FFF2-40B4-BE49-F238E27FC236}">
+                  <a16:creationId xmlns:a16="http://schemas.microsoft.com/office/drawing/2014/main" id="{5AEE7AF5-2997-31B7-B394-DE83843A919C}"/>
+                </a:ext>
+              </a:extLst>
+            </p:cNvPr>
+            <p:cNvCxnSpPr>
+              <a:cxnSpLocks/>
+            </p:cNvCxnSpPr>
+            <p:nvPr/>
+          </p:nvCxnSpPr>
+          <p:spPr>
+            <a:xfrm rot="5340000" flipH="1" flipV="1">
+              <a:off x="5671907" y="4497550"/>
+              <a:ext cx="26360" cy="252000"/>
+            </a:xfrm>
+            <a:prstGeom prst="line">
+              <a:avLst/>
+            </a:prstGeom>
+            <a:ln w="28575">
+              <a:solidFill>
+                <a:srgbClr val="C00000"/>
+              </a:solidFill>
+            </a:ln>
+          </p:spPr>
+          <p:style>
+            <a:lnRef idx="1">
+              <a:schemeClr val="accent1"/>
+            </a:lnRef>
+            <a:fillRef idx="0">
+              <a:schemeClr val="accent1"/>
+            </a:fillRef>
+            <a:effectRef idx="0">
+              <a:schemeClr val="accent1"/>
+            </a:effectRef>
+            <a:fontRef idx="minor">
+              <a:schemeClr val="tx1"/>
+            </a:fontRef>
+          </p:style>
+        </p:cxnSp>
+        <p:cxnSp>
+          <p:nvCxnSpPr>
+            <p:cNvPr id="255" name="Straight Connector 254">
+              <a:extLst>
+                <a:ext uri="{FF2B5EF4-FFF2-40B4-BE49-F238E27FC236}">
+                  <a16:creationId xmlns:a16="http://schemas.microsoft.com/office/drawing/2014/main" id="{C7EDFD6E-DBD1-EB1C-262E-E5A3D7662162}"/>
+                </a:ext>
+              </a:extLst>
+            </p:cNvPr>
+            <p:cNvCxnSpPr>
+              <a:cxnSpLocks/>
+            </p:cNvCxnSpPr>
+            <p:nvPr/>
+          </p:nvCxnSpPr>
+          <p:spPr>
+            <a:xfrm rot="4680000" flipH="1" flipV="1">
+              <a:off x="6516346" y="4342057"/>
+              <a:ext cx="26360" cy="252000"/>
+            </a:xfrm>
+            <a:prstGeom prst="line">
+              <a:avLst/>
+            </a:prstGeom>
+            <a:ln w="28575">
+              <a:solidFill>
+                <a:srgbClr val="C00000"/>
+              </a:solidFill>
+            </a:ln>
+          </p:spPr>
+          <p:style>
+            <a:lnRef idx="1">
+              <a:schemeClr val="accent1"/>
+            </a:lnRef>
+            <a:fillRef idx="0">
+              <a:schemeClr val="accent1"/>
+            </a:fillRef>
+            <a:effectRef idx="0">
+              <a:schemeClr val="accent1"/>
+            </a:effectRef>
+            <a:fontRef idx="minor">
+              <a:schemeClr val="tx1"/>
+            </a:fontRef>
+          </p:style>
+        </p:cxnSp>
+        <p:cxnSp>
+          <p:nvCxnSpPr>
+            <p:cNvPr id="256" name="Straight Connector 255">
+              <a:extLst>
+                <a:ext uri="{FF2B5EF4-FFF2-40B4-BE49-F238E27FC236}">
+                  <a16:creationId xmlns:a16="http://schemas.microsoft.com/office/drawing/2014/main" id="{EB29E709-36B6-47CA-F157-3AD1AB26B30F}"/>
+                </a:ext>
+              </a:extLst>
+            </p:cNvPr>
+            <p:cNvCxnSpPr>
+              <a:cxnSpLocks/>
+            </p:cNvCxnSpPr>
+            <p:nvPr/>
+          </p:nvCxnSpPr>
+          <p:spPr>
+            <a:xfrm rot="-2160000" flipH="1" flipV="1">
+              <a:off x="7054114" y="4639693"/>
+              <a:ext cx="26360" cy="252000"/>
+            </a:xfrm>
+            <a:prstGeom prst="line">
+              <a:avLst/>
+            </a:prstGeom>
+            <a:ln w="28575">
+              <a:solidFill>
+                <a:srgbClr val="C00000"/>
+              </a:solidFill>
+            </a:ln>
+          </p:spPr>
+          <p:style>
+            <a:lnRef idx="1">
+              <a:schemeClr val="accent1"/>
+            </a:lnRef>
+            <a:fillRef idx="0">
+              <a:schemeClr val="accent1"/>
+            </a:fillRef>
+            <a:effectRef idx="0">
+              <a:schemeClr val="accent1"/>
+            </a:effectRef>
+            <a:fontRef idx="minor">
+              <a:schemeClr val="tx1"/>
+            </a:fontRef>
+          </p:style>
+        </p:cxnSp>
+      </p:grpSp>
     </p:spTree>
     <p:extLst>
       <p:ext uri="{BB962C8B-B14F-4D97-AF65-F5344CB8AC3E}">
         <p14:creationId xmlns:p14="http://schemas.microsoft.com/office/powerpoint/2010/main" val="152879446"/>
+      </p:ext>
+    </p:extLst>
+  </p:cSld>
+  <p:clrMapOvr>
+    <a:masterClrMapping/>
+  </p:clrMapOvr>
+</p:sld>
+</file>
+
+<file path=ppt/slides/slide2.xml><?xml version="1.0" encoding="utf-8"?>
+<p:sld xmlns:a="http://schemas.openxmlformats.org/drawingml/2006/main" xmlns:r="http://schemas.openxmlformats.org/officeDocument/2006/relationships" xmlns:p="http://schemas.openxmlformats.org/presentationml/2006/main">
+  <p:cSld>
+    <p:spTree>
+      <p:nvGrpSpPr>
+        <p:cNvPr id="1" name=""/>
+        <p:cNvGrpSpPr/>
+        <p:nvPr/>
+      </p:nvGrpSpPr>
+      <p:grpSpPr>
+        <a:xfrm>
+          <a:off x="0" y="0"/>
+          <a:ext cx="0" cy="0"/>
+          <a:chOff x="0" y="0"/>
+          <a:chExt cx="0" cy="0"/>
+        </a:xfrm>
+      </p:grpSpPr>
+      <mc:AlternateContent xmlns:mc="http://schemas.openxmlformats.org/markup-compatibility/2006">
+        <mc:Choice xmlns:p14="http://schemas.microsoft.com/office/powerpoint/2010/main" Requires="p14">
+          <p:contentPart p14:bwMode="auto" r:id="rId2">
+            <p14:nvContentPartPr>
+              <p14:cNvPr id="20" name="Ink 19">
+                <a:extLst>
+                  <a:ext uri="{FF2B5EF4-FFF2-40B4-BE49-F238E27FC236}">
+                    <a16:creationId xmlns:a16="http://schemas.microsoft.com/office/drawing/2014/main" id="{47FD1108-17B5-68B9-ACAF-A811C29C9843}"/>
+                  </a:ext>
+                </a:extLst>
+              </p14:cNvPr>
+              <p14:cNvContentPartPr/>
+              <p14:nvPr/>
+            </p14:nvContentPartPr>
+            <p14:xfrm>
+              <a:off x="1563002" y="1122999"/>
+              <a:ext cx="2966040" cy="4759560"/>
+            </p14:xfrm>
+          </p:contentPart>
+        </mc:Choice>
+        <mc:Fallback>
+          <p:pic>
+            <p:nvPicPr>
+              <p:cNvPr id="20" name="Ink 19">
+                <a:extLst>
+                  <a:ext uri="{FF2B5EF4-FFF2-40B4-BE49-F238E27FC236}">
+                    <a16:creationId xmlns:a16="http://schemas.microsoft.com/office/drawing/2014/main" id="{47FD1108-17B5-68B9-ACAF-A811C29C9843}"/>
+                  </a:ext>
+                </a:extLst>
+              </p:cNvPr>
+              <p:cNvPicPr/>
+              <p:nvPr/>
+            </p:nvPicPr>
+            <p:blipFill>
+              <a:blip r:embed="rId3"/>
+              <a:stretch>
+                <a:fillRect/>
+              </a:stretch>
+            </p:blipFill>
+            <p:spPr>
+              <a:xfrm>
+                <a:off x="1545002" y="1104999"/>
+                <a:ext cx="3001680" cy="4795200"/>
+              </a:xfrm>
+              <a:prstGeom prst="rect">
+                <a:avLst/>
+              </a:prstGeom>
+            </p:spPr>
+          </p:pic>
+        </mc:Fallback>
+      </mc:AlternateContent>
+      <mc:AlternateContent xmlns:mc="http://schemas.openxmlformats.org/markup-compatibility/2006">
+        <mc:Choice xmlns:p14="http://schemas.microsoft.com/office/powerpoint/2010/main" Requires="p14">
+          <p:contentPart p14:bwMode="auto" r:id="rId4">
+            <p14:nvContentPartPr>
+              <p14:cNvPr id="21" name="Ink 20">
+                <a:extLst>
+                  <a:ext uri="{FF2B5EF4-FFF2-40B4-BE49-F238E27FC236}">
+                    <a16:creationId xmlns:a16="http://schemas.microsoft.com/office/drawing/2014/main" id="{06E24AFD-43C5-F1C0-88DA-444D964D1DDB}"/>
+                  </a:ext>
+                </a:extLst>
+              </p14:cNvPr>
+              <p14:cNvContentPartPr/>
+              <p14:nvPr/>
+            </p14:nvContentPartPr>
+            <p14:xfrm>
+              <a:off x="1649762" y="1142799"/>
+              <a:ext cx="26280" cy="360"/>
+            </p14:xfrm>
+          </p:contentPart>
+        </mc:Choice>
+        <mc:Fallback>
+          <p:pic>
+            <p:nvPicPr>
+              <p:cNvPr id="21" name="Ink 20">
+                <a:extLst>
+                  <a:ext uri="{FF2B5EF4-FFF2-40B4-BE49-F238E27FC236}">
+                    <a16:creationId xmlns:a16="http://schemas.microsoft.com/office/drawing/2014/main" id="{06E24AFD-43C5-F1C0-88DA-444D964D1DDB}"/>
+                  </a:ext>
+                </a:extLst>
+              </p:cNvPr>
+              <p:cNvPicPr/>
+              <p:nvPr/>
+            </p:nvPicPr>
+            <p:blipFill>
+              <a:blip r:embed="rId5"/>
+              <a:stretch>
+                <a:fillRect/>
+              </a:stretch>
+            </p:blipFill>
+            <p:spPr>
+              <a:xfrm>
+                <a:off x="1632122" y="1124799"/>
+                <a:ext cx="61920" cy="36000"/>
+              </a:xfrm>
+              <a:prstGeom prst="rect">
+                <a:avLst/>
+              </a:prstGeom>
+            </p:spPr>
+          </p:pic>
+        </mc:Fallback>
+      </mc:AlternateContent>
+      <mc:AlternateContent xmlns:mc="http://schemas.openxmlformats.org/markup-compatibility/2006">
+        <mc:Choice xmlns:p14="http://schemas.microsoft.com/office/powerpoint/2010/main" Requires="p14">
+          <p:contentPart p14:bwMode="auto" r:id="rId6">
+            <p14:nvContentPartPr>
+              <p14:cNvPr id="23" name="Ink 22">
+                <a:extLst>
+                  <a:ext uri="{FF2B5EF4-FFF2-40B4-BE49-F238E27FC236}">
+                    <a16:creationId xmlns:a16="http://schemas.microsoft.com/office/drawing/2014/main" id="{9CB3679E-DC87-F2CF-B72D-00EBD668E272}"/>
+                  </a:ext>
+                </a:extLst>
+              </p14:cNvPr>
+              <p14:cNvContentPartPr/>
+              <p14:nvPr/>
+            </p14:nvContentPartPr>
+            <p14:xfrm>
+              <a:off x="6767088" y="1122999"/>
+              <a:ext cx="2966040" cy="4759560"/>
+            </p14:xfrm>
+          </p:contentPart>
+        </mc:Choice>
+        <mc:Fallback>
+          <p:pic>
+            <p:nvPicPr>
+              <p:cNvPr id="23" name="Ink 22">
+                <a:extLst>
+                  <a:ext uri="{FF2B5EF4-FFF2-40B4-BE49-F238E27FC236}">
+                    <a16:creationId xmlns:a16="http://schemas.microsoft.com/office/drawing/2014/main" id="{9CB3679E-DC87-F2CF-B72D-00EBD668E272}"/>
+                  </a:ext>
+                </a:extLst>
+              </p:cNvPr>
+              <p:cNvPicPr/>
+              <p:nvPr/>
+            </p:nvPicPr>
+            <p:blipFill>
+              <a:blip r:embed="rId3"/>
+              <a:stretch>
+                <a:fillRect/>
+              </a:stretch>
+            </p:blipFill>
+            <p:spPr>
+              <a:xfrm>
+                <a:off x="6749088" y="1104999"/>
+                <a:ext cx="3001680" cy="4795200"/>
+              </a:xfrm>
+              <a:prstGeom prst="rect">
+                <a:avLst/>
+              </a:prstGeom>
+            </p:spPr>
+          </p:pic>
+        </mc:Fallback>
+      </mc:AlternateContent>
+      <mc:AlternateContent xmlns:mc="http://schemas.openxmlformats.org/markup-compatibility/2006">
+        <mc:Choice xmlns:p14="http://schemas.microsoft.com/office/powerpoint/2010/main" Requires="p14">
+          <p:contentPart p14:bwMode="auto" r:id="rId7">
+            <p14:nvContentPartPr>
+              <p14:cNvPr id="24" name="Ink 23">
+                <a:extLst>
+                  <a:ext uri="{FF2B5EF4-FFF2-40B4-BE49-F238E27FC236}">
+                    <a16:creationId xmlns:a16="http://schemas.microsoft.com/office/drawing/2014/main" id="{C3749CC6-F381-E29F-010C-1F2582DEE84A}"/>
+                  </a:ext>
+                </a:extLst>
+              </p14:cNvPr>
+              <p14:cNvContentPartPr/>
+              <p14:nvPr/>
+            </p14:nvContentPartPr>
+            <p14:xfrm>
+              <a:off x="6853848" y="1142799"/>
+              <a:ext cx="26280" cy="360"/>
+            </p14:xfrm>
+          </p:contentPart>
+        </mc:Choice>
+        <mc:Fallback>
+          <p:pic>
+            <p:nvPicPr>
+              <p:cNvPr id="24" name="Ink 23">
+                <a:extLst>
+                  <a:ext uri="{FF2B5EF4-FFF2-40B4-BE49-F238E27FC236}">
+                    <a16:creationId xmlns:a16="http://schemas.microsoft.com/office/drawing/2014/main" id="{C3749CC6-F381-E29F-010C-1F2582DEE84A}"/>
+                  </a:ext>
+                </a:extLst>
+              </p:cNvPr>
+              <p:cNvPicPr/>
+              <p:nvPr/>
+            </p:nvPicPr>
+            <p:blipFill>
+              <a:blip r:embed="rId5"/>
+              <a:stretch>
+                <a:fillRect/>
+              </a:stretch>
+            </p:blipFill>
+            <p:spPr>
+              <a:xfrm>
+                <a:off x="6836208" y="1124799"/>
+                <a:ext cx="61920" cy="36000"/>
+              </a:xfrm>
+              <a:prstGeom prst="rect">
+                <a:avLst/>
+              </a:prstGeom>
+            </p:spPr>
+          </p:pic>
+        </mc:Fallback>
+      </mc:AlternateContent>
+      <mc:AlternateContent xmlns:mc="http://schemas.openxmlformats.org/markup-compatibility/2006">
+        <mc:Choice xmlns:p14="http://schemas.microsoft.com/office/powerpoint/2010/main" Requires="p14">
+          <p:contentPart p14:bwMode="auto" r:id="rId8">
+            <p14:nvContentPartPr>
+              <p14:cNvPr id="26" name="Ink 25">
+                <a:extLst>
+                  <a:ext uri="{FF2B5EF4-FFF2-40B4-BE49-F238E27FC236}">
+                    <a16:creationId xmlns:a16="http://schemas.microsoft.com/office/drawing/2014/main" id="{43248298-AB82-809C-39B3-B134C5BDDB88}"/>
+                  </a:ext>
+                </a:extLst>
+              </p14:cNvPr>
+              <p14:cNvContentPartPr/>
+              <p14:nvPr/>
+            </p14:nvContentPartPr>
+            <p14:xfrm>
+              <a:off x="2474162" y="1204359"/>
+              <a:ext cx="764640" cy="4600080"/>
+            </p14:xfrm>
+          </p:contentPart>
+        </mc:Choice>
+        <mc:Fallback>
+          <p:pic>
+            <p:nvPicPr>
+              <p:cNvPr id="26" name="Ink 25">
+                <a:extLst>
+                  <a:ext uri="{FF2B5EF4-FFF2-40B4-BE49-F238E27FC236}">
+                    <a16:creationId xmlns:a16="http://schemas.microsoft.com/office/drawing/2014/main" id="{43248298-AB82-809C-39B3-B134C5BDDB88}"/>
+                  </a:ext>
+                </a:extLst>
+              </p:cNvPr>
+              <p:cNvPicPr/>
+              <p:nvPr/>
+            </p:nvPicPr>
+            <p:blipFill>
+              <a:blip r:embed="rId9"/>
+              <a:stretch>
+                <a:fillRect/>
+              </a:stretch>
+            </p:blipFill>
+            <p:spPr>
+              <a:xfrm>
+                <a:off x="2456522" y="1186719"/>
+                <a:ext cx="800280" cy="4635720"/>
+              </a:xfrm>
+              <a:prstGeom prst="rect">
+                <a:avLst/>
+              </a:prstGeom>
+            </p:spPr>
+          </p:pic>
+        </mc:Fallback>
+      </mc:AlternateContent>
+      <mc:AlternateContent xmlns:mc="http://schemas.openxmlformats.org/markup-compatibility/2006">
+        <mc:Choice xmlns:p14="http://schemas.microsoft.com/office/powerpoint/2010/main" Requires="p14">
+          <p:contentPart p14:bwMode="auto" r:id="rId10">
+            <p14:nvContentPartPr>
+              <p14:cNvPr id="32" name="Ink 31">
+                <a:extLst>
+                  <a:ext uri="{FF2B5EF4-FFF2-40B4-BE49-F238E27FC236}">
+                    <a16:creationId xmlns:a16="http://schemas.microsoft.com/office/drawing/2014/main" id="{CEB807A3-A0F7-1302-0064-8F091D19D1C2}"/>
+                  </a:ext>
+                </a:extLst>
+              </p14:cNvPr>
+              <p14:cNvContentPartPr/>
+              <p14:nvPr/>
+            </p14:nvContentPartPr>
+            <p14:xfrm>
+              <a:off x="8722322" y="1167279"/>
+              <a:ext cx="412560" cy="4607640"/>
+            </p14:xfrm>
+          </p:contentPart>
+        </mc:Choice>
+        <mc:Fallback>
+          <p:pic>
+            <p:nvPicPr>
+              <p:cNvPr id="32" name="Ink 31">
+                <a:extLst>
+                  <a:ext uri="{FF2B5EF4-FFF2-40B4-BE49-F238E27FC236}">
+                    <a16:creationId xmlns:a16="http://schemas.microsoft.com/office/drawing/2014/main" id="{CEB807A3-A0F7-1302-0064-8F091D19D1C2}"/>
+                  </a:ext>
+                </a:extLst>
+              </p:cNvPr>
+              <p:cNvPicPr/>
+              <p:nvPr/>
+            </p:nvPicPr>
+            <p:blipFill>
+              <a:blip r:embed="rId11"/>
+              <a:stretch>
+                <a:fillRect/>
+              </a:stretch>
+            </p:blipFill>
+            <p:spPr>
+              <a:xfrm>
+                <a:off x="8704322" y="1149639"/>
+                <a:ext cx="448200" cy="4643280"/>
+              </a:xfrm>
+              <a:prstGeom prst="rect">
+                <a:avLst/>
+              </a:prstGeom>
+            </p:spPr>
+          </p:pic>
+        </mc:Fallback>
+      </mc:AlternateContent>
+    </p:spTree>
+    <p:extLst>
+      <p:ext uri="{BB962C8B-B14F-4D97-AF65-F5344CB8AC3E}">
+        <p14:creationId xmlns:p14="http://schemas.microsoft.com/office/powerpoint/2010/main" val="1150544345"/>
+      </p:ext>
+    </p:extLst>
+  </p:cSld>
+  <p:clrMapOvr>
+    <a:masterClrMapping/>
+  </p:clrMapOvr>
+</p:sld>
+</file>
+
+<file path=ppt/slides/slide3.xml><?xml version="1.0" encoding="utf-8"?>
+<p:sld xmlns:a="http://schemas.openxmlformats.org/drawingml/2006/main" xmlns:r="http://schemas.openxmlformats.org/officeDocument/2006/relationships" xmlns:p="http://schemas.openxmlformats.org/presentationml/2006/main">
+  <p:cSld>
+    <p:spTree>
+      <p:nvGrpSpPr>
+        <p:cNvPr id="1" name=""/>
+        <p:cNvGrpSpPr/>
+        <p:nvPr/>
+      </p:nvGrpSpPr>
+      <p:grpSpPr>
+        <a:xfrm>
+          <a:off x="0" y="0"/>
+          <a:ext cx="0" cy="0"/>
+          <a:chOff x="0" y="0"/>
+          <a:chExt cx="0" cy="0"/>
+        </a:xfrm>
+      </p:grpSpPr>
+      <mc:AlternateContent xmlns:mc="http://schemas.openxmlformats.org/markup-compatibility/2006">
+        <mc:Choice xmlns:p14="http://schemas.microsoft.com/office/powerpoint/2010/main" Requires="p14">
+          <p:contentPart p14:bwMode="auto" r:id="rId2">
+            <p14:nvContentPartPr>
+              <p14:cNvPr id="20" name="Ink 19">
+                <a:extLst>
+                  <a:ext uri="{FF2B5EF4-FFF2-40B4-BE49-F238E27FC236}">
+                    <a16:creationId xmlns:a16="http://schemas.microsoft.com/office/drawing/2014/main" id="{47FD1108-17B5-68B9-ACAF-A811C29C9843}"/>
+                  </a:ext>
+                </a:extLst>
+              </p14:cNvPr>
+              <p14:cNvContentPartPr/>
+              <p14:nvPr/>
+            </p14:nvContentPartPr>
+            <p14:xfrm>
+              <a:off x="1563002" y="1122999"/>
+              <a:ext cx="2966040" cy="4759560"/>
+            </p14:xfrm>
+          </p:contentPart>
+        </mc:Choice>
+        <mc:Fallback>
+          <p:pic>
+            <p:nvPicPr>
+              <p:cNvPr id="20" name="Ink 19">
+                <a:extLst>
+                  <a:ext uri="{FF2B5EF4-FFF2-40B4-BE49-F238E27FC236}">
+                    <a16:creationId xmlns:a16="http://schemas.microsoft.com/office/drawing/2014/main" id="{47FD1108-17B5-68B9-ACAF-A811C29C9843}"/>
+                  </a:ext>
+                </a:extLst>
+              </p:cNvPr>
+              <p:cNvPicPr/>
+              <p:nvPr/>
+            </p:nvPicPr>
+            <p:blipFill>
+              <a:blip r:embed="rId3"/>
+              <a:stretch>
+                <a:fillRect/>
+              </a:stretch>
+            </p:blipFill>
+            <p:spPr>
+              <a:xfrm>
+                <a:off x="1545002" y="1104999"/>
+                <a:ext cx="3001680" cy="4795200"/>
+              </a:xfrm>
+              <a:prstGeom prst="rect">
+                <a:avLst/>
+              </a:prstGeom>
+            </p:spPr>
+          </p:pic>
+        </mc:Fallback>
+      </mc:AlternateContent>
+      <mc:AlternateContent xmlns:mc="http://schemas.openxmlformats.org/markup-compatibility/2006">
+        <mc:Choice xmlns:p14="http://schemas.microsoft.com/office/powerpoint/2010/main" Requires="p14">
+          <p:contentPart p14:bwMode="auto" r:id="rId4">
+            <p14:nvContentPartPr>
+              <p14:cNvPr id="21" name="Ink 20">
+                <a:extLst>
+                  <a:ext uri="{FF2B5EF4-FFF2-40B4-BE49-F238E27FC236}">
+                    <a16:creationId xmlns:a16="http://schemas.microsoft.com/office/drawing/2014/main" id="{06E24AFD-43C5-F1C0-88DA-444D964D1DDB}"/>
+                  </a:ext>
+                </a:extLst>
+              </p14:cNvPr>
+              <p14:cNvContentPartPr/>
+              <p14:nvPr/>
+            </p14:nvContentPartPr>
+            <p14:xfrm>
+              <a:off x="1649762" y="1142799"/>
+              <a:ext cx="26280" cy="360"/>
+            </p14:xfrm>
+          </p:contentPart>
+        </mc:Choice>
+        <mc:Fallback>
+          <p:pic>
+            <p:nvPicPr>
+              <p:cNvPr id="21" name="Ink 20">
+                <a:extLst>
+                  <a:ext uri="{FF2B5EF4-FFF2-40B4-BE49-F238E27FC236}">
+                    <a16:creationId xmlns:a16="http://schemas.microsoft.com/office/drawing/2014/main" id="{06E24AFD-43C5-F1C0-88DA-444D964D1DDB}"/>
+                  </a:ext>
+                </a:extLst>
+              </p:cNvPr>
+              <p:cNvPicPr/>
+              <p:nvPr/>
+            </p:nvPicPr>
+            <p:blipFill>
+              <a:blip r:embed="rId5"/>
+              <a:stretch>
+                <a:fillRect/>
+              </a:stretch>
+            </p:blipFill>
+            <p:spPr>
+              <a:xfrm>
+                <a:off x="1631762" y="1124799"/>
+                <a:ext cx="61920" cy="36000"/>
+              </a:xfrm>
+              <a:prstGeom prst="rect">
+                <a:avLst/>
+              </a:prstGeom>
+            </p:spPr>
+          </p:pic>
+        </mc:Fallback>
+      </mc:AlternateContent>
+      <mc:AlternateContent xmlns:mc="http://schemas.openxmlformats.org/markup-compatibility/2006">
+        <mc:Choice xmlns:p14="http://schemas.microsoft.com/office/powerpoint/2010/main" Requires="p14">
+          <p:contentPart p14:bwMode="auto" r:id="rId6">
+            <p14:nvContentPartPr>
+              <p14:cNvPr id="24" name="Ink 23">
+                <a:extLst>
+                  <a:ext uri="{FF2B5EF4-FFF2-40B4-BE49-F238E27FC236}">
+                    <a16:creationId xmlns:a16="http://schemas.microsoft.com/office/drawing/2014/main" id="{C3749CC6-F381-E29F-010C-1F2582DEE84A}"/>
+                  </a:ext>
+                </a:extLst>
+              </p14:cNvPr>
+              <p14:cNvContentPartPr/>
+              <p14:nvPr/>
+            </p14:nvContentPartPr>
+            <p14:xfrm>
+              <a:off x="6853848" y="1202759"/>
+              <a:ext cx="26280" cy="360"/>
+            </p14:xfrm>
+          </p:contentPart>
+        </mc:Choice>
+        <mc:Fallback>
+          <p:pic>
+            <p:nvPicPr>
+              <p:cNvPr id="24" name="Ink 23">
+                <a:extLst>
+                  <a:ext uri="{FF2B5EF4-FFF2-40B4-BE49-F238E27FC236}">
+                    <a16:creationId xmlns:a16="http://schemas.microsoft.com/office/drawing/2014/main" id="{C3749CC6-F381-E29F-010C-1F2582DEE84A}"/>
+                  </a:ext>
+                </a:extLst>
+              </p:cNvPr>
+              <p:cNvPicPr/>
+              <p:nvPr/>
+            </p:nvPicPr>
+            <p:blipFill>
+              <a:blip r:embed="rId5"/>
+              <a:stretch>
+                <a:fillRect/>
+              </a:stretch>
+            </p:blipFill>
+            <p:spPr>
+              <a:xfrm>
+                <a:off x="6835848" y="1184759"/>
+                <a:ext cx="61920" cy="36000"/>
+              </a:xfrm>
+              <a:prstGeom prst="rect">
+                <a:avLst/>
+              </a:prstGeom>
+            </p:spPr>
+          </p:pic>
+        </mc:Fallback>
+      </mc:AlternateContent>
+      <mc:AlternateContent xmlns:mc="http://schemas.openxmlformats.org/markup-compatibility/2006">
+        <mc:Choice xmlns:p14="http://schemas.microsoft.com/office/powerpoint/2010/main" Requires="p14">
+          <p:contentPart p14:bwMode="auto" r:id="rId7">
+            <p14:nvContentPartPr>
+              <p14:cNvPr id="2" name="Ink 1">
+                <a:extLst>
+                  <a:ext uri="{FF2B5EF4-FFF2-40B4-BE49-F238E27FC236}">
+                    <a16:creationId xmlns:a16="http://schemas.microsoft.com/office/drawing/2014/main" id="{35B47568-A48B-54F9-97B4-AEFA6526C9E3}"/>
+                  </a:ext>
+                </a:extLst>
+              </p14:cNvPr>
+              <p14:cNvContentPartPr/>
+              <p14:nvPr/>
+            </p14:nvContentPartPr>
+            <p14:xfrm>
+              <a:off x="1639322" y="4137639"/>
+              <a:ext cx="2842560" cy="711000"/>
+            </p14:xfrm>
+          </p:contentPart>
+        </mc:Choice>
+        <mc:Fallback>
+          <p:pic>
+            <p:nvPicPr>
+              <p:cNvPr id="2" name="Ink 1">
+                <a:extLst>
+                  <a:ext uri="{FF2B5EF4-FFF2-40B4-BE49-F238E27FC236}">
+                    <a16:creationId xmlns:a16="http://schemas.microsoft.com/office/drawing/2014/main" id="{35B47568-A48B-54F9-97B4-AEFA6526C9E3}"/>
+                  </a:ext>
+                </a:extLst>
+              </p:cNvPr>
+              <p:cNvPicPr/>
+              <p:nvPr/>
+            </p:nvPicPr>
+            <p:blipFill>
+              <a:blip r:embed="rId8"/>
+              <a:stretch>
+                <a:fillRect/>
+              </a:stretch>
+            </p:blipFill>
+            <p:spPr>
+              <a:xfrm>
+                <a:off x="1621682" y="4119999"/>
+                <a:ext cx="2878200" cy="746640"/>
+              </a:xfrm>
+              <a:prstGeom prst="rect">
+                <a:avLst/>
+              </a:prstGeom>
+            </p:spPr>
+          </p:pic>
+        </mc:Fallback>
+      </mc:AlternateContent>
+      <mc:AlternateContent xmlns:mc="http://schemas.openxmlformats.org/markup-compatibility/2006">
+        <mc:Choice xmlns:p14="http://schemas.microsoft.com/office/powerpoint/2010/main" Requires="p14">
+          <p:contentPart p14:bwMode="auto" r:id="rId9">
+            <p14:nvContentPartPr>
+              <p14:cNvPr id="5" name="Ink 4">
+                <a:extLst>
+                  <a:ext uri="{FF2B5EF4-FFF2-40B4-BE49-F238E27FC236}">
+                    <a16:creationId xmlns:a16="http://schemas.microsoft.com/office/drawing/2014/main" id="{EA303B37-C756-2DCD-C73A-07F4EFA40D2A}"/>
+                  </a:ext>
+                </a:extLst>
+              </p14:cNvPr>
+              <p14:cNvContentPartPr/>
+              <p14:nvPr/>
+            </p14:nvContentPartPr>
+            <p14:xfrm>
+              <a:off x="6767088" y="1182959"/>
+              <a:ext cx="2966040" cy="4759560"/>
+            </p14:xfrm>
+          </p:contentPart>
+        </mc:Choice>
+        <mc:Fallback>
+          <p:pic>
+            <p:nvPicPr>
+              <p:cNvPr id="5" name="Ink 4">
+                <a:extLst>
+                  <a:ext uri="{FF2B5EF4-FFF2-40B4-BE49-F238E27FC236}">
+                    <a16:creationId xmlns:a16="http://schemas.microsoft.com/office/drawing/2014/main" id="{EA303B37-C756-2DCD-C73A-07F4EFA40D2A}"/>
+                  </a:ext>
+                </a:extLst>
+              </p:cNvPr>
+              <p:cNvPicPr/>
+              <p:nvPr/>
+            </p:nvPicPr>
+            <p:blipFill>
+              <a:blip r:embed="rId3"/>
+              <a:stretch>
+                <a:fillRect/>
+              </a:stretch>
+            </p:blipFill>
+            <p:spPr>
+              <a:xfrm>
+                <a:off x="6749088" y="1164959"/>
+                <a:ext cx="3001680" cy="4795200"/>
+              </a:xfrm>
+              <a:prstGeom prst="rect">
+                <a:avLst/>
+              </a:prstGeom>
+            </p:spPr>
+          </p:pic>
+        </mc:Fallback>
+      </mc:AlternateContent>
+      <mc:AlternateContent xmlns:mc="http://schemas.openxmlformats.org/markup-compatibility/2006">
+        <mc:Choice xmlns:p14="http://schemas.microsoft.com/office/powerpoint/2010/main" Requires="p14">
+          <p:contentPart p14:bwMode="auto" r:id="rId10">
+            <p14:nvContentPartPr>
+              <p14:cNvPr id="8" name="Ink 7">
+                <a:extLst>
+                  <a:ext uri="{FF2B5EF4-FFF2-40B4-BE49-F238E27FC236}">
+                    <a16:creationId xmlns:a16="http://schemas.microsoft.com/office/drawing/2014/main" id="{B831DC9A-1BBB-D2D1-66AA-9598BF30D3AF}"/>
+                  </a:ext>
+                </a:extLst>
+              </p14:cNvPr>
+              <p14:cNvContentPartPr/>
+              <p14:nvPr/>
+            </p14:nvContentPartPr>
+            <p14:xfrm>
+              <a:off x="8611802" y="1200399"/>
+              <a:ext cx="1153800" cy="3741840"/>
+            </p14:xfrm>
+          </p:contentPart>
+        </mc:Choice>
+        <mc:Fallback>
+          <p:pic>
+            <p:nvPicPr>
+              <p:cNvPr id="8" name="Ink 7">
+                <a:extLst>
+                  <a:ext uri="{FF2B5EF4-FFF2-40B4-BE49-F238E27FC236}">
+                    <a16:creationId xmlns:a16="http://schemas.microsoft.com/office/drawing/2014/main" id="{B831DC9A-1BBB-D2D1-66AA-9598BF30D3AF}"/>
+                  </a:ext>
+                </a:extLst>
+              </p:cNvPr>
+              <p:cNvPicPr/>
+              <p:nvPr/>
+            </p:nvPicPr>
+            <p:blipFill>
+              <a:blip r:embed="rId11"/>
+              <a:stretch>
+                <a:fillRect/>
+              </a:stretch>
+            </p:blipFill>
+            <p:spPr>
+              <a:xfrm>
+                <a:off x="8594162" y="1182759"/>
+                <a:ext cx="1189440" cy="3777480"/>
+              </a:xfrm>
+              <a:prstGeom prst="rect">
+                <a:avLst/>
+              </a:prstGeom>
+            </p:spPr>
+          </p:pic>
+        </mc:Fallback>
+      </mc:AlternateContent>
+      <mc:AlternateContent xmlns:mc="http://schemas.openxmlformats.org/markup-compatibility/2006">
+        <mc:Choice xmlns:p14="http://schemas.microsoft.com/office/powerpoint/2010/main" Requires="p14">
+          <p:contentPart p14:bwMode="auto" r:id="rId12">
+            <p14:nvContentPartPr>
+              <p14:cNvPr id="9" name="Ink 8">
+                <a:extLst>
+                  <a:ext uri="{FF2B5EF4-FFF2-40B4-BE49-F238E27FC236}">
+                    <a16:creationId xmlns:a16="http://schemas.microsoft.com/office/drawing/2014/main" id="{28B80C92-3928-515F-1C19-10AA4B695A6A}"/>
+                  </a:ext>
+                </a:extLst>
+              </p14:cNvPr>
+              <p14:cNvContentPartPr/>
+              <p14:nvPr/>
+            </p14:nvContentPartPr>
+            <p14:xfrm>
+              <a:off x="6864002" y="1239639"/>
+              <a:ext cx="875160" cy="3789720"/>
+            </p14:xfrm>
+          </p:contentPart>
+        </mc:Choice>
+        <mc:Fallback>
+          <p:pic>
+            <p:nvPicPr>
+              <p:cNvPr id="9" name="Ink 8">
+                <a:extLst>
+                  <a:ext uri="{FF2B5EF4-FFF2-40B4-BE49-F238E27FC236}">
+                    <a16:creationId xmlns:a16="http://schemas.microsoft.com/office/drawing/2014/main" id="{28B80C92-3928-515F-1C19-10AA4B695A6A}"/>
+                  </a:ext>
+                </a:extLst>
+              </p:cNvPr>
+              <p:cNvPicPr/>
+              <p:nvPr/>
+            </p:nvPicPr>
+            <p:blipFill>
+              <a:blip r:embed="rId13"/>
+              <a:stretch>
+                <a:fillRect/>
+              </a:stretch>
+            </p:blipFill>
+            <p:spPr>
+              <a:xfrm>
+                <a:off x="6846002" y="1221639"/>
+                <a:ext cx="910800" cy="3825360"/>
+              </a:xfrm>
+              <a:prstGeom prst="rect">
+                <a:avLst/>
+              </a:prstGeom>
+            </p:spPr>
+          </p:pic>
+        </mc:Fallback>
+      </mc:AlternateContent>
+    </p:spTree>
+    <p:extLst>
+      <p:ext uri="{BB962C8B-B14F-4D97-AF65-F5344CB8AC3E}">
+        <p14:creationId xmlns:p14="http://schemas.microsoft.com/office/powerpoint/2010/main" val="540097126"/>
+      </p:ext>
+    </p:extLst>
+  </p:cSld>
+  <p:clrMapOvr>
+    <a:masterClrMapping/>
+  </p:clrMapOvr>
+</p:sld>
+</file>
+
+<file path=ppt/slides/slide4.xml><?xml version="1.0" encoding="utf-8"?>
+<p:sld xmlns:a="http://schemas.openxmlformats.org/drawingml/2006/main" xmlns:r="http://schemas.openxmlformats.org/officeDocument/2006/relationships" xmlns:p="http://schemas.openxmlformats.org/presentationml/2006/main">
+  <p:cSld>
+    <p:spTree>
+      <p:nvGrpSpPr>
+        <p:cNvPr id="1" name=""/>
+        <p:cNvGrpSpPr/>
+        <p:nvPr/>
+      </p:nvGrpSpPr>
+      <p:grpSpPr>
+        <a:xfrm>
+          <a:off x="0" y="0"/>
+          <a:ext cx="0" cy="0"/>
+          <a:chOff x="0" y="0"/>
+          <a:chExt cx="0" cy="0"/>
+        </a:xfrm>
+      </p:grpSpPr>
+      <mc:AlternateContent xmlns:mc="http://schemas.openxmlformats.org/markup-compatibility/2006">
+        <mc:Choice xmlns:p14="http://schemas.microsoft.com/office/powerpoint/2010/main" Requires="p14">
+          <p:contentPart p14:bwMode="auto" r:id="rId2">
+            <p14:nvContentPartPr>
+              <p14:cNvPr id="20" name="Ink 19">
+                <a:extLst>
+                  <a:ext uri="{FF2B5EF4-FFF2-40B4-BE49-F238E27FC236}">
+                    <a16:creationId xmlns:a16="http://schemas.microsoft.com/office/drawing/2014/main" id="{47FD1108-17B5-68B9-ACAF-A811C29C9843}"/>
+                  </a:ext>
+                </a:extLst>
+              </p14:cNvPr>
+              <p14:cNvContentPartPr/>
+              <p14:nvPr/>
+            </p14:nvContentPartPr>
+            <p14:xfrm>
+              <a:off x="1563002" y="1122999"/>
+              <a:ext cx="2966040" cy="4759560"/>
+            </p14:xfrm>
+          </p:contentPart>
+        </mc:Choice>
+        <mc:Fallback>
+          <p:pic>
+            <p:nvPicPr>
+              <p:cNvPr id="20" name="Ink 19">
+                <a:extLst>
+                  <a:ext uri="{FF2B5EF4-FFF2-40B4-BE49-F238E27FC236}">
+                    <a16:creationId xmlns:a16="http://schemas.microsoft.com/office/drawing/2014/main" id="{47FD1108-17B5-68B9-ACAF-A811C29C9843}"/>
+                  </a:ext>
+                </a:extLst>
+              </p:cNvPr>
+              <p:cNvPicPr/>
+              <p:nvPr/>
+            </p:nvPicPr>
+            <p:blipFill>
+              <a:blip r:embed="rId3"/>
+              <a:stretch>
+                <a:fillRect/>
+              </a:stretch>
+            </p:blipFill>
+            <p:spPr>
+              <a:xfrm>
+                <a:off x="1545002" y="1104999"/>
+                <a:ext cx="3001680" cy="4795200"/>
+              </a:xfrm>
+              <a:prstGeom prst="rect">
+                <a:avLst/>
+              </a:prstGeom>
+            </p:spPr>
+          </p:pic>
+        </mc:Fallback>
+      </mc:AlternateContent>
+      <mc:AlternateContent xmlns:mc="http://schemas.openxmlformats.org/markup-compatibility/2006">
+        <mc:Choice xmlns:p14="http://schemas.microsoft.com/office/powerpoint/2010/main" Requires="p14">
+          <p:contentPart p14:bwMode="auto" r:id="rId4">
+            <p14:nvContentPartPr>
+              <p14:cNvPr id="21" name="Ink 20">
+                <a:extLst>
+                  <a:ext uri="{FF2B5EF4-FFF2-40B4-BE49-F238E27FC236}">
+                    <a16:creationId xmlns:a16="http://schemas.microsoft.com/office/drawing/2014/main" id="{06E24AFD-43C5-F1C0-88DA-444D964D1DDB}"/>
+                  </a:ext>
+                </a:extLst>
+              </p14:cNvPr>
+              <p14:cNvContentPartPr/>
+              <p14:nvPr/>
+            </p14:nvContentPartPr>
+            <p14:xfrm>
+              <a:off x="1649762" y="1142799"/>
+              <a:ext cx="26280" cy="360"/>
+            </p14:xfrm>
+          </p:contentPart>
+        </mc:Choice>
+        <mc:Fallback>
+          <p:pic>
+            <p:nvPicPr>
+              <p:cNvPr id="21" name="Ink 20">
+                <a:extLst>
+                  <a:ext uri="{FF2B5EF4-FFF2-40B4-BE49-F238E27FC236}">
+                    <a16:creationId xmlns:a16="http://schemas.microsoft.com/office/drawing/2014/main" id="{06E24AFD-43C5-F1C0-88DA-444D964D1DDB}"/>
+                  </a:ext>
+                </a:extLst>
+              </p:cNvPr>
+              <p:cNvPicPr/>
+              <p:nvPr/>
+            </p:nvPicPr>
+            <p:blipFill>
+              <a:blip r:embed="rId5"/>
+              <a:stretch>
+                <a:fillRect/>
+              </a:stretch>
+            </p:blipFill>
+            <p:spPr>
+              <a:xfrm>
+                <a:off x="1631762" y="1124799"/>
+                <a:ext cx="61920" cy="36000"/>
+              </a:xfrm>
+              <a:prstGeom prst="rect">
+                <a:avLst/>
+              </a:prstGeom>
+            </p:spPr>
+          </p:pic>
+        </mc:Fallback>
+      </mc:AlternateContent>
+      <mc:AlternateContent xmlns:mc="http://schemas.openxmlformats.org/markup-compatibility/2006">
+        <mc:Choice xmlns:p14="http://schemas.microsoft.com/office/powerpoint/2010/main" Requires="p14">
+          <p:contentPart p14:bwMode="auto" r:id="rId6">
+            <p14:nvContentPartPr>
+              <p14:cNvPr id="23" name="Ink 22">
+                <a:extLst>
+                  <a:ext uri="{FF2B5EF4-FFF2-40B4-BE49-F238E27FC236}">
+                    <a16:creationId xmlns:a16="http://schemas.microsoft.com/office/drawing/2014/main" id="{9CB3679E-DC87-F2CF-B72D-00EBD668E272}"/>
+                  </a:ext>
+                </a:extLst>
+              </p14:cNvPr>
+              <p14:cNvContentPartPr/>
+              <p14:nvPr/>
+            </p14:nvContentPartPr>
+            <p14:xfrm>
+              <a:off x="6767088" y="1122999"/>
+              <a:ext cx="2966040" cy="4759560"/>
+            </p14:xfrm>
+          </p:contentPart>
+        </mc:Choice>
+        <mc:Fallback>
+          <p:pic>
+            <p:nvPicPr>
+              <p:cNvPr id="23" name="Ink 22">
+                <a:extLst>
+                  <a:ext uri="{FF2B5EF4-FFF2-40B4-BE49-F238E27FC236}">
+                    <a16:creationId xmlns:a16="http://schemas.microsoft.com/office/drawing/2014/main" id="{9CB3679E-DC87-F2CF-B72D-00EBD668E272}"/>
+                  </a:ext>
+                </a:extLst>
+              </p:cNvPr>
+              <p:cNvPicPr/>
+              <p:nvPr/>
+            </p:nvPicPr>
+            <p:blipFill>
+              <a:blip r:embed="rId3"/>
+              <a:stretch>
+                <a:fillRect/>
+              </a:stretch>
+            </p:blipFill>
+            <p:spPr>
+              <a:xfrm>
+                <a:off x="6749088" y="1104999"/>
+                <a:ext cx="3001680" cy="4795200"/>
+              </a:xfrm>
+              <a:prstGeom prst="rect">
+                <a:avLst/>
+              </a:prstGeom>
+            </p:spPr>
+          </p:pic>
+        </mc:Fallback>
+      </mc:AlternateContent>
+      <mc:AlternateContent xmlns:mc="http://schemas.openxmlformats.org/markup-compatibility/2006">
+        <mc:Choice xmlns:p14="http://schemas.microsoft.com/office/powerpoint/2010/main" Requires="p14">
+          <p:contentPart p14:bwMode="auto" r:id="rId7">
+            <p14:nvContentPartPr>
+              <p14:cNvPr id="24" name="Ink 23">
+                <a:extLst>
+                  <a:ext uri="{FF2B5EF4-FFF2-40B4-BE49-F238E27FC236}">
+                    <a16:creationId xmlns:a16="http://schemas.microsoft.com/office/drawing/2014/main" id="{C3749CC6-F381-E29F-010C-1F2582DEE84A}"/>
+                  </a:ext>
+                </a:extLst>
+              </p14:cNvPr>
+              <p14:cNvContentPartPr/>
+              <p14:nvPr/>
+            </p14:nvContentPartPr>
+            <p14:xfrm>
+              <a:off x="6853848" y="1142799"/>
+              <a:ext cx="26280" cy="360"/>
+            </p14:xfrm>
+          </p:contentPart>
+        </mc:Choice>
+        <mc:Fallback>
+          <p:pic>
+            <p:nvPicPr>
+              <p:cNvPr id="24" name="Ink 23">
+                <a:extLst>
+                  <a:ext uri="{FF2B5EF4-FFF2-40B4-BE49-F238E27FC236}">
+                    <a16:creationId xmlns:a16="http://schemas.microsoft.com/office/drawing/2014/main" id="{C3749CC6-F381-E29F-010C-1F2582DEE84A}"/>
+                  </a:ext>
+                </a:extLst>
+              </p:cNvPr>
+              <p:cNvPicPr/>
+              <p:nvPr/>
+            </p:nvPicPr>
+            <p:blipFill>
+              <a:blip r:embed="rId5"/>
+              <a:stretch>
+                <a:fillRect/>
+              </a:stretch>
+            </p:blipFill>
+            <p:spPr>
+              <a:xfrm>
+                <a:off x="6835848" y="1124799"/>
+                <a:ext cx="61920" cy="36000"/>
+              </a:xfrm>
+              <a:prstGeom prst="rect">
+                <a:avLst/>
+              </a:prstGeom>
+            </p:spPr>
+          </p:pic>
+        </mc:Fallback>
+      </mc:AlternateContent>
+      <mc:AlternateContent xmlns:mc="http://schemas.openxmlformats.org/markup-compatibility/2006">
+        <mc:Choice xmlns:p14="http://schemas.microsoft.com/office/powerpoint/2010/main" Requires="p14">
+          <p:contentPart p14:bwMode="auto" r:id="rId8">
+            <p14:nvContentPartPr>
+              <p14:cNvPr id="3" name="Ink 2">
+                <a:extLst>
+                  <a:ext uri="{FF2B5EF4-FFF2-40B4-BE49-F238E27FC236}">
+                    <a16:creationId xmlns:a16="http://schemas.microsoft.com/office/drawing/2014/main" id="{59ECA423-01E5-B95E-3E5B-8F106E4F32B5}"/>
+                  </a:ext>
+                </a:extLst>
+              </p14:cNvPr>
+              <p14:cNvContentPartPr/>
+              <p14:nvPr/>
+            </p14:nvContentPartPr>
+            <p14:xfrm>
+              <a:off x="1934882" y="1122999"/>
+              <a:ext cx="546840" cy="4690440"/>
+            </p14:xfrm>
+          </p:contentPart>
+        </mc:Choice>
+        <mc:Fallback>
+          <p:pic>
+            <p:nvPicPr>
+              <p:cNvPr id="3" name="Ink 2">
+                <a:extLst>
+                  <a:ext uri="{FF2B5EF4-FFF2-40B4-BE49-F238E27FC236}">
+                    <a16:creationId xmlns:a16="http://schemas.microsoft.com/office/drawing/2014/main" id="{59ECA423-01E5-B95E-3E5B-8F106E4F32B5}"/>
+                  </a:ext>
+                </a:extLst>
+              </p:cNvPr>
+              <p:cNvPicPr/>
+              <p:nvPr/>
+            </p:nvPicPr>
+            <p:blipFill>
+              <a:blip r:embed="rId9"/>
+              <a:stretch>
+                <a:fillRect/>
+              </a:stretch>
+            </p:blipFill>
+            <p:spPr>
+              <a:xfrm>
+                <a:off x="1916882" y="1104999"/>
+                <a:ext cx="582480" cy="4726080"/>
+              </a:xfrm>
+              <a:prstGeom prst="rect">
+                <a:avLst/>
+              </a:prstGeom>
+            </p:spPr>
+          </p:pic>
+        </mc:Fallback>
+      </mc:AlternateContent>
+      <mc:AlternateContent xmlns:mc="http://schemas.openxmlformats.org/markup-compatibility/2006">
+        <mc:Choice xmlns:p14="http://schemas.microsoft.com/office/powerpoint/2010/main" Requires="p14">
+          <p:contentPart p14:bwMode="auto" r:id="rId10">
+            <p14:nvContentPartPr>
+              <p14:cNvPr id="4" name="Ink 3">
+                <a:extLst>
+                  <a:ext uri="{FF2B5EF4-FFF2-40B4-BE49-F238E27FC236}">
+                    <a16:creationId xmlns:a16="http://schemas.microsoft.com/office/drawing/2014/main" id="{5D6C1443-08B0-E28C-86CF-8910F8951104}"/>
+                  </a:ext>
+                </a:extLst>
+              </p14:cNvPr>
+              <p14:cNvContentPartPr/>
+              <p14:nvPr/>
+            </p14:nvContentPartPr>
+            <p14:xfrm flipH="1">
+              <a:off x="3231962" y="1142799"/>
+              <a:ext cx="546840" cy="4690440"/>
+            </p14:xfrm>
+          </p:contentPart>
+        </mc:Choice>
+        <mc:Fallback>
+          <p:pic>
+            <p:nvPicPr>
+              <p:cNvPr id="4" name="Ink 3">
+                <a:extLst>
+                  <a:ext uri="{FF2B5EF4-FFF2-40B4-BE49-F238E27FC236}">
+                    <a16:creationId xmlns:a16="http://schemas.microsoft.com/office/drawing/2014/main" id="{5D6C1443-08B0-E28C-86CF-8910F8951104}"/>
+                  </a:ext>
+                </a:extLst>
+              </p:cNvPr>
+              <p:cNvPicPr/>
+              <p:nvPr/>
+            </p:nvPicPr>
+            <p:blipFill>
+              <a:blip r:embed="rId11"/>
+              <a:stretch>
+                <a:fillRect/>
+              </a:stretch>
+            </p:blipFill>
+            <p:spPr>
+              <a:xfrm flipH="1">
+                <a:off x="3213962" y="1124799"/>
+                <a:ext cx="582480" cy="4726080"/>
+              </a:xfrm>
+              <a:prstGeom prst="rect">
+                <a:avLst/>
+              </a:prstGeom>
+            </p:spPr>
+          </p:pic>
+        </mc:Fallback>
+      </mc:AlternateContent>
+    </p:spTree>
+    <p:extLst>
+      <p:ext uri="{BB962C8B-B14F-4D97-AF65-F5344CB8AC3E}">
+        <p14:creationId xmlns:p14="http://schemas.microsoft.com/office/powerpoint/2010/main" val="3416749071"/>
       </p:ext>
     </p:extLst>
   </p:cSld>
